--- a/projeto/LetsCook_02.pptx
+++ b/projeto/LetsCook_02.pptx
@@ -5,41 +5,55 @@
     <p:sldMasterId id="2147483856" r:id="rId1"/>
   </p:sldMasterIdLst>
   <p:notesMasterIdLst>
-    <p:notesMasterId r:id="rId9"/>
+    <p:notesMasterId r:id="rId16"/>
   </p:notesMasterIdLst>
   <p:sldIdLst>
     <p:sldId id="256" r:id="rId2"/>
     <p:sldId id="257" r:id="rId3"/>
     <p:sldId id="267" r:id="rId4"/>
     <p:sldId id="259" r:id="rId5"/>
-    <p:sldId id="261" r:id="rId6"/>
-    <p:sldId id="263" r:id="rId7"/>
-    <p:sldId id="264" r:id="rId8"/>
+    <p:sldId id="274" r:id="rId6"/>
+    <p:sldId id="275" r:id="rId7"/>
+    <p:sldId id="276" r:id="rId8"/>
+    <p:sldId id="269" r:id="rId9"/>
+    <p:sldId id="271" r:id="rId10"/>
+    <p:sldId id="272" r:id="rId11"/>
+    <p:sldId id="261" r:id="rId12"/>
+    <p:sldId id="273" r:id="rId13"/>
+    <p:sldId id="263" r:id="rId14"/>
+    <p:sldId id="264" r:id="rId15"/>
   </p:sldIdLst>
   <p:sldSz cx="9144000" cy="5143500" type="screen16x9"/>
   <p:notesSz cx="6858000" cy="9144000"/>
   <p:embeddedFontLst>
     <p:embeddedFont>
       <p:font typeface="Garamond" panose="02020404030301010803" pitchFamily="18" charset="0"/>
-      <p:regular r:id="rId10"/>
-      <p:bold r:id="rId11"/>
-      <p:italic r:id="rId12"/>
+      <p:regular r:id="rId17"/>
+      <p:bold r:id="rId18"/>
+      <p:italic r:id="rId19"/>
+    </p:embeddedFont>
+    <p:embeddedFont>
+      <p:font typeface="Lato" panose="020B0604020202020204" charset="0"/>
+      <p:regular r:id="rId20"/>
+      <p:bold r:id="rId21"/>
+      <p:italic r:id="rId22"/>
+      <p:boldItalic r:id="rId23"/>
     </p:embeddedFont>
     <p:embeddedFont>
       <p:font typeface="Segoe UI Black" panose="020B0A02040204020203" pitchFamily="34" charset="0"/>
-      <p:bold r:id="rId13"/>
-      <p:boldItalic r:id="rId14"/>
+      <p:bold r:id="rId24"/>
+      <p:boldItalic r:id="rId25"/>
     </p:embeddedFont>
     <p:embeddedFont>
       <p:font typeface="Century" panose="02040604050505020304" pitchFamily="18" charset="0"/>
-      <p:regular r:id="rId15"/>
+      <p:regular r:id="rId26"/>
     </p:embeddedFont>
     <p:embeddedFont>
-      <p:font typeface="Lato" panose="020B0604020202020204" charset="0"/>
-      <p:regular r:id="rId16"/>
-      <p:bold r:id="rId17"/>
-      <p:italic r:id="rId18"/>
-      <p:boldItalic r:id="rId19"/>
+      <p:font typeface="Calibri" panose="020F0502020204030204" pitchFamily="34" charset="0"/>
+      <p:regular r:id="rId27"/>
+      <p:bold r:id="rId28"/>
+      <p:italic r:id="rId29"/>
+      <p:boldItalic r:id="rId30"/>
     </p:embeddedFont>
   </p:embeddedFontLst>
   <p:defaultTextStyle>
@@ -627,7 +641,7 @@
               </a:spcBef>
               <a:buNone/>
             </a:pPr>
-            <a:endParaRPr/>
+            <a:endParaRPr dirty="0"/>
           </a:p>
         </p:txBody>
       </p:sp>
@@ -894,7 +908,7 @@
   <p:cSld>
     <p:spTree>
       <p:nvGrpSpPr>
-        <p:cNvPr id="1" name="Shape 160"/>
+        <p:cNvPr id="1" name="Shape 148"/>
         <p:cNvGrpSpPr/>
         <p:nvPr/>
       </p:nvGrpSpPr>
@@ -908,7 +922,7 @@
       </p:grpSpPr>
       <p:sp>
         <p:nvSpPr>
-          <p:cNvPr id="161" name="Shape 161"/>
+          <p:cNvPr id="149" name="Shape 149"/>
           <p:cNvSpPr>
             <a:spLocks noGrp="1" noRot="1" noChangeAspect="1"/>
           </p:cNvSpPr>
@@ -949,7 +963,7 @@
       </p:sp>
       <p:sp>
         <p:nvSpPr>
-          <p:cNvPr id="162" name="Shape 162"/>
+          <p:cNvPr id="150" name="Shape 150"/>
           <p:cNvSpPr txBox="1">
             <a:spLocks noGrp="1"/>
           </p:cNvSpPr>
@@ -996,7 +1010,7 @@
                 <a:cs typeface="Arial"/>
                 <a:sym typeface="Arial"/>
               </a:rPr>
-              <a:t>Um sistema que tem como foco a interatividade, auxiliando os cozinheiros durante o preparo, na publicação, compartilhamento e na busca de receitas.</a:t>
+              <a:t>A falta de clareza e a dificuldade no preparo das receitas ainda existentes.</a:t>
             </a:r>
           </a:p>
           <a:p>
@@ -1006,120 +1020,16 @@
               </a:spcBef>
               <a:buNone/>
             </a:pPr>
-            <a:r>
-              <a:rPr lang="pt-BR" dirty="0" smtClean="0"/>
-              <a:t>Uma busca de receitas mais inteligente;</a:t>
-            </a:r>
-          </a:p>
-          <a:p>
-            <a:pPr lvl="0">
-              <a:spcBef>
-                <a:spcPts val="0"/>
-              </a:spcBef>
-              <a:buNone/>
-            </a:pPr>
-            <a:r>
-              <a:rPr lang="pt-BR" dirty="0" smtClean="0"/>
-              <a:t>Uma despensa que armazena os ingredientes que você possui;</a:t>
-            </a:r>
-          </a:p>
-          <a:p>
-            <a:pPr lvl="0">
-              <a:spcBef>
-                <a:spcPts val="0"/>
-              </a:spcBef>
-              <a:buNone/>
-            </a:pPr>
-            <a:r>
-              <a:rPr lang="pt-BR" dirty="0" smtClean="0"/>
-              <a:t>Sugestões de receitas com os ingredientes armazenados na despensa;</a:t>
-            </a:r>
-          </a:p>
-          <a:p>
-            <a:pPr lvl="0">
-              <a:spcBef>
-                <a:spcPts val="0"/>
-              </a:spcBef>
-              <a:buNone/>
-            </a:pPr>
-            <a:r>
-              <a:rPr lang="pt-BR" dirty="0" smtClean="0"/>
-              <a:t>Um preparo interativo  simulando um tutorial, possuindo cronômetros e dicas;</a:t>
-            </a:r>
-          </a:p>
-          <a:p>
-            <a:pPr lvl="0">
-              <a:spcBef>
-                <a:spcPts val="0"/>
-              </a:spcBef>
-              <a:buNone/>
-            </a:pPr>
-            <a:r>
-              <a:rPr lang="pt-BR" dirty="0" smtClean="0"/>
-              <a:t>Conversor de medidas;</a:t>
-            </a:r>
-          </a:p>
-          <a:p>
-            <a:pPr lvl="0">
-              <a:spcBef>
-                <a:spcPts val="0"/>
-              </a:spcBef>
-              <a:buNone/>
-            </a:pPr>
-            <a:r>
-              <a:rPr lang="pt-BR" dirty="0" smtClean="0"/>
-              <a:t>Lista de compras vinculada com receitas;</a:t>
-            </a:r>
-          </a:p>
-          <a:p>
-            <a:pPr lvl="0">
-              <a:spcBef>
-                <a:spcPts val="0"/>
-              </a:spcBef>
-              <a:buNone/>
-            </a:pPr>
-            <a:r>
-              <a:rPr lang="pt-BR" dirty="0" smtClean="0"/>
-              <a:t>Padronização de receitas criadas pelos cozinheiros.</a:t>
-            </a:r>
-          </a:p>
-          <a:p>
-            <a:pPr marL="0" marR="0" lvl="0" indent="0" algn="l" defTabSz="914400" rtl="0" eaLnBrk="1" fontAlgn="auto" latinLnBrk="0" hangingPunct="1">
-              <a:lnSpc>
-                <a:spcPct val="100000"/>
-              </a:lnSpc>
-              <a:spcBef>
-                <a:spcPts val="0"/>
-              </a:spcBef>
-              <a:spcAft>
-                <a:spcPts val="0"/>
-              </a:spcAft>
-              <a:buClrTx/>
-              <a:buSzPct val="100000"/>
-              <a:buFontTx/>
-              <a:buNone/>
-              <a:tabLst/>
-              <a:defRPr/>
-            </a:pPr>
-            <a:endParaRPr lang="pt-BR" sz="1100" dirty="0" smtClean="0">
-              <a:latin typeface="+mn-lt"/>
-              <a:ea typeface="Arial"/>
-              <a:cs typeface="Arial"/>
-              <a:sym typeface="Arial"/>
-            </a:endParaRPr>
-          </a:p>
-          <a:p>
-            <a:pPr lvl="0">
-              <a:spcBef>
-                <a:spcPts val="0"/>
-              </a:spcBef>
-              <a:buNone/>
-            </a:pPr>
             <a:endParaRPr dirty="0"/>
           </a:p>
         </p:txBody>
       </p:sp>
     </p:spTree>
+    <p:extLst>
+      <p:ext uri="{BB962C8B-B14F-4D97-AF65-F5344CB8AC3E}">
+        <p14:creationId xmlns:p14="http://schemas.microsoft.com/office/powerpoint/2010/main" val="832608398"/>
+      </p:ext>
+    </p:extLst>
   </p:cSld>
   <p:clrMapOvr>
     <a:masterClrMapping/>
@@ -1132,7 +1042,7 @@
   <p:cSld>
     <p:spTree>
       <p:nvGrpSpPr>
-        <p:cNvPr id="1" name="Shape 172"/>
+        <p:cNvPr id="1" name="Shape 160"/>
         <p:cNvGrpSpPr/>
         <p:nvPr/>
       </p:nvGrpSpPr>
@@ -1146,7 +1056,7 @@
       </p:grpSpPr>
       <p:sp>
         <p:nvSpPr>
-          <p:cNvPr id="173" name="Shape 173"/>
+          <p:cNvPr id="161" name="Shape 161"/>
           <p:cNvSpPr>
             <a:spLocks noGrp="1" noRot="1" noChangeAspect="1"/>
           </p:cNvSpPr>
@@ -1187,7 +1097,7 @@
       </p:sp>
       <p:sp>
         <p:nvSpPr>
-          <p:cNvPr id="174" name="Shape 174"/>
+          <p:cNvPr id="162" name="Shape 162"/>
           <p:cNvSpPr txBox="1">
             <a:spLocks noGrp="1"/>
           </p:cNvSpPr>
@@ -1210,13 +1120,150 @@
           </a:bodyPr>
           <a:lstStyle/>
           <a:p>
+            <a:pPr marL="0" marR="0" lvl="0" indent="0" algn="l" defTabSz="914400" rtl="0" eaLnBrk="1" fontAlgn="auto" latinLnBrk="0" hangingPunct="1">
+              <a:lnSpc>
+                <a:spcPct val="100000"/>
+              </a:lnSpc>
+              <a:spcBef>
+                <a:spcPts val="0"/>
+              </a:spcBef>
+              <a:spcAft>
+                <a:spcPts val="0"/>
+              </a:spcAft>
+              <a:buClrTx/>
+              <a:buSzPct val="100000"/>
+              <a:buFontTx/>
+              <a:buNone/>
+              <a:tabLst/>
+              <a:defRPr/>
+            </a:pPr>
+            <a:r>
+              <a:rPr lang="pt-BR" sz="1100" dirty="0" smtClean="0">
+                <a:latin typeface="+mn-lt"/>
+                <a:ea typeface="Arial"/>
+                <a:cs typeface="Arial"/>
+                <a:sym typeface="Arial"/>
+              </a:rPr>
+              <a:t>Um sistema que tem como foco a interatividade, auxiliando os cozinheiros durante o preparo, na publicação, compartilhamento e na busca de receitas.</a:t>
+            </a:r>
+          </a:p>
+          <a:p>
             <a:pPr lvl="0">
               <a:spcBef>
                 <a:spcPts val="0"/>
               </a:spcBef>
               <a:buNone/>
             </a:pPr>
-            <a:endParaRPr/>
+            <a:r>
+              <a:rPr lang="pt-BR" dirty="0" smtClean="0"/>
+              <a:t>Uma busca de receitas mais inteligente;</a:t>
+            </a:r>
+          </a:p>
+          <a:p>
+            <a:pPr lvl="0">
+              <a:spcBef>
+                <a:spcPts val="0"/>
+              </a:spcBef>
+              <a:buNone/>
+            </a:pPr>
+            <a:r>
+              <a:rPr lang="pt-BR" dirty="0" smtClean="0"/>
+              <a:t>Uma despensa que armazena os ingredientes que você possui;</a:t>
+            </a:r>
+          </a:p>
+          <a:p>
+            <a:pPr lvl="0">
+              <a:spcBef>
+                <a:spcPts val="0"/>
+              </a:spcBef>
+              <a:buNone/>
+            </a:pPr>
+            <a:r>
+              <a:rPr lang="pt-BR" dirty="0" smtClean="0"/>
+              <a:t>Sugestões de receitas com os ingredientes armazenados na despensa;</a:t>
+            </a:r>
+          </a:p>
+          <a:p>
+            <a:pPr lvl="0">
+              <a:spcBef>
+                <a:spcPts val="0"/>
+              </a:spcBef>
+              <a:buNone/>
+            </a:pPr>
+            <a:r>
+              <a:rPr lang="pt-BR" dirty="0" smtClean="0"/>
+              <a:t>Um preparo interativo  simulando um tutorial, possuindo cronômetros e dicas;</a:t>
+            </a:r>
+          </a:p>
+          <a:p>
+            <a:pPr lvl="0">
+              <a:spcBef>
+                <a:spcPts val="0"/>
+              </a:spcBef>
+              <a:buNone/>
+            </a:pPr>
+            <a:r>
+              <a:rPr lang="pt-BR" dirty="0" smtClean="0"/>
+              <a:t>Conversor de medidas;</a:t>
+            </a:r>
+          </a:p>
+          <a:p>
+            <a:pPr lvl="0">
+              <a:spcBef>
+                <a:spcPts val="0"/>
+              </a:spcBef>
+              <a:buNone/>
+            </a:pPr>
+            <a:r>
+              <a:rPr lang="pt-BR" dirty="0" smtClean="0"/>
+              <a:t>Lista de compras vinculada com receitas;</a:t>
+            </a:r>
+          </a:p>
+          <a:p>
+            <a:pPr lvl="0">
+              <a:spcBef>
+                <a:spcPts val="0"/>
+              </a:spcBef>
+              <a:buNone/>
+            </a:pPr>
+            <a:r>
+              <a:rPr lang="pt-BR" dirty="0" smtClean="0"/>
+              <a:t>Padronização de receitas criadas pelos cozinheiros.</a:t>
+            </a:r>
+          </a:p>
+          <a:p>
+            <a:pPr marL="0" marR="0" lvl="0" indent="0" algn="l" defTabSz="914400" rtl="0" eaLnBrk="1" fontAlgn="auto" latinLnBrk="0" hangingPunct="1">
+              <a:lnSpc>
+                <a:spcPct val="100000"/>
+              </a:lnSpc>
+              <a:spcBef>
+                <a:spcPts val="0"/>
+              </a:spcBef>
+              <a:spcAft>
+                <a:spcPts val="0"/>
+              </a:spcAft>
+              <a:buClrTx/>
+              <a:buSzPct val="100000"/>
+              <a:buFontTx/>
+              <a:buNone/>
+              <a:tabLst/>
+              <a:defRPr/>
+            </a:pPr>
+            <a:endParaRPr lang="pt-BR" sz="1100" dirty="0" smtClean="0">
+              <a:latin typeface="+mn-lt"/>
+              <a:ea typeface="Arial"/>
+              <a:cs typeface="Arial"/>
+              <a:sym typeface="Arial"/>
+            </a:endParaRPr>
+          </a:p>
+          <a:p>
+            <a:pPr lvl="0">
+              <a:spcBef>
+                <a:spcPts val="0"/>
+              </a:spcBef>
+              <a:buNone/>
+            </a:pPr>
+            <a:endParaRPr dirty="0"/>
           </a:p>
         </p:txBody>
       </p:sp>
@@ -1229,6 +1276,171 @@
 </file>
 
 <file path=ppt/notesSlides/notesSlide6.xml><?xml version="1.0" encoding="utf-8"?>
+<p:notes xmlns:a="http://schemas.openxmlformats.org/drawingml/2006/main" xmlns:r="http://schemas.openxmlformats.org/officeDocument/2006/relationships" xmlns:p="http://schemas.openxmlformats.org/presentationml/2006/main" showMasterSp="0" showMasterPhAnim="0">
+  <p:cSld>
+    <p:spTree>
+      <p:nvGrpSpPr>
+        <p:cNvPr id="1" name="Shape 172"/>
+        <p:cNvGrpSpPr/>
+        <p:nvPr/>
+      </p:nvGrpSpPr>
+      <p:grpSpPr>
+        <a:xfrm>
+          <a:off x="0" y="0"/>
+          <a:ext cx="0" cy="0"/>
+          <a:chOff x="0" y="0"/>
+          <a:chExt cx="0" cy="0"/>
+        </a:xfrm>
+      </p:grpSpPr>
+      <p:sp>
+        <p:nvSpPr>
+          <p:cNvPr id="173" name="Shape 173"/>
+          <p:cNvSpPr>
+            <a:spLocks noGrp="1" noRot="1" noChangeAspect="1"/>
+          </p:cNvSpPr>
+          <p:nvPr>
+            <p:ph type="sldImg" idx="2"/>
+          </p:nvPr>
+        </p:nvSpPr>
+        <p:spPr>
+          <a:xfrm>
+            <a:off x="381000" y="685800"/>
+            <a:ext cx="6096000" cy="3429000"/>
+          </a:xfrm>
+          <a:custGeom>
+            <a:avLst/>
+            <a:gdLst/>
+            <a:ahLst/>
+            <a:cxnLst/>
+            <a:rect l="0" t="0" r="0" b="0"/>
+            <a:pathLst>
+              <a:path w="120000" h="120000" extrusionOk="0">
+                <a:moveTo>
+                  <a:pt x="0" y="0"/>
+                </a:moveTo>
+                <a:lnTo>
+                  <a:pt x="120000" y="0"/>
+                </a:lnTo>
+                <a:lnTo>
+                  <a:pt x="120000" y="120000"/>
+                </a:lnTo>
+                <a:lnTo>
+                  <a:pt x="0" y="120000"/>
+                </a:lnTo>
+                <a:close/>
+              </a:path>
+            </a:pathLst>
+          </a:custGeom>
+        </p:spPr>
+      </p:sp>
+      <p:sp>
+        <p:nvSpPr>
+          <p:cNvPr id="174" name="Shape 174"/>
+          <p:cNvSpPr txBox="1">
+            <a:spLocks noGrp="1"/>
+          </p:cNvSpPr>
+          <p:nvPr>
+            <p:ph type="body" idx="1"/>
+          </p:nvPr>
+        </p:nvSpPr>
+        <p:spPr>
+          <a:xfrm>
+            <a:off x="685800" y="4343400"/>
+            <a:ext cx="5486400" cy="4114800"/>
+          </a:xfrm>
+          <a:prstGeom prst="rect">
+            <a:avLst/>
+          </a:prstGeom>
+        </p:spPr>
+        <p:txBody>
+          <a:bodyPr wrap="square" lIns="91425" tIns="91425" rIns="91425" bIns="91425" anchor="t" anchorCtr="0">
+            <a:noAutofit/>
+          </a:bodyPr>
+          <a:lstStyle/>
+          <a:p>
+            <a:pPr lvl="0">
+              <a:spcBef>
+                <a:spcPts val="0"/>
+              </a:spcBef>
+              <a:buNone/>
+            </a:pPr>
+            <a:r>
+              <a:rPr lang="pt-BR" dirty="0" smtClean="0"/>
+              <a:t>Wildfly 9 </a:t>
+            </a:r>
+          </a:p>
+          <a:p>
+            <a:pPr lvl="0">
+              <a:spcBef>
+                <a:spcPts val="0"/>
+              </a:spcBef>
+              <a:buNone/>
+            </a:pPr>
+            <a:r>
+              <a:rPr lang="pt-BR" dirty="0" smtClean="0"/>
+              <a:t>Hibernet</a:t>
+            </a:r>
+          </a:p>
+          <a:p>
+            <a:pPr lvl="0">
+              <a:spcBef>
+                <a:spcPts val="0"/>
+              </a:spcBef>
+              <a:buNone/>
+            </a:pPr>
+            <a:r>
+              <a:rPr lang="pt-BR" dirty="0" smtClean="0"/>
+              <a:t>Mysql</a:t>
+            </a:r>
+            <a:r>
+              <a:rPr lang="pt-BR" baseline="0" dirty="0" smtClean="0"/>
+              <a:t> workbench</a:t>
+            </a:r>
+          </a:p>
+          <a:p>
+            <a:pPr lvl="0">
+              <a:spcBef>
+                <a:spcPts val="0"/>
+              </a:spcBef>
+              <a:buNone/>
+            </a:pPr>
+            <a:r>
+              <a:rPr lang="pt-BR" baseline="0" dirty="0" smtClean="0"/>
+              <a:t>Netbeans</a:t>
+            </a:r>
+          </a:p>
+          <a:p>
+            <a:pPr lvl="0">
+              <a:spcBef>
+                <a:spcPts val="0"/>
+              </a:spcBef>
+              <a:buNone/>
+            </a:pPr>
+            <a:r>
+              <a:rPr lang="pt-BR" baseline="0" dirty="0" smtClean="0"/>
+              <a:t>Visual studio code</a:t>
+            </a:r>
+          </a:p>
+          <a:p>
+            <a:pPr lvl="0">
+              <a:spcBef>
+                <a:spcPts val="0"/>
+              </a:spcBef>
+              <a:buNone/>
+            </a:pPr>
+            <a:endParaRPr dirty="0"/>
+          </a:p>
+        </p:txBody>
+      </p:sp>
+    </p:spTree>
+  </p:cSld>
+  <p:clrMapOvr>
+    <a:masterClrMapping/>
+  </p:clrMapOvr>
+</p:notes>
+</file>
+
+<file path=ppt/notesSlides/notesSlide7.xml><?xml version="1.0" encoding="utf-8"?>
 <p:notes xmlns:a="http://schemas.openxmlformats.org/drawingml/2006/main" xmlns:r="http://schemas.openxmlformats.org/officeDocument/2006/relationships" xmlns:p="http://schemas.openxmlformats.org/presentationml/2006/main" showMasterSp="0" showMasterPhAnim="0">
   <p:cSld>
     <p:spTree>
@@ -1554,7 +1766,7 @@
             <a:fld id="{8E36636D-D922-432D-A958-524484B5923D}" type="datetimeFigureOut">
               <a:rPr lang="en-US" smtClean="0"/>
               <a:pPr/>
-              <a:t>10/25/2017</a:t>
+              <a:t>10/28/2017</a:t>
             </a:fld>
             <a:endParaRPr lang="en-US" dirty="0"/>
           </a:p>
@@ -1620,7 +1832,7 @@
                 <a:cs typeface="Lato"/>
                 <a:sym typeface="Lato"/>
               </a:rPr>
-              <a:t>‹nº›</a:t>
+              <a:t>‹#›</a:t>
             </a:fld>
             <a:endParaRPr lang="pt-BR" sz="1000">
               <a:solidFill>
@@ -1902,7 +2114,7 @@
             <a:fld id="{8E36636D-D922-432D-A958-524484B5923D}" type="datetimeFigureOut">
               <a:rPr lang="en-US" smtClean="0"/>
               <a:pPr/>
-              <a:t>10/25/2017</a:t>
+              <a:t>10/28/2017</a:t>
             </a:fld>
             <a:endParaRPr lang="en-US" dirty="0"/>
           </a:p>
@@ -1958,7 +2170,7 @@
                 <a:cs typeface="Lato"/>
                 <a:sym typeface="Lato"/>
               </a:rPr>
-              <a:t>‹nº›</a:t>
+              <a:t>‹#›</a:t>
             </a:fld>
             <a:endParaRPr lang="pt-BR" sz="1000">
               <a:solidFill>
@@ -2174,7 +2386,7 @@
             <a:fld id="{8E36636D-D922-432D-A958-524484B5923D}" type="datetimeFigureOut">
               <a:rPr lang="en-US" smtClean="0"/>
               <a:pPr/>
-              <a:t>10/25/2017</a:t>
+              <a:t>10/28/2017</a:t>
             </a:fld>
             <a:endParaRPr lang="en-US" dirty="0"/>
           </a:p>
@@ -2230,7 +2442,7 @@
                 <a:cs typeface="Lato"/>
                 <a:sym typeface="Lato"/>
               </a:rPr>
-              <a:t>‹nº›</a:t>
+              <a:t>‹#›</a:t>
             </a:fld>
             <a:endParaRPr lang="pt-BR" sz="1000">
               <a:solidFill>
@@ -2537,7 +2749,7 @@
             <a:fld id="{8E36636D-D922-432D-A958-524484B5923D}" type="datetimeFigureOut">
               <a:rPr lang="en-US" smtClean="0"/>
               <a:pPr/>
-              <a:t>10/25/2017</a:t>
+              <a:t>10/28/2017</a:t>
             </a:fld>
             <a:endParaRPr lang="en-US" dirty="0"/>
           </a:p>
@@ -2593,7 +2805,7 @@
                 <a:cs typeface="Lato"/>
                 <a:sym typeface="Lato"/>
               </a:rPr>
-              <a:t>‹nº›</a:t>
+              <a:t>‹#›</a:t>
             </a:fld>
             <a:endParaRPr lang="pt-BR" sz="1000">
               <a:solidFill>
@@ -2908,7 +3120,7 @@
             <a:fld id="{8E36636D-D922-432D-A958-524484B5923D}" type="datetimeFigureOut">
               <a:rPr lang="en-US" smtClean="0"/>
               <a:pPr/>
-              <a:t>10/25/2017</a:t>
+              <a:t>10/28/2017</a:t>
             </a:fld>
             <a:endParaRPr lang="en-US" dirty="0"/>
           </a:p>
@@ -2964,7 +3176,7 @@
                 <a:cs typeface="Lato"/>
                 <a:sym typeface="Lato"/>
               </a:rPr>
-              <a:t>‹nº›</a:t>
+              <a:t>‹#›</a:t>
             </a:fld>
             <a:endParaRPr lang="pt-BR" sz="1000">
               <a:solidFill>
@@ -3306,7 +3518,7 @@
             <a:fld id="{8E36636D-D922-432D-A958-524484B5923D}" type="datetimeFigureOut">
               <a:rPr lang="en-US" smtClean="0"/>
               <a:pPr/>
-              <a:t>10/25/2017</a:t>
+              <a:t>10/28/2017</a:t>
             </a:fld>
             <a:endParaRPr lang="en-US" dirty="0"/>
           </a:p>
@@ -3362,7 +3574,7 @@
                 <a:cs typeface="Lato"/>
                 <a:sym typeface="Lato"/>
               </a:rPr>
-              <a:t>‹nº›</a:t>
+              <a:t>‹#›</a:t>
             </a:fld>
             <a:endParaRPr lang="pt-BR" sz="1000">
               <a:solidFill>
@@ -3800,7 +4012,7 @@
             <a:fld id="{8E36636D-D922-432D-A958-524484B5923D}" type="datetimeFigureOut">
               <a:rPr lang="en-US" smtClean="0"/>
               <a:pPr/>
-              <a:t>10/25/2017</a:t>
+              <a:t>10/28/2017</a:t>
             </a:fld>
             <a:endParaRPr lang="en-US" dirty="0"/>
           </a:p>
@@ -3856,7 +4068,7 @@
                 <a:cs typeface="Lato"/>
                 <a:sym typeface="Lato"/>
               </a:rPr>
-              <a:t>‹nº›</a:t>
+              <a:t>‹#›</a:t>
             </a:fld>
             <a:endParaRPr lang="pt-BR" sz="1000">
               <a:solidFill>
@@ -4029,7 +4241,7 @@
             <a:fld id="{8E36636D-D922-432D-A958-524484B5923D}" type="datetimeFigureOut">
               <a:rPr lang="en-US" smtClean="0"/>
               <a:pPr/>
-              <a:t>10/25/2017</a:t>
+              <a:t>10/28/2017</a:t>
             </a:fld>
             <a:endParaRPr lang="en-US" dirty="0"/>
           </a:p>
@@ -4085,7 +4297,7 @@
                 <a:cs typeface="Lato"/>
                 <a:sym typeface="Lato"/>
               </a:rPr>
-              <a:t>‹nº›</a:t>
+              <a:t>‹#›</a:t>
             </a:fld>
             <a:endParaRPr lang="pt-BR" sz="1000">
               <a:solidFill>
@@ -4264,7 +4476,7 @@
             <a:fld id="{8E36636D-D922-432D-A958-524484B5923D}" type="datetimeFigureOut">
               <a:rPr lang="en-US" smtClean="0"/>
               <a:pPr/>
-              <a:t>10/25/2017</a:t>
+              <a:t>10/28/2017</a:t>
             </a:fld>
             <a:endParaRPr lang="en-US" dirty="0"/>
           </a:p>
@@ -4320,7 +4532,7 @@
                 <a:cs typeface="Lato"/>
                 <a:sym typeface="Lato"/>
               </a:rPr>
-              <a:t>‹nº›</a:t>
+              <a:t>‹#›</a:t>
             </a:fld>
             <a:endParaRPr lang="pt-BR" sz="1000">
               <a:solidFill>
@@ -4602,7 +4814,7 @@
             </a:pPr>
             <a:fld id="{00000000-1234-1234-1234-123412341234}" type="slidenum">
               <a:rPr lang="pt-BR"/>
-              <a:t>‹nº›</a:t>
+              <a:t>‹#›</a:t>
             </a:fld>
             <a:endParaRPr lang="pt-BR"/>
           </a:p>
@@ -4753,7 +4965,7 @@
             </a:pPr>
             <a:fld id="{00000000-1234-1234-1234-123412341234}" type="slidenum">
               <a:rPr lang="pt-BR"/>
-              <a:t>‹nº›</a:t>
+              <a:t>‹#›</a:t>
             </a:fld>
             <a:endParaRPr lang="pt-BR"/>
           </a:p>
@@ -4912,7 +5124,7 @@
             <a:fld id="{8E36636D-D922-432D-A958-524484B5923D}" type="datetimeFigureOut">
               <a:rPr lang="en-US" smtClean="0"/>
               <a:pPr/>
-              <a:t>10/25/2017</a:t>
+              <a:t>10/28/2017</a:t>
             </a:fld>
             <a:endParaRPr lang="en-US" dirty="0"/>
           </a:p>
@@ -4968,7 +5180,7 @@
                 <a:cs typeface="Lato"/>
                 <a:sym typeface="Lato"/>
               </a:rPr>
-              <a:t>‹nº›</a:t>
+              <a:t>‹#›</a:t>
             </a:fld>
             <a:endParaRPr lang="pt-BR" sz="1000">
               <a:solidFill>
@@ -5184,7 +5396,7 @@
             <a:fld id="{8E36636D-D922-432D-A958-524484B5923D}" type="datetimeFigureOut">
               <a:rPr lang="en-US" smtClean="0"/>
               <a:pPr/>
-              <a:t>10/25/2017</a:t>
+              <a:t>10/28/2017</a:t>
             </a:fld>
             <a:endParaRPr lang="en-US" dirty="0"/>
           </a:p>
@@ -5240,7 +5452,7 @@
                 <a:cs typeface="Lato"/>
                 <a:sym typeface="Lato"/>
               </a:rPr>
-              <a:t>‹nº›</a:t>
+              <a:t>‹#›</a:t>
             </a:fld>
             <a:endParaRPr lang="pt-BR" sz="1000">
               <a:solidFill>
@@ -5506,7 +5718,7 @@
             <a:fld id="{8E36636D-D922-432D-A958-524484B5923D}" type="datetimeFigureOut">
               <a:rPr lang="en-US" smtClean="0"/>
               <a:pPr/>
-              <a:t>10/25/2017</a:t>
+              <a:t>10/28/2017</a:t>
             </a:fld>
             <a:endParaRPr lang="en-US" dirty="0"/>
           </a:p>
@@ -5562,7 +5774,7 @@
                 <a:cs typeface="Lato"/>
                 <a:sym typeface="Lato"/>
               </a:rPr>
-              <a:t>‹nº›</a:t>
+              <a:t>‹#›</a:t>
             </a:fld>
             <a:endParaRPr lang="pt-BR" sz="1000">
               <a:solidFill>
@@ -5912,7 +6124,7 @@
             <a:fld id="{8E36636D-D922-432D-A958-524484B5923D}" type="datetimeFigureOut">
               <a:rPr lang="en-US" smtClean="0"/>
               <a:pPr/>
-              <a:t>10/25/2017</a:t>
+              <a:t>10/28/2017</a:t>
             </a:fld>
             <a:endParaRPr lang="en-US" dirty="0"/>
           </a:p>
@@ -5968,7 +6180,7 @@
                 <a:cs typeface="Lato"/>
                 <a:sym typeface="Lato"/>
               </a:rPr>
-              <a:t>‹nº›</a:t>
+              <a:t>‹#›</a:t>
             </a:fld>
             <a:endParaRPr lang="pt-BR" sz="1000">
               <a:solidFill>
@@ -6085,7 +6297,7 @@
             <a:fld id="{8E36636D-D922-432D-A958-524484B5923D}" type="datetimeFigureOut">
               <a:rPr lang="en-US" smtClean="0"/>
               <a:pPr/>
-              <a:t>10/25/2017</a:t>
+              <a:t>10/28/2017</a:t>
             </a:fld>
             <a:endParaRPr lang="en-US" dirty="0"/>
           </a:p>
@@ -6141,7 +6353,7 @@
                 <a:cs typeface="Lato"/>
                 <a:sym typeface="Lato"/>
               </a:rPr>
-              <a:t>‹nº›</a:t>
+              <a:t>‹#›</a:t>
             </a:fld>
             <a:endParaRPr lang="pt-BR" sz="1000">
               <a:solidFill>
@@ -6235,7 +6447,7 @@
             <a:fld id="{8E36636D-D922-432D-A958-524484B5923D}" type="datetimeFigureOut">
               <a:rPr lang="en-US" smtClean="0"/>
               <a:pPr/>
-              <a:t>10/25/2017</a:t>
+              <a:t>10/28/2017</a:t>
             </a:fld>
             <a:endParaRPr lang="en-US" dirty="0"/>
           </a:p>
@@ -6291,7 +6503,7 @@
                 <a:cs typeface="Lato"/>
                 <a:sym typeface="Lato"/>
               </a:rPr>
-              <a:t>‹nº›</a:t>
+              <a:t>‹#›</a:t>
             </a:fld>
             <a:endParaRPr lang="pt-BR" sz="1000">
               <a:solidFill>
@@ -6514,7 +6726,7 @@
             <a:fld id="{8E36636D-D922-432D-A958-524484B5923D}" type="datetimeFigureOut">
               <a:rPr lang="en-US" smtClean="0"/>
               <a:pPr/>
-              <a:t>10/25/2017</a:t>
+              <a:t>10/28/2017</a:t>
             </a:fld>
             <a:endParaRPr lang="en-US" dirty="0"/>
           </a:p>
@@ -6570,7 +6782,7 @@
                 <a:cs typeface="Lato"/>
                 <a:sym typeface="Lato"/>
               </a:rPr>
-              <a:t>‹nº›</a:t>
+              <a:t>‹#›</a:t>
             </a:fld>
             <a:endParaRPr lang="pt-BR" sz="1000">
               <a:solidFill>
@@ -6853,7 +7065,7 @@
             <a:fld id="{8E36636D-D922-432D-A958-524484B5923D}" type="datetimeFigureOut">
               <a:rPr lang="en-US" smtClean="0"/>
               <a:pPr/>
-              <a:t>10/25/2017</a:t>
+              <a:t>10/28/2017</a:t>
             </a:fld>
             <a:endParaRPr lang="en-US" dirty="0"/>
           </a:p>
@@ -6909,7 +7121,7 @@
                 <a:cs typeface="Lato"/>
                 <a:sym typeface="Lato"/>
               </a:rPr>
-              <a:t>‹nº›</a:t>
+              <a:t>‹#›</a:t>
             </a:fld>
             <a:endParaRPr lang="pt-BR" sz="1000">
               <a:solidFill>
@@ -7121,7 +7333,7 @@
             <a:fld id="{8E36636D-D922-432D-A958-524484B5923D}" type="datetimeFigureOut">
               <a:rPr lang="en-US" smtClean="0"/>
               <a:pPr/>
-              <a:t>10/25/2017</a:t>
+              <a:t>10/28/2017</a:t>
             </a:fld>
             <a:endParaRPr lang="en-US" dirty="0"/>
           </a:p>
@@ -7213,7 +7425,7 @@
                 <a:cs typeface="Lato"/>
                 <a:sym typeface="Lato"/>
               </a:rPr>
-              <a:t>‹nº›</a:t>
+              <a:t>‹#›</a:t>
             </a:fld>
             <a:endParaRPr lang="pt-BR" sz="1000">
               <a:solidFill>
@@ -7739,7 +7951,7 @@
             </a:r>
           </a:p>
           <a:p>
-            <a:pPr lvl="0">
+            <a:pPr lvl="0" algn="l">
               <a:spcBef>
                 <a:spcPts val="0"/>
               </a:spcBef>
@@ -7757,6 +7969,24 @@
               </a:rPr>
             </a:br>
             <a:r>
+              <a:rPr lang="pt-BR" sz="2400" dirty="0">
+                <a:latin typeface="Century" panose="02040604050505020304" pitchFamily="18" charset="0"/>
+              </a:rPr>
+              <a:t>	</a:t>
+            </a:r>
+            <a:r>
+              <a:rPr lang="pt-BR" sz="2400" dirty="0">
+                <a:latin typeface="Century" panose="02040604050505020304" pitchFamily="18" charset="0"/>
+              </a:rPr>
+              <a:t> </a:t>
+            </a:r>
+            <a:r>
+              <a:rPr lang="pt-BR" sz="2400" dirty="0" smtClean="0">
+                <a:latin typeface="Century" panose="02040604050505020304" pitchFamily="18" charset="0"/>
+              </a:rPr>
+              <a:t>  </a:t>
+            </a:r>
+            <a:r>
               <a:rPr lang="pt-BR" sz="2400" dirty="0" smtClean="0">
                 <a:latin typeface="Century" panose="02040604050505020304" pitchFamily="18" charset="0"/>
               </a:rPr>
@@ -7783,7 +8013,7 @@
         </p:nvSpPr>
         <p:spPr>
           <a:xfrm>
-            <a:off x="5505236" y="2679819"/>
+            <a:off x="5238187" y="2679819"/>
             <a:ext cx="3470700" cy="506100"/>
           </a:xfrm>
           <a:prstGeom prst="rect">
@@ -7919,12 +8149,12 @@
 </p:sld>
 </file>
 
-<file path=ppt/slides/slide2.xml><?xml version="1.0" encoding="utf-8"?>
+<file path=ppt/slides/slide10.xml><?xml version="1.0" encoding="utf-8"?>
 <p:sld xmlns:a="http://schemas.openxmlformats.org/drawingml/2006/main" xmlns:r="http://schemas.openxmlformats.org/officeDocument/2006/relationships" xmlns:p="http://schemas.openxmlformats.org/presentationml/2006/main">
   <p:cSld>
     <p:spTree>
       <p:nvGrpSpPr>
-        <p:cNvPr id="1" name="Shape 139"/>
+        <p:cNvPr id="1" name=""/>
         <p:cNvGrpSpPr/>
         <p:nvPr/>
       </p:nvGrpSpPr>
@@ -7938,24 +8168,147 @@
       </p:grpSpPr>
       <p:sp>
         <p:nvSpPr>
-          <p:cNvPr id="2" name="Retângulo Arredondado 1"/>
+          <p:cNvPr id="2" name="Title 1"/>
+          <p:cNvSpPr>
+            <a:spLocks noGrp="1"/>
+          </p:cNvSpPr>
+          <p:nvPr>
+            <p:ph type="title"/>
+          </p:nvPr>
+        </p:nvSpPr>
+        <p:spPr>
+          <a:xfrm>
+            <a:off x="314326" y="684068"/>
+            <a:ext cx="8486773" cy="977900"/>
+          </a:xfrm>
+        </p:spPr>
+        <p:txBody>
+          <a:bodyPr>
+            <a:noAutofit/>
+          </a:bodyPr>
+          <a:lstStyle/>
+          <a:p>
+            <a:r>
+              <a:rPr lang="pt-BR" sz="2400" dirty="0" smtClean="0">
+                <a:latin typeface="Century" panose="02040604050505020304" pitchFamily="18" charset="0"/>
+              </a:rPr>
+              <a:t>Em alguns sites as </a:t>
+            </a:r>
+            <a:r>
+              <a:rPr lang="pt-BR" sz="2400" dirty="0">
+                <a:latin typeface="Century" panose="02040604050505020304" pitchFamily="18" charset="0"/>
+              </a:rPr>
+              <a:t>receitas são exibidas em grandes listas, você costuma se perder durante a execução da </a:t>
+            </a:r>
+            <a:r>
+              <a:rPr lang="pt-BR" sz="2400" dirty="0" smtClean="0">
+                <a:latin typeface="Century" panose="02040604050505020304" pitchFamily="18" charset="0"/>
+              </a:rPr>
+              <a:t>mesma?</a:t>
+            </a:r>
+            <a:endParaRPr lang="pt-BR" sz="2400" dirty="0">
+              <a:latin typeface="Century" panose="02040604050505020304" pitchFamily="18" charset="0"/>
+            </a:endParaRPr>
+          </a:p>
+        </p:txBody>
+      </p:sp>
+      <p:pic>
+        <p:nvPicPr>
+          <p:cNvPr id="8" name="Content Placeholder 7"/>
+          <p:cNvPicPr>
+            <a:picLocks noGrp="1" noChangeAspect="1"/>
+          </p:cNvPicPr>
+          <p:nvPr>
+            <p:ph idx="1"/>
+          </p:nvPr>
+        </p:nvPicPr>
+        <p:blipFill>
+          <a:blip r:embed="rId2">
+            <a:extLst>
+              <a:ext uri="{28A0092B-C50C-407E-A947-70E740481C1C}">
+                <a14:useLocalDpi xmlns:a14="http://schemas.microsoft.com/office/drawing/2010/main" val="0"/>
+              </a:ext>
+            </a:extLst>
+          </a:blip>
+          <a:stretch>
+            <a:fillRect/>
+          </a:stretch>
+        </p:blipFill>
+        <p:spPr>
+          <a:xfrm>
+            <a:off x="1371602" y="1928667"/>
+            <a:ext cx="2867023" cy="2741826"/>
+          </a:xfrm>
+          <a:prstGeom prst="ellipse">
+            <a:avLst/>
+          </a:prstGeom>
+          <a:ln>
+            <a:noFill/>
+          </a:ln>
+          <a:effectLst>
+            <a:softEdge rad="112500"/>
+          </a:effectLst>
+        </p:spPr>
+      </p:pic>
+      <p:sp>
+        <p:nvSpPr>
+          <p:cNvPr id="10" name="TextBox 9"/>
+          <p:cNvSpPr txBox="1"/>
+          <p:nvPr/>
+        </p:nvSpPr>
+        <p:spPr>
+          <a:xfrm>
+            <a:off x="4829175" y="2400300"/>
+            <a:ext cx="513282" cy="738664"/>
+          </a:xfrm>
+          <a:prstGeom prst="rect">
+            <a:avLst/>
+          </a:prstGeom>
+          <a:noFill/>
+        </p:spPr>
+        <p:txBody>
+          <a:bodyPr wrap="none" rtlCol="0">
+            <a:spAutoFit/>
+          </a:bodyPr>
+          <a:lstStyle/>
+          <a:p>
+            <a:r>
+              <a:rPr lang="pt-BR" dirty="0" smtClean="0"/>
+              <a:t>Sim</a:t>
+            </a:r>
+          </a:p>
+          <a:p>
+            <a:endParaRPr lang="pt-BR" dirty="0"/>
+          </a:p>
+          <a:p>
+            <a:r>
+              <a:rPr lang="pt-BR" dirty="0" smtClean="0"/>
+              <a:t>Não</a:t>
+            </a:r>
+            <a:endParaRPr lang="pt-BR" dirty="0"/>
+          </a:p>
+        </p:txBody>
+      </p:sp>
+      <p:sp>
+        <p:nvSpPr>
+          <p:cNvPr id="11" name="Oval 10"/>
           <p:cNvSpPr/>
           <p:nvPr/>
         </p:nvSpPr>
         <p:spPr>
           <a:xfrm>
-            <a:off x="1926072" y="1935804"/>
-            <a:ext cx="5389123" cy="1011677"/>
+            <a:off x="4676775" y="2476500"/>
+            <a:ext cx="152400" cy="152400"/>
           </a:xfrm>
-          <a:prstGeom prst="roundRect">
+          <a:prstGeom prst="ellipse">
             <a:avLst/>
           </a:prstGeom>
           <a:solidFill>
-            <a:schemeClr val="bg1"/>
+            <a:srgbClr val="3366CC"/>
           </a:solidFill>
           <a:ln>
             <a:solidFill>
-              <a:schemeClr val="accent1"/>
+              <a:srgbClr val="3366CC"/>
             </a:solidFill>
           </a:ln>
         </p:spPr>
@@ -7986,98 +8339,24 @@
       </p:sp>
       <p:sp>
         <p:nvSpPr>
-          <p:cNvPr id="140" name="Shape 140"/>
-          <p:cNvSpPr txBox="1">
-            <a:spLocks noGrp="1"/>
-          </p:cNvSpPr>
-          <p:nvPr>
-            <p:ph type="title"/>
-          </p:nvPr>
+          <p:cNvPr id="12" name="Oval 11"/>
+          <p:cNvSpPr/>
+          <p:nvPr/>
         </p:nvSpPr>
         <p:spPr>
           <a:xfrm>
-            <a:off x="376182" y="1825750"/>
-            <a:ext cx="8404698" cy="1520567"/>
+            <a:off x="4676775" y="2895599"/>
+            <a:ext cx="152400" cy="152400"/>
           </a:xfrm>
-          <a:prstGeom prst="rect">
+          <a:prstGeom prst="ellipse">
             <a:avLst/>
           </a:prstGeom>
-        </p:spPr>
-        <p:txBody>
-          <a:bodyPr wrap="square" lIns="91425" tIns="91425" rIns="91425" bIns="91425" anchor="t" anchorCtr="0">
-            <a:normAutofit/>
-          </a:bodyPr>
-          <a:lstStyle/>
-          <a:p>
-            <a:pPr lvl="0"/>
-            <a:r>
-              <a:rPr lang="pt-BR" sz="6000" dirty="0" smtClean="0">
-                <a:latin typeface="Century" panose="02040604050505020304" pitchFamily="18" charset="0"/>
-                <a:ea typeface="Arial"/>
-                <a:cs typeface="Arial"/>
-                <a:sym typeface="Arial"/>
-              </a:rPr>
-              <a:t>MERCADO</a:t>
-            </a:r>
-            <a:endParaRPr lang="pt-BR" sz="6600" dirty="0">
-              <a:latin typeface="Century" panose="02040604050505020304" pitchFamily="18" charset="0"/>
-              <a:ea typeface="Arial"/>
-              <a:cs typeface="Arial"/>
-              <a:sym typeface="Arial"/>
-            </a:endParaRPr>
-          </a:p>
-        </p:txBody>
-      </p:sp>
-    </p:spTree>
-  </p:cSld>
-  <p:clrMapOvr>
-    <a:masterClrMapping/>
-  </p:clrMapOvr>
-  <p:timing>
-    <p:tnLst>
-      <p:par>
-        <p:cTn id="1" dur="indefinite" restart="never" nodeType="tmRoot"/>
-      </p:par>
-    </p:tnLst>
-  </p:timing>
-</p:sld>
-</file>
-
-<file path=ppt/slides/slide3.xml><?xml version="1.0" encoding="utf-8"?>
-<p:sld xmlns:a="http://schemas.openxmlformats.org/drawingml/2006/main" xmlns:r="http://schemas.openxmlformats.org/officeDocument/2006/relationships" xmlns:p="http://schemas.openxmlformats.org/presentationml/2006/main">
-  <p:cSld>
-    <p:spTree>
-      <p:nvGrpSpPr>
-        <p:cNvPr id="1" name=""/>
-        <p:cNvGrpSpPr/>
-        <p:nvPr/>
-      </p:nvGrpSpPr>
-      <p:grpSpPr>
-        <a:xfrm>
-          <a:off x="0" y="0"/>
-          <a:ext cx="0" cy="0"/>
-          <a:chOff x="0" y="0"/>
-          <a:chExt cx="0" cy="0"/>
-        </a:xfrm>
-      </p:grpSpPr>
-      <p:sp>
-        <p:nvSpPr>
-          <p:cNvPr id="19" name="Retângulo com Único Canto Aparado 18"/>
-          <p:cNvSpPr/>
-          <p:nvPr/>
-        </p:nvSpPr>
-        <p:spPr>
-          <a:xfrm>
-            <a:off x="7093028" y="3879661"/>
-            <a:ext cx="1157592" cy="607256"/>
-          </a:xfrm>
-          <a:prstGeom prst="snip1Rect">
-            <a:avLst/>
-          </a:prstGeom>
-          <a:noFill/>
+          <a:solidFill>
+            <a:srgbClr val="DC3912"/>
+          </a:solidFill>
           <a:ln>
             <a:solidFill>
-              <a:schemeClr val="accent1"/>
+              <a:srgbClr val="DC3912"/>
             </a:solidFill>
           </a:ln>
         </p:spPr>
@@ -8106,550 +8385,10 @@
           </a:p>
         </p:txBody>
       </p:sp>
-      <p:sp>
-        <p:nvSpPr>
-          <p:cNvPr id="16" name="Retângulo com Único Canto Aparado 15"/>
-          <p:cNvSpPr/>
-          <p:nvPr/>
-        </p:nvSpPr>
-        <p:spPr>
-          <a:xfrm>
-            <a:off x="933334" y="3829346"/>
-            <a:ext cx="1157592" cy="607256"/>
-          </a:xfrm>
-          <a:prstGeom prst="snip1Rect">
-            <a:avLst/>
-          </a:prstGeom>
-          <a:noFill/>
-          <a:ln>
-            <a:solidFill>
-              <a:schemeClr val="accent1"/>
-            </a:solidFill>
-          </a:ln>
-        </p:spPr>
-        <p:style>
-          <a:lnRef idx="2">
-            <a:schemeClr val="accent1">
-              <a:shade val="50000"/>
-            </a:schemeClr>
-          </a:lnRef>
-          <a:fillRef idx="1">
-            <a:schemeClr val="accent1"/>
-          </a:fillRef>
-          <a:effectRef idx="0">
-            <a:schemeClr val="accent1"/>
-          </a:effectRef>
-          <a:fontRef idx="minor">
-            <a:schemeClr val="lt1"/>
-          </a:fontRef>
-        </p:style>
-        <p:txBody>
-          <a:bodyPr rtlCol="0" anchor="ctr"/>
-          <a:lstStyle/>
-          <a:p>
-            <a:pPr algn="ctr"/>
-            <a:endParaRPr lang="pt-BR"/>
-          </a:p>
-        </p:txBody>
-      </p:sp>
-      <p:pic>
-        <p:nvPicPr>
-          <p:cNvPr id="3" name="Imagem 2"/>
-          <p:cNvPicPr>
-            <a:picLocks noChangeAspect="1"/>
-          </p:cNvPicPr>
-          <p:nvPr/>
-        </p:nvPicPr>
-        <p:blipFill>
-          <a:blip r:embed="rId2">
-            <a:extLst>
-              <a:ext uri="{28A0092B-C50C-407E-A947-70E740481C1C}">
-                <a14:useLocalDpi xmlns:a14="http://schemas.microsoft.com/office/drawing/2010/main" val="0"/>
-              </a:ext>
-            </a:extLst>
-          </a:blip>
-          <a:stretch>
-            <a:fillRect/>
-          </a:stretch>
-        </p:blipFill>
-        <p:spPr>
-          <a:xfrm>
-            <a:off x="437019" y="1375566"/>
-            <a:ext cx="8257832" cy="2252850"/>
-          </a:xfrm>
-          <a:prstGeom prst="rect">
-            <a:avLst/>
-          </a:prstGeom>
-        </p:spPr>
-      </p:pic>
-      <p:sp>
-        <p:nvSpPr>
-          <p:cNvPr id="5" name="CaixaDeTexto 4"/>
-          <p:cNvSpPr txBox="1"/>
-          <p:nvPr/>
-        </p:nvSpPr>
-        <p:spPr>
-          <a:xfrm>
-            <a:off x="933334" y="3779031"/>
-            <a:ext cx="1157592" cy="707886"/>
-          </a:xfrm>
-          <a:prstGeom prst="rect">
-            <a:avLst/>
-          </a:prstGeom>
-          <a:noFill/>
-          <a:ln>
-            <a:solidFill>
-              <a:schemeClr val="bg1"/>
-            </a:solidFill>
-          </a:ln>
-        </p:spPr>
-        <p:txBody>
-          <a:bodyPr wrap="square" rtlCol="0">
-            <a:spAutoFit/>
-          </a:bodyPr>
-          <a:lstStyle/>
-          <a:p>
-            <a:r>
-              <a:rPr lang="pt-BR" sz="2000" dirty="0" smtClean="0">
-                <a:solidFill>
-                  <a:schemeClr val="tx1">
-                    <a:lumMod val="85000"/>
-                    <a:lumOff val="15000"/>
-                  </a:schemeClr>
-                </a:solidFill>
-                <a:latin typeface="Century" panose="02040604050505020304" pitchFamily="18" charset="0"/>
-              </a:rPr>
-              <a:t>4.4</a:t>
-            </a:r>
-          </a:p>
-          <a:p>
-            <a:r>
-              <a:rPr lang="pt-BR" sz="2000" dirty="0" smtClean="0">
-                <a:solidFill>
-                  <a:schemeClr val="tx1">
-                    <a:lumMod val="85000"/>
-                    <a:lumOff val="15000"/>
-                  </a:schemeClr>
-                </a:solidFill>
-                <a:latin typeface="Century" panose="02040604050505020304" pitchFamily="18" charset="0"/>
-              </a:rPr>
-              <a:t>Milhões</a:t>
-            </a:r>
-            <a:endParaRPr lang="pt-BR" sz="2000" dirty="0">
-              <a:solidFill>
-                <a:schemeClr val="tx1">
-                  <a:lumMod val="85000"/>
-                  <a:lumOff val="15000"/>
-                </a:schemeClr>
-              </a:solidFill>
-              <a:latin typeface="Century" panose="02040604050505020304" pitchFamily="18" charset="0"/>
-            </a:endParaRPr>
-          </a:p>
-        </p:txBody>
-      </p:sp>
-      <p:sp>
-        <p:nvSpPr>
-          <p:cNvPr id="10" name="CaixaDeTexto 9"/>
-          <p:cNvSpPr txBox="1"/>
-          <p:nvPr/>
-        </p:nvSpPr>
-        <p:spPr>
-          <a:xfrm>
-            <a:off x="7093028" y="3838736"/>
-            <a:ext cx="1157592" cy="707886"/>
-          </a:xfrm>
-          <a:prstGeom prst="rect">
-            <a:avLst/>
-          </a:prstGeom>
-          <a:noFill/>
-        </p:spPr>
-        <p:txBody>
-          <a:bodyPr wrap="square" rtlCol="0">
-            <a:spAutoFit/>
-          </a:bodyPr>
-          <a:lstStyle/>
-          <a:p>
-            <a:r>
-              <a:rPr lang="pt-BR" sz="2000" dirty="0" smtClean="0">
-                <a:solidFill>
-                  <a:schemeClr val="tx1">
-                    <a:lumMod val="85000"/>
-                    <a:lumOff val="15000"/>
-                  </a:schemeClr>
-                </a:solidFill>
-                <a:latin typeface="Century" panose="02040604050505020304" pitchFamily="18" charset="0"/>
-              </a:rPr>
-              <a:t>14.6</a:t>
-            </a:r>
-          </a:p>
-          <a:p>
-            <a:r>
-              <a:rPr lang="pt-BR" sz="2000" dirty="0" smtClean="0">
-                <a:solidFill>
-                  <a:schemeClr val="tx1">
-                    <a:lumMod val="85000"/>
-                    <a:lumOff val="15000"/>
-                  </a:schemeClr>
-                </a:solidFill>
-                <a:latin typeface="Century" panose="02040604050505020304" pitchFamily="18" charset="0"/>
-              </a:rPr>
-              <a:t>Milhões</a:t>
-            </a:r>
-            <a:endParaRPr lang="pt-BR" sz="2000" dirty="0">
-              <a:solidFill>
-                <a:schemeClr val="tx1">
-                  <a:lumMod val="85000"/>
-                  <a:lumOff val="15000"/>
-                </a:schemeClr>
-              </a:solidFill>
-              <a:latin typeface="Century" panose="02040604050505020304" pitchFamily="18" charset="0"/>
-            </a:endParaRPr>
-          </a:p>
-        </p:txBody>
-      </p:sp>
-      <p:sp>
-        <p:nvSpPr>
-          <p:cNvPr id="13" name="Arredondar Retângulo em um Canto Diagonal 12"/>
-          <p:cNvSpPr/>
-          <p:nvPr/>
-        </p:nvSpPr>
-        <p:spPr>
-          <a:xfrm>
-            <a:off x="1322961" y="642026"/>
-            <a:ext cx="6504505" cy="523220"/>
-          </a:xfrm>
-          <a:prstGeom prst="round2DiagRect">
-            <a:avLst/>
-          </a:prstGeom>
-          <a:solidFill>
-            <a:schemeClr val="bg1"/>
-          </a:solidFill>
-          <a:ln>
-            <a:solidFill>
-              <a:schemeClr val="accent1"/>
-            </a:solidFill>
-          </a:ln>
-        </p:spPr>
-        <p:style>
-          <a:lnRef idx="2">
-            <a:schemeClr val="accent1">
-              <a:shade val="50000"/>
-            </a:schemeClr>
-          </a:lnRef>
-          <a:fillRef idx="1">
-            <a:schemeClr val="accent1"/>
-          </a:fillRef>
-          <a:effectRef idx="0">
-            <a:schemeClr val="accent1"/>
-          </a:effectRef>
-          <a:fontRef idx="minor">
-            <a:schemeClr val="lt1"/>
-          </a:fontRef>
-        </p:style>
-        <p:txBody>
-          <a:bodyPr rtlCol="0" anchor="ctr"/>
-          <a:lstStyle/>
-          <a:p>
-            <a:pPr algn="ctr"/>
-            <a:endParaRPr lang="pt-BR">
-              <a:ln w="0"/>
-              <a:solidFill>
-                <a:schemeClr val="accent1"/>
-              </a:solidFill>
-              <a:effectLst>
-                <a:outerShdw blurRad="38100" dist="25400" dir="5400000" algn="ctr" rotWithShape="0">
-                  <a:srgbClr val="6E747A">
-                    <a:alpha val="43000"/>
-                  </a:srgbClr>
-                </a:outerShdw>
-              </a:effectLst>
-            </a:endParaRPr>
-          </a:p>
-        </p:txBody>
-      </p:sp>
-      <p:sp>
-        <p:nvSpPr>
-          <p:cNvPr id="11" name="CaixaDeTexto 10"/>
-          <p:cNvSpPr txBox="1"/>
-          <p:nvPr/>
-        </p:nvSpPr>
-        <p:spPr>
-          <a:xfrm>
-            <a:off x="1587395" y="642026"/>
-            <a:ext cx="5957080" cy="523220"/>
-          </a:xfrm>
-          <a:prstGeom prst="rect">
-            <a:avLst/>
-          </a:prstGeom>
-          <a:noFill/>
-        </p:spPr>
-        <p:txBody>
-          <a:bodyPr wrap="none" rtlCol="0">
-            <a:spAutoFit/>
-          </a:bodyPr>
-          <a:lstStyle/>
-          <a:p>
-            <a:r>
-              <a:rPr lang="pt-BR" sz="2800" dirty="0" smtClean="0">
-                <a:solidFill>
-                  <a:schemeClr val="tx1">
-                    <a:lumMod val="85000"/>
-                    <a:lumOff val="15000"/>
-                  </a:schemeClr>
-                </a:solidFill>
-                <a:latin typeface="Century" panose="02040604050505020304" pitchFamily="18" charset="0"/>
-                <a:cs typeface="Arial" panose="020B0604020202020204" pitchFamily="34" charset="0"/>
-              </a:rPr>
-              <a:t>Visualizações nos últimos 3 meses</a:t>
-            </a:r>
-            <a:r>
-              <a:rPr lang="pt-BR" sz="2800" dirty="0" smtClean="0">
-                <a:solidFill>
-                  <a:schemeClr val="tx1">
-                    <a:lumMod val="85000"/>
-                    <a:lumOff val="15000"/>
-                  </a:schemeClr>
-                </a:solidFill>
-                <a:latin typeface="Arial" panose="020B0604020202020204" pitchFamily="34" charset="0"/>
-                <a:cs typeface="Arial" panose="020B0604020202020204" pitchFamily="34" charset="0"/>
-              </a:rPr>
-              <a:t>.</a:t>
-            </a:r>
-            <a:endParaRPr lang="pt-BR" sz="2800" dirty="0">
-              <a:solidFill>
-                <a:schemeClr val="tx1">
-                  <a:lumMod val="85000"/>
-                  <a:lumOff val="15000"/>
-                </a:schemeClr>
-              </a:solidFill>
-              <a:latin typeface="Arial" panose="020B0604020202020204" pitchFamily="34" charset="0"/>
-              <a:cs typeface="Arial" panose="020B0604020202020204" pitchFamily="34" charset="0"/>
-            </a:endParaRPr>
-          </a:p>
-        </p:txBody>
-      </p:sp>
-      <p:sp>
-        <p:nvSpPr>
-          <p:cNvPr id="17" name="Retângulo com Único Canto Aparado 16"/>
-          <p:cNvSpPr/>
-          <p:nvPr/>
-        </p:nvSpPr>
-        <p:spPr>
-          <a:xfrm>
-            <a:off x="2989016" y="3829346"/>
-            <a:ext cx="1157592" cy="607256"/>
-          </a:xfrm>
-          <a:prstGeom prst="snip1Rect">
-            <a:avLst/>
-          </a:prstGeom>
-          <a:noFill/>
-          <a:ln>
-            <a:solidFill>
-              <a:schemeClr val="accent1"/>
-            </a:solidFill>
-          </a:ln>
-        </p:spPr>
-        <p:style>
-          <a:lnRef idx="2">
-            <a:schemeClr val="accent1">
-              <a:shade val="50000"/>
-            </a:schemeClr>
-          </a:lnRef>
-          <a:fillRef idx="1">
-            <a:schemeClr val="accent1"/>
-          </a:fillRef>
-          <a:effectRef idx="0">
-            <a:schemeClr val="accent1"/>
-          </a:effectRef>
-          <a:fontRef idx="minor">
-            <a:schemeClr val="lt1"/>
-          </a:fontRef>
-        </p:style>
-        <p:txBody>
-          <a:bodyPr rtlCol="0" anchor="ctr"/>
-          <a:lstStyle/>
-          <a:p>
-            <a:pPr algn="ctr"/>
-            <a:endParaRPr lang="pt-BR"/>
-          </a:p>
-        </p:txBody>
-      </p:sp>
-      <p:sp>
-        <p:nvSpPr>
-          <p:cNvPr id="18" name="Retângulo com Único Canto Aparado 17"/>
-          <p:cNvSpPr/>
-          <p:nvPr/>
-        </p:nvSpPr>
-        <p:spPr>
-          <a:xfrm>
-            <a:off x="4965392" y="3839131"/>
-            <a:ext cx="1157592" cy="607256"/>
-          </a:xfrm>
-          <a:prstGeom prst="snip1Rect">
-            <a:avLst/>
-          </a:prstGeom>
-          <a:noFill/>
-          <a:ln>
-            <a:solidFill>
-              <a:schemeClr val="accent1"/>
-            </a:solidFill>
-          </a:ln>
-        </p:spPr>
-        <p:style>
-          <a:lnRef idx="2">
-            <a:schemeClr val="accent1">
-              <a:shade val="50000"/>
-            </a:schemeClr>
-          </a:lnRef>
-          <a:fillRef idx="1">
-            <a:schemeClr val="accent1"/>
-          </a:fillRef>
-          <a:effectRef idx="0">
-            <a:schemeClr val="accent1"/>
-          </a:effectRef>
-          <a:fontRef idx="minor">
-            <a:schemeClr val="lt1"/>
-          </a:fontRef>
-        </p:style>
-        <p:txBody>
-          <a:bodyPr rtlCol="0" anchor="ctr"/>
-          <a:lstStyle/>
-          <a:p>
-            <a:pPr algn="ctr"/>
-            <a:endParaRPr lang="pt-BR"/>
-          </a:p>
-        </p:txBody>
-      </p:sp>
-      <p:sp>
-        <p:nvSpPr>
-          <p:cNvPr id="8" name="CaixaDeTexto 7"/>
-          <p:cNvSpPr txBox="1"/>
-          <p:nvPr/>
-        </p:nvSpPr>
-        <p:spPr>
-          <a:xfrm>
-            <a:off x="2989016" y="3798150"/>
-            <a:ext cx="1157592" cy="707886"/>
-          </a:xfrm>
-          <a:prstGeom prst="rect">
-            <a:avLst/>
-          </a:prstGeom>
-          <a:noFill/>
-        </p:spPr>
-        <p:txBody>
-          <a:bodyPr wrap="square" rtlCol="0">
-            <a:spAutoFit/>
-          </a:bodyPr>
-          <a:lstStyle/>
-          <a:p>
-            <a:r>
-              <a:rPr lang="pt-BR" sz="2000" dirty="0" smtClean="0">
-                <a:solidFill>
-                  <a:schemeClr val="tx1">
-                    <a:lumMod val="85000"/>
-                    <a:lumOff val="15000"/>
-                  </a:schemeClr>
-                </a:solidFill>
-                <a:latin typeface="Century" panose="02040604050505020304" pitchFamily="18" charset="0"/>
-              </a:rPr>
-              <a:t>161.9</a:t>
-            </a:r>
-          </a:p>
-          <a:p>
-            <a:r>
-              <a:rPr lang="pt-BR" sz="2000" dirty="0" smtClean="0">
-                <a:solidFill>
-                  <a:schemeClr val="tx1">
-                    <a:lumMod val="85000"/>
-                    <a:lumOff val="15000"/>
-                  </a:schemeClr>
-                </a:solidFill>
-                <a:latin typeface="Century" panose="02040604050505020304" pitchFamily="18" charset="0"/>
-              </a:rPr>
-              <a:t>Milhões</a:t>
-            </a:r>
-            <a:endParaRPr lang="pt-BR" sz="2000" dirty="0">
-              <a:solidFill>
-                <a:schemeClr val="tx1">
-                  <a:lumMod val="85000"/>
-                  <a:lumOff val="15000"/>
-                </a:schemeClr>
-              </a:solidFill>
-              <a:latin typeface="Century" panose="02040604050505020304" pitchFamily="18" charset="0"/>
-            </a:endParaRPr>
-          </a:p>
-        </p:txBody>
-      </p:sp>
-      <p:sp>
-        <p:nvSpPr>
-          <p:cNvPr id="9" name="CaixaDeTexto 8"/>
-          <p:cNvSpPr txBox="1"/>
-          <p:nvPr/>
-        </p:nvSpPr>
-        <p:spPr>
-          <a:xfrm>
-            <a:off x="4965392" y="3779031"/>
-            <a:ext cx="1470108" cy="707886"/>
-          </a:xfrm>
-          <a:prstGeom prst="rect">
-            <a:avLst/>
-          </a:prstGeom>
-          <a:noFill/>
-        </p:spPr>
-        <p:txBody>
-          <a:bodyPr wrap="square" rtlCol="0">
-            <a:spAutoFit/>
-          </a:bodyPr>
-          <a:lstStyle/>
-          <a:p>
-            <a:r>
-              <a:rPr lang="pt-BR" sz="2000" dirty="0" smtClean="0">
-                <a:solidFill>
-                  <a:schemeClr val="tx1">
-                    <a:lumMod val="85000"/>
-                    <a:lumOff val="15000"/>
-                  </a:schemeClr>
-                </a:solidFill>
-                <a:latin typeface="Century" panose="02040604050505020304" pitchFamily="18" charset="0"/>
-                <a:ea typeface="Segoe UI Black" panose="020B0A02040204020203" pitchFamily="34" charset="0"/>
-                <a:cs typeface="Segoe UI Black" panose="020B0A02040204020203" pitchFamily="34" charset="0"/>
-              </a:rPr>
-              <a:t>11.0</a:t>
-            </a:r>
-          </a:p>
-          <a:p>
-            <a:r>
-              <a:rPr lang="pt-BR" sz="2000" dirty="0" smtClean="0">
-                <a:solidFill>
-                  <a:schemeClr val="tx1">
-                    <a:lumMod val="85000"/>
-                    <a:lumOff val="15000"/>
-                  </a:schemeClr>
-                </a:solidFill>
-                <a:latin typeface="Century" panose="02040604050505020304" pitchFamily="18" charset="0"/>
-                <a:ea typeface="Segoe UI Black" panose="020B0A02040204020203" pitchFamily="34" charset="0"/>
-                <a:cs typeface="Segoe UI Black" panose="020B0A02040204020203" pitchFamily="34" charset="0"/>
-              </a:rPr>
-              <a:t>Milhões</a:t>
-            </a:r>
-            <a:endParaRPr lang="pt-BR" sz="2000" dirty="0">
-              <a:solidFill>
-                <a:schemeClr val="tx1">
-                  <a:lumMod val="85000"/>
-                  <a:lumOff val="15000"/>
-                </a:schemeClr>
-              </a:solidFill>
-              <a:latin typeface="Century" panose="02040604050505020304" pitchFamily="18" charset="0"/>
-              <a:ea typeface="Segoe UI Black" panose="020B0A02040204020203" pitchFamily="34" charset="0"/>
-              <a:cs typeface="Segoe UI Black" panose="020B0A02040204020203" pitchFamily="34" charset="0"/>
-            </a:endParaRPr>
-          </a:p>
-        </p:txBody>
-      </p:sp>
     </p:spTree>
     <p:extLst>
       <p:ext uri="{BB962C8B-B14F-4D97-AF65-F5344CB8AC3E}">
-        <p14:creationId xmlns:p14="http://schemas.microsoft.com/office/powerpoint/2010/main" val="1245783963"/>
+        <p14:creationId xmlns:p14="http://schemas.microsoft.com/office/powerpoint/2010/main" val="4141906487"/>
       </p:ext>
     </p:extLst>
   </p:cSld>
@@ -8666,130 +8405,7 @@
 </p:sld>
 </file>
 
-<file path=ppt/slides/slide4.xml><?xml version="1.0" encoding="utf-8"?>
-<p:sld xmlns:a="http://schemas.openxmlformats.org/drawingml/2006/main" xmlns:r="http://schemas.openxmlformats.org/officeDocument/2006/relationships" xmlns:p="http://schemas.openxmlformats.org/presentationml/2006/main">
-  <p:cSld>
-    <p:spTree>
-      <p:nvGrpSpPr>
-        <p:cNvPr id="1" name="Shape 151"/>
-        <p:cNvGrpSpPr/>
-        <p:nvPr/>
-      </p:nvGrpSpPr>
-      <p:grpSpPr>
-        <a:xfrm>
-          <a:off x="0" y="0"/>
-          <a:ext cx="0" cy="0"/>
-          <a:chOff x="0" y="0"/>
-          <a:chExt cx="0" cy="0"/>
-        </a:xfrm>
-      </p:grpSpPr>
-      <p:sp>
-        <p:nvSpPr>
-          <p:cNvPr id="4" name="Retângulo Arredondado 3"/>
-          <p:cNvSpPr/>
-          <p:nvPr/>
-        </p:nvSpPr>
-        <p:spPr>
-          <a:xfrm>
-            <a:off x="1123406" y="1760568"/>
-            <a:ext cx="6921369" cy="1040998"/>
-          </a:xfrm>
-          <a:prstGeom prst="roundRect">
-            <a:avLst/>
-          </a:prstGeom>
-          <a:solidFill>
-            <a:schemeClr val="bg1"/>
-          </a:solidFill>
-          <a:ln>
-            <a:solidFill>
-              <a:schemeClr val="accent1"/>
-            </a:solidFill>
-          </a:ln>
-        </p:spPr>
-        <p:style>
-          <a:lnRef idx="2">
-            <a:schemeClr val="accent1">
-              <a:shade val="50000"/>
-            </a:schemeClr>
-          </a:lnRef>
-          <a:fillRef idx="1">
-            <a:schemeClr val="accent1"/>
-          </a:fillRef>
-          <a:effectRef idx="0">
-            <a:schemeClr val="accent1"/>
-          </a:effectRef>
-          <a:fontRef idx="minor">
-            <a:schemeClr val="lt1"/>
-          </a:fontRef>
-        </p:style>
-        <p:txBody>
-          <a:bodyPr rtlCol="0" anchor="ctr"/>
-          <a:lstStyle/>
-          <a:p>
-            <a:pPr algn="ctr"/>
-            <a:endParaRPr lang="pt-BR"/>
-          </a:p>
-        </p:txBody>
-      </p:sp>
-      <p:sp>
-        <p:nvSpPr>
-          <p:cNvPr id="152" name="Shape 152"/>
-          <p:cNvSpPr txBox="1">
-            <a:spLocks noGrp="1"/>
-          </p:cNvSpPr>
-          <p:nvPr>
-            <p:ph type="title"/>
-          </p:nvPr>
-        </p:nvSpPr>
-        <p:spPr>
-          <a:xfrm>
-            <a:off x="391885" y="1712206"/>
-            <a:ext cx="8392191" cy="1614653"/>
-          </a:xfrm>
-          <a:prstGeom prst="rect">
-            <a:avLst/>
-          </a:prstGeom>
-        </p:spPr>
-        <p:txBody>
-          <a:bodyPr wrap="square" lIns="91425" tIns="91425" rIns="91425" bIns="91425" anchor="t" anchorCtr="0">
-            <a:noAutofit/>
-          </a:bodyPr>
-          <a:lstStyle/>
-          <a:p>
-            <a:pPr lvl="0">
-              <a:spcBef>
-                <a:spcPts val="0"/>
-              </a:spcBef>
-              <a:buNone/>
-            </a:pPr>
-            <a:r>
-              <a:rPr lang="pt-BR" sz="6000" dirty="0" smtClean="0">
-                <a:latin typeface="Century" panose="02040604050505020304" pitchFamily="18" charset="0"/>
-              </a:rPr>
-              <a:t>PROBLEMA</a:t>
-            </a:r>
-            <a:endParaRPr lang="pt-BR" sz="7200" dirty="0">
-              <a:latin typeface="Century" panose="02040604050505020304" pitchFamily="18" charset="0"/>
-            </a:endParaRPr>
-          </a:p>
-        </p:txBody>
-      </p:sp>
-    </p:spTree>
-  </p:cSld>
-  <p:clrMapOvr>
-    <a:masterClrMapping/>
-  </p:clrMapOvr>
-  <p:timing>
-    <p:tnLst>
-      <p:par>
-        <p:cTn id="1" dur="indefinite" restart="never" nodeType="tmRoot"/>
-      </p:par>
-    </p:tnLst>
-  </p:timing>
-</p:sld>
-</file>
-
-<file path=ppt/slides/slide5.xml><?xml version="1.0" encoding="utf-8"?>
+<file path=ppt/slides/slide11.xml><?xml version="1.0" encoding="utf-8"?>
 <p:sld xmlns:a="http://schemas.openxmlformats.org/drawingml/2006/main" xmlns:r="http://schemas.openxmlformats.org/officeDocument/2006/relationships" xmlns:p="http://schemas.openxmlformats.org/presentationml/2006/main">
   <p:cSld>
     <p:spTree>
@@ -9016,7 +8632,360 @@
 </p:sld>
 </file>
 
-<file path=ppt/slides/slide6.xml><?xml version="1.0" encoding="utf-8"?>
+<file path=ppt/slides/slide12.xml><?xml version="1.0" encoding="utf-8"?>
+<p:sld xmlns:a="http://schemas.openxmlformats.org/drawingml/2006/main" xmlns:r="http://schemas.openxmlformats.org/officeDocument/2006/relationships" xmlns:p="http://schemas.openxmlformats.org/presentationml/2006/main">
+  <p:cSld>
+    <p:spTree>
+      <p:nvGrpSpPr>
+        <p:cNvPr id="1" name=""/>
+        <p:cNvGrpSpPr/>
+        <p:nvPr/>
+      </p:nvGrpSpPr>
+      <p:grpSpPr>
+        <a:xfrm>
+          <a:off x="0" y="0"/>
+          <a:ext cx="0" cy="0"/>
+          <a:chOff x="0" y="0"/>
+          <a:chExt cx="0" cy="0"/>
+        </a:xfrm>
+      </p:grpSpPr>
+      <p:sp>
+        <p:nvSpPr>
+          <p:cNvPr id="4" name="Text Placeholder 2"/>
+          <p:cNvSpPr txBox="1">
+            <a:spLocks/>
+          </p:cNvSpPr>
+          <p:nvPr/>
+        </p:nvSpPr>
+        <p:spPr>
+          <a:xfrm>
+            <a:off x="895350" y="805550"/>
+            <a:ext cx="7422000" cy="2911200"/>
+          </a:xfrm>
+          <a:prstGeom prst="rect">
+            <a:avLst/>
+          </a:prstGeom>
+        </p:spPr>
+        <p:txBody>
+          <a:bodyPr/>
+          <a:lstStyle>
+            <a:lvl1pPr marL="214313" indent="-214313" algn="l" defTabSz="342900" rtl="0" eaLnBrk="1" latinLnBrk="0" hangingPunct="1">
+              <a:spcBef>
+                <a:spcPct val="20000"/>
+              </a:spcBef>
+              <a:spcAft>
+                <a:spcPts val="450"/>
+              </a:spcAft>
+              <a:buClr>
+                <a:schemeClr val="accent1"/>
+              </a:buClr>
+              <a:buSzPct val="115000"/>
+              <a:buFont typeface="Arial"/>
+              <a:buChar char="•"/>
+              <a:defRPr sz="1800" kern="1200" cap="none">
+                <a:solidFill>
+                  <a:schemeClr val="tx1">
+                    <a:lumMod val="85000"/>
+                    <a:lumOff val="15000"/>
+                  </a:schemeClr>
+                </a:solidFill>
+                <a:effectLst/>
+                <a:latin typeface="+mn-lt"/>
+                <a:ea typeface="+mn-ea"/>
+                <a:cs typeface="+mn-cs"/>
+              </a:defRPr>
+            </a:lvl1pPr>
+            <a:lvl2pPr marL="557213" indent="-214313" algn="l" defTabSz="342900" rtl="0" eaLnBrk="1" latinLnBrk="0" hangingPunct="1">
+              <a:spcBef>
+                <a:spcPct val="20000"/>
+              </a:spcBef>
+              <a:spcAft>
+                <a:spcPts val="450"/>
+              </a:spcAft>
+              <a:buClr>
+                <a:schemeClr val="accent1"/>
+              </a:buClr>
+              <a:buSzPct val="115000"/>
+              <a:buFont typeface="Arial"/>
+              <a:buChar char="•"/>
+              <a:defRPr sz="1500" kern="1200" cap="none">
+                <a:solidFill>
+                  <a:schemeClr val="tx1">
+                    <a:lumMod val="85000"/>
+                    <a:lumOff val="15000"/>
+                  </a:schemeClr>
+                </a:solidFill>
+                <a:effectLst/>
+                <a:latin typeface="+mn-lt"/>
+                <a:ea typeface="+mn-ea"/>
+                <a:cs typeface="+mn-cs"/>
+              </a:defRPr>
+            </a:lvl2pPr>
+            <a:lvl3pPr marL="900113" indent="-214313" algn="l" defTabSz="342900" rtl="0" eaLnBrk="1" latinLnBrk="0" hangingPunct="1">
+              <a:spcBef>
+                <a:spcPct val="20000"/>
+              </a:spcBef>
+              <a:spcAft>
+                <a:spcPts val="450"/>
+              </a:spcAft>
+              <a:buClr>
+                <a:schemeClr val="accent1"/>
+              </a:buClr>
+              <a:buSzPct val="115000"/>
+              <a:buFont typeface="Arial"/>
+              <a:buChar char="•"/>
+              <a:defRPr sz="1350" kern="1200" cap="none">
+                <a:solidFill>
+                  <a:schemeClr val="tx1">
+                    <a:lumMod val="85000"/>
+                    <a:lumOff val="15000"/>
+                  </a:schemeClr>
+                </a:solidFill>
+                <a:effectLst/>
+                <a:latin typeface="+mn-lt"/>
+                <a:ea typeface="+mn-ea"/>
+                <a:cs typeface="+mn-cs"/>
+              </a:defRPr>
+            </a:lvl3pPr>
+            <a:lvl4pPr marL="1157288" indent="-128588" algn="l" defTabSz="342900" rtl="0" eaLnBrk="1" latinLnBrk="0" hangingPunct="1">
+              <a:spcBef>
+                <a:spcPct val="20000"/>
+              </a:spcBef>
+              <a:spcAft>
+                <a:spcPts val="450"/>
+              </a:spcAft>
+              <a:buClr>
+                <a:schemeClr val="accent1"/>
+              </a:buClr>
+              <a:buSzPct val="115000"/>
+              <a:buFont typeface="Arial"/>
+              <a:buChar char="•"/>
+              <a:defRPr sz="1200" kern="1200" cap="none">
+                <a:solidFill>
+                  <a:schemeClr val="tx1">
+                    <a:lumMod val="85000"/>
+                    <a:lumOff val="15000"/>
+                  </a:schemeClr>
+                </a:solidFill>
+                <a:effectLst/>
+                <a:latin typeface="+mn-lt"/>
+                <a:ea typeface="+mn-ea"/>
+                <a:cs typeface="+mn-cs"/>
+              </a:defRPr>
+            </a:lvl4pPr>
+            <a:lvl5pPr marL="1500188" indent="-128588" algn="l" defTabSz="342900" rtl="0" eaLnBrk="1" latinLnBrk="0" hangingPunct="1">
+              <a:spcBef>
+                <a:spcPct val="20000"/>
+              </a:spcBef>
+              <a:spcAft>
+                <a:spcPts val="450"/>
+              </a:spcAft>
+              <a:buClr>
+                <a:schemeClr val="accent1"/>
+              </a:buClr>
+              <a:buSzPct val="115000"/>
+              <a:buFont typeface="Arial"/>
+              <a:buChar char="•"/>
+              <a:defRPr sz="1050" kern="1200" cap="none">
+                <a:solidFill>
+                  <a:schemeClr val="tx1">
+                    <a:lumMod val="85000"/>
+                    <a:lumOff val="15000"/>
+                  </a:schemeClr>
+                </a:solidFill>
+                <a:effectLst/>
+                <a:latin typeface="+mn-lt"/>
+                <a:ea typeface="+mn-ea"/>
+                <a:cs typeface="+mn-cs"/>
+              </a:defRPr>
+            </a:lvl5pPr>
+            <a:lvl6pPr marL="1885950" indent="-171450" algn="l" defTabSz="342900" rtl="0" eaLnBrk="1" latinLnBrk="0" hangingPunct="1">
+              <a:spcBef>
+                <a:spcPct val="20000"/>
+              </a:spcBef>
+              <a:spcAft>
+                <a:spcPts val="450"/>
+              </a:spcAft>
+              <a:buClr>
+                <a:schemeClr val="accent1"/>
+              </a:buClr>
+              <a:buSzPct val="115000"/>
+              <a:buFont typeface="Arial"/>
+              <a:buChar char="•"/>
+              <a:defRPr sz="1050" kern="1200" cap="none">
+                <a:solidFill>
+                  <a:schemeClr val="tx1">
+                    <a:lumMod val="85000"/>
+                    <a:lumOff val="15000"/>
+                  </a:schemeClr>
+                </a:solidFill>
+                <a:effectLst/>
+                <a:latin typeface="+mn-lt"/>
+                <a:ea typeface="+mn-ea"/>
+                <a:cs typeface="+mn-cs"/>
+              </a:defRPr>
+            </a:lvl6pPr>
+            <a:lvl7pPr marL="2228850" indent="-171450" algn="l" defTabSz="342900" rtl="0" eaLnBrk="1" latinLnBrk="0" hangingPunct="1">
+              <a:spcBef>
+                <a:spcPct val="20000"/>
+              </a:spcBef>
+              <a:spcAft>
+                <a:spcPts val="450"/>
+              </a:spcAft>
+              <a:buClr>
+                <a:schemeClr val="accent1"/>
+              </a:buClr>
+              <a:buSzPct val="115000"/>
+              <a:buFont typeface="Arial"/>
+              <a:buChar char="•"/>
+              <a:defRPr sz="1050" kern="1200" cap="none">
+                <a:solidFill>
+                  <a:schemeClr val="tx1">
+                    <a:lumMod val="85000"/>
+                    <a:lumOff val="15000"/>
+                  </a:schemeClr>
+                </a:solidFill>
+                <a:effectLst/>
+                <a:latin typeface="+mn-lt"/>
+                <a:ea typeface="+mn-ea"/>
+                <a:cs typeface="+mn-cs"/>
+              </a:defRPr>
+            </a:lvl7pPr>
+            <a:lvl8pPr marL="2571750" indent="-171450" algn="l" defTabSz="342900" rtl="0" eaLnBrk="1" latinLnBrk="0" hangingPunct="1">
+              <a:spcBef>
+                <a:spcPct val="20000"/>
+              </a:spcBef>
+              <a:spcAft>
+                <a:spcPts val="450"/>
+              </a:spcAft>
+              <a:buClr>
+                <a:schemeClr val="accent1"/>
+              </a:buClr>
+              <a:buSzPct val="115000"/>
+              <a:buFont typeface="Arial"/>
+              <a:buChar char="•"/>
+              <a:defRPr sz="1050" kern="1200" cap="none">
+                <a:solidFill>
+                  <a:schemeClr val="tx1">
+                    <a:lumMod val="85000"/>
+                    <a:lumOff val="15000"/>
+                  </a:schemeClr>
+                </a:solidFill>
+                <a:effectLst/>
+                <a:latin typeface="+mn-lt"/>
+                <a:ea typeface="+mn-ea"/>
+                <a:cs typeface="+mn-cs"/>
+              </a:defRPr>
+            </a:lvl8pPr>
+            <a:lvl9pPr marL="2914650" indent="-171450" algn="l" defTabSz="342900" rtl="0" eaLnBrk="1" latinLnBrk="0" hangingPunct="1">
+              <a:spcBef>
+                <a:spcPct val="20000"/>
+              </a:spcBef>
+              <a:spcAft>
+                <a:spcPts val="450"/>
+              </a:spcAft>
+              <a:buClr>
+                <a:schemeClr val="accent1"/>
+              </a:buClr>
+              <a:buSzPct val="115000"/>
+              <a:buFont typeface="Arial"/>
+              <a:buChar char="•"/>
+              <a:defRPr sz="1050" kern="1200" cap="none">
+                <a:solidFill>
+                  <a:schemeClr val="tx1">
+                    <a:lumMod val="85000"/>
+                    <a:lumOff val="15000"/>
+                  </a:schemeClr>
+                </a:solidFill>
+                <a:effectLst/>
+                <a:latin typeface="+mn-lt"/>
+                <a:ea typeface="+mn-ea"/>
+                <a:cs typeface="+mn-cs"/>
+              </a:defRPr>
+            </a:lvl9pPr>
+          </a:lstStyle>
+          <a:p>
+            <a:r>
+              <a:rPr lang="pt-BR" sz="2400" dirty="0" smtClean="0">
+                <a:latin typeface="Century" panose="02040604050505020304" pitchFamily="18" charset="0"/>
+              </a:rPr>
+              <a:t>Receitas padronizadas.</a:t>
+            </a:r>
+          </a:p>
+          <a:p>
+            <a:r>
+              <a:rPr lang="pt-BR" sz="2400" dirty="0" smtClean="0">
+                <a:latin typeface="Century" panose="02040604050505020304" pitchFamily="18" charset="0"/>
+              </a:rPr>
+              <a:t>Preparo interativo, que auxilia o cozinheiro.</a:t>
+            </a:r>
+          </a:p>
+          <a:p>
+            <a:r>
+              <a:rPr lang="pt-BR" sz="2400" dirty="0" smtClean="0">
+                <a:latin typeface="Century" panose="02040604050505020304" pitchFamily="18" charset="0"/>
+              </a:rPr>
+              <a:t>Padronização de medidas.</a:t>
+            </a:r>
+          </a:p>
+          <a:p>
+            <a:r>
+              <a:rPr lang="pt-BR" sz="2400" dirty="0" smtClean="0">
+                <a:latin typeface="Century" panose="02040604050505020304" pitchFamily="18" charset="0"/>
+              </a:rPr>
+              <a:t>Módulo de despensa vínculado as receitas.</a:t>
+            </a:r>
+          </a:p>
+          <a:p>
+            <a:r>
+              <a:rPr lang="pt-BR" sz="2400" dirty="0" smtClean="0">
+                <a:latin typeface="Century" panose="02040604050505020304" pitchFamily="18" charset="0"/>
+              </a:rPr>
+              <a:t>Sugestões inteligentes, baseadas nas avaliações e categorias.</a:t>
+            </a:r>
+          </a:p>
+          <a:p>
+            <a:r>
+              <a:rPr lang="pt-BR" sz="2400" dirty="0" smtClean="0">
+                <a:latin typeface="Century" panose="02040604050505020304" pitchFamily="18" charset="0"/>
+              </a:rPr>
+              <a:t>Lista de compras vínculada aos ingredientes.</a:t>
+            </a:r>
+          </a:p>
+          <a:p>
+            <a:pPr marL="0" indent="0">
+              <a:buNone/>
+            </a:pPr>
+            <a:endParaRPr lang="pt-BR" sz="2400" dirty="0" smtClean="0">
+              <a:latin typeface="Century" panose="02040604050505020304" pitchFamily="18" charset="0"/>
+            </a:endParaRPr>
+          </a:p>
+          <a:p>
+            <a:endParaRPr lang="pt-BR" dirty="0"/>
+          </a:p>
+        </p:txBody>
+      </p:sp>
+    </p:spTree>
+    <p:extLst>
+      <p:ext uri="{BB962C8B-B14F-4D97-AF65-F5344CB8AC3E}">
+        <p14:creationId xmlns:p14="http://schemas.microsoft.com/office/powerpoint/2010/main" val="2826689296"/>
+      </p:ext>
+    </p:extLst>
+  </p:cSld>
+  <p:clrMapOvr>
+    <a:masterClrMapping/>
+  </p:clrMapOvr>
+  <p:timing>
+    <p:tnLst>
+      <p:par>
+        <p:cTn id="1" dur="indefinite" restart="never" nodeType="tmRoot"/>
+      </p:par>
+    </p:tnLst>
+  </p:timing>
+</p:sld>
+</file>
+
+<file path=ppt/slides/slide13.xml><?xml version="1.0" encoding="utf-8"?>
 <p:sld xmlns:a="http://schemas.openxmlformats.org/drawingml/2006/main" xmlns:r="http://schemas.openxmlformats.org/officeDocument/2006/relationships" xmlns:p="http://schemas.openxmlformats.org/presentationml/2006/main">
   <p:cSld>
     <p:spTree>
@@ -9175,7 +9144,7 @@
 </p:sld>
 </file>
 
-<file path=ppt/slides/slide7.xml><?xml version="1.0" encoding="utf-8"?>
+<file path=ppt/slides/slide14.xml><?xml version="1.0" encoding="utf-8"?>
 <p:sld xmlns:a="http://schemas.openxmlformats.org/drawingml/2006/main" xmlns:r="http://schemas.openxmlformats.org/officeDocument/2006/relationships" xmlns:p="http://schemas.openxmlformats.org/presentationml/2006/main">
   <p:cSld>
     <p:spTree>
@@ -9393,6 +9362,2845 @@
         </p:txBody>
       </p:sp>
     </p:spTree>
+  </p:cSld>
+  <p:clrMapOvr>
+    <a:masterClrMapping/>
+  </p:clrMapOvr>
+  <p:timing>
+    <p:tnLst>
+      <p:par>
+        <p:cTn id="1" dur="indefinite" restart="never" nodeType="tmRoot"/>
+      </p:par>
+    </p:tnLst>
+  </p:timing>
+</p:sld>
+</file>
+
+<file path=ppt/slides/slide2.xml><?xml version="1.0" encoding="utf-8"?>
+<p:sld xmlns:a="http://schemas.openxmlformats.org/drawingml/2006/main" xmlns:r="http://schemas.openxmlformats.org/officeDocument/2006/relationships" xmlns:p="http://schemas.openxmlformats.org/presentationml/2006/main">
+  <p:cSld>
+    <p:spTree>
+      <p:nvGrpSpPr>
+        <p:cNvPr id="1" name="Shape 139"/>
+        <p:cNvGrpSpPr/>
+        <p:nvPr/>
+      </p:nvGrpSpPr>
+      <p:grpSpPr>
+        <a:xfrm>
+          <a:off x="0" y="0"/>
+          <a:ext cx="0" cy="0"/>
+          <a:chOff x="0" y="0"/>
+          <a:chExt cx="0" cy="0"/>
+        </a:xfrm>
+      </p:grpSpPr>
+      <p:sp>
+        <p:nvSpPr>
+          <p:cNvPr id="2" name="Retângulo Arredondado 1"/>
+          <p:cNvSpPr/>
+          <p:nvPr/>
+        </p:nvSpPr>
+        <p:spPr>
+          <a:xfrm>
+            <a:off x="1926072" y="1935804"/>
+            <a:ext cx="5389123" cy="1011677"/>
+          </a:xfrm>
+          <a:prstGeom prst="roundRect">
+            <a:avLst/>
+          </a:prstGeom>
+          <a:solidFill>
+            <a:schemeClr val="bg1"/>
+          </a:solidFill>
+          <a:ln>
+            <a:solidFill>
+              <a:schemeClr val="accent1"/>
+            </a:solidFill>
+          </a:ln>
+        </p:spPr>
+        <p:style>
+          <a:lnRef idx="2">
+            <a:schemeClr val="accent1">
+              <a:shade val="50000"/>
+            </a:schemeClr>
+          </a:lnRef>
+          <a:fillRef idx="1">
+            <a:schemeClr val="accent1"/>
+          </a:fillRef>
+          <a:effectRef idx="0">
+            <a:schemeClr val="accent1"/>
+          </a:effectRef>
+          <a:fontRef idx="minor">
+            <a:schemeClr val="lt1"/>
+          </a:fontRef>
+        </p:style>
+        <p:txBody>
+          <a:bodyPr rtlCol="0" anchor="ctr"/>
+          <a:lstStyle/>
+          <a:p>
+            <a:pPr algn="ctr"/>
+            <a:endParaRPr lang="pt-BR"/>
+          </a:p>
+        </p:txBody>
+      </p:sp>
+      <p:sp>
+        <p:nvSpPr>
+          <p:cNvPr id="140" name="Shape 140"/>
+          <p:cNvSpPr txBox="1">
+            <a:spLocks noGrp="1"/>
+          </p:cNvSpPr>
+          <p:nvPr>
+            <p:ph type="title"/>
+          </p:nvPr>
+        </p:nvSpPr>
+        <p:spPr>
+          <a:xfrm>
+            <a:off x="376182" y="1825750"/>
+            <a:ext cx="8404698" cy="1520567"/>
+          </a:xfrm>
+          <a:prstGeom prst="rect">
+            <a:avLst/>
+          </a:prstGeom>
+        </p:spPr>
+        <p:txBody>
+          <a:bodyPr wrap="square" lIns="91425" tIns="91425" rIns="91425" bIns="91425" anchor="t" anchorCtr="0">
+            <a:normAutofit/>
+          </a:bodyPr>
+          <a:lstStyle/>
+          <a:p>
+            <a:pPr lvl="0"/>
+            <a:r>
+              <a:rPr lang="pt-BR" sz="6000" dirty="0" smtClean="0">
+                <a:latin typeface="Century" panose="02040604050505020304" pitchFamily="18" charset="0"/>
+                <a:ea typeface="Arial"/>
+                <a:cs typeface="Arial"/>
+                <a:sym typeface="Arial"/>
+              </a:rPr>
+              <a:t>MERCADO</a:t>
+            </a:r>
+            <a:endParaRPr lang="pt-BR" sz="6600" dirty="0">
+              <a:latin typeface="Century" panose="02040604050505020304" pitchFamily="18" charset="0"/>
+              <a:ea typeface="Arial"/>
+              <a:cs typeface="Arial"/>
+              <a:sym typeface="Arial"/>
+            </a:endParaRPr>
+          </a:p>
+        </p:txBody>
+      </p:sp>
+    </p:spTree>
+  </p:cSld>
+  <p:clrMapOvr>
+    <a:masterClrMapping/>
+  </p:clrMapOvr>
+  <p:timing>
+    <p:tnLst>
+      <p:par>
+        <p:cTn id="1" dur="indefinite" restart="never" nodeType="tmRoot"/>
+      </p:par>
+    </p:tnLst>
+  </p:timing>
+</p:sld>
+</file>
+
+<file path=ppt/slides/slide3.xml><?xml version="1.0" encoding="utf-8"?>
+<p:sld xmlns:a="http://schemas.openxmlformats.org/drawingml/2006/main" xmlns:r="http://schemas.openxmlformats.org/officeDocument/2006/relationships" xmlns:p="http://schemas.openxmlformats.org/presentationml/2006/main">
+  <p:cSld>
+    <p:spTree>
+      <p:nvGrpSpPr>
+        <p:cNvPr id="1" name=""/>
+        <p:cNvGrpSpPr/>
+        <p:nvPr/>
+      </p:nvGrpSpPr>
+      <p:grpSpPr>
+        <a:xfrm>
+          <a:off x="0" y="0"/>
+          <a:ext cx="0" cy="0"/>
+          <a:chOff x="0" y="0"/>
+          <a:chExt cx="0" cy="0"/>
+        </a:xfrm>
+      </p:grpSpPr>
+      <p:sp>
+        <p:nvSpPr>
+          <p:cNvPr id="19" name="Retângulo com Único Canto Aparado 18"/>
+          <p:cNvSpPr/>
+          <p:nvPr/>
+        </p:nvSpPr>
+        <p:spPr>
+          <a:xfrm>
+            <a:off x="7093028" y="3879661"/>
+            <a:ext cx="1157592" cy="607256"/>
+          </a:xfrm>
+          <a:prstGeom prst="snip1Rect">
+            <a:avLst/>
+          </a:prstGeom>
+          <a:noFill/>
+          <a:ln>
+            <a:solidFill>
+              <a:schemeClr val="accent1"/>
+            </a:solidFill>
+          </a:ln>
+        </p:spPr>
+        <p:style>
+          <a:lnRef idx="2">
+            <a:schemeClr val="accent1">
+              <a:shade val="50000"/>
+            </a:schemeClr>
+          </a:lnRef>
+          <a:fillRef idx="1">
+            <a:schemeClr val="accent1"/>
+          </a:fillRef>
+          <a:effectRef idx="0">
+            <a:schemeClr val="accent1"/>
+          </a:effectRef>
+          <a:fontRef idx="minor">
+            <a:schemeClr val="lt1"/>
+          </a:fontRef>
+        </p:style>
+        <p:txBody>
+          <a:bodyPr rtlCol="0" anchor="ctr"/>
+          <a:lstStyle/>
+          <a:p>
+            <a:pPr algn="ctr"/>
+            <a:endParaRPr lang="pt-BR"/>
+          </a:p>
+        </p:txBody>
+      </p:sp>
+      <p:sp>
+        <p:nvSpPr>
+          <p:cNvPr id="16" name="Retângulo com Único Canto Aparado 15"/>
+          <p:cNvSpPr/>
+          <p:nvPr/>
+        </p:nvSpPr>
+        <p:spPr>
+          <a:xfrm>
+            <a:off x="933334" y="3829346"/>
+            <a:ext cx="1157592" cy="607256"/>
+          </a:xfrm>
+          <a:prstGeom prst="snip1Rect">
+            <a:avLst/>
+          </a:prstGeom>
+          <a:noFill/>
+          <a:ln>
+            <a:solidFill>
+              <a:schemeClr val="accent1"/>
+            </a:solidFill>
+          </a:ln>
+        </p:spPr>
+        <p:style>
+          <a:lnRef idx="2">
+            <a:schemeClr val="accent1">
+              <a:shade val="50000"/>
+            </a:schemeClr>
+          </a:lnRef>
+          <a:fillRef idx="1">
+            <a:schemeClr val="accent1"/>
+          </a:fillRef>
+          <a:effectRef idx="0">
+            <a:schemeClr val="accent1"/>
+          </a:effectRef>
+          <a:fontRef idx="minor">
+            <a:schemeClr val="lt1"/>
+          </a:fontRef>
+        </p:style>
+        <p:txBody>
+          <a:bodyPr rtlCol="0" anchor="ctr"/>
+          <a:lstStyle/>
+          <a:p>
+            <a:pPr algn="ctr"/>
+            <a:endParaRPr lang="pt-BR"/>
+          </a:p>
+        </p:txBody>
+      </p:sp>
+      <p:pic>
+        <p:nvPicPr>
+          <p:cNvPr id="3" name="Imagem 2"/>
+          <p:cNvPicPr>
+            <a:picLocks noChangeAspect="1"/>
+          </p:cNvPicPr>
+          <p:nvPr/>
+        </p:nvPicPr>
+        <p:blipFill>
+          <a:blip r:embed="rId2">
+            <a:extLst>
+              <a:ext uri="{28A0092B-C50C-407E-A947-70E740481C1C}">
+                <a14:useLocalDpi xmlns:a14="http://schemas.microsoft.com/office/drawing/2010/main" val="0"/>
+              </a:ext>
+            </a:extLst>
+          </a:blip>
+          <a:stretch>
+            <a:fillRect/>
+          </a:stretch>
+        </p:blipFill>
+        <p:spPr>
+          <a:xfrm>
+            <a:off x="437019" y="1375566"/>
+            <a:ext cx="8257832" cy="2252850"/>
+          </a:xfrm>
+          <a:prstGeom prst="rect">
+            <a:avLst/>
+          </a:prstGeom>
+        </p:spPr>
+      </p:pic>
+      <p:sp>
+        <p:nvSpPr>
+          <p:cNvPr id="5" name="CaixaDeTexto 4"/>
+          <p:cNvSpPr txBox="1"/>
+          <p:nvPr/>
+        </p:nvSpPr>
+        <p:spPr>
+          <a:xfrm>
+            <a:off x="933334" y="3779031"/>
+            <a:ext cx="1157592" cy="707886"/>
+          </a:xfrm>
+          <a:prstGeom prst="rect">
+            <a:avLst/>
+          </a:prstGeom>
+          <a:noFill/>
+          <a:ln>
+            <a:solidFill>
+              <a:schemeClr val="bg1"/>
+            </a:solidFill>
+          </a:ln>
+        </p:spPr>
+        <p:txBody>
+          <a:bodyPr wrap="square" rtlCol="0">
+            <a:spAutoFit/>
+          </a:bodyPr>
+          <a:lstStyle/>
+          <a:p>
+            <a:r>
+              <a:rPr lang="pt-BR" sz="2000" dirty="0" smtClean="0">
+                <a:solidFill>
+                  <a:schemeClr val="tx1">
+                    <a:lumMod val="85000"/>
+                    <a:lumOff val="15000"/>
+                  </a:schemeClr>
+                </a:solidFill>
+                <a:latin typeface="Century" panose="02040604050505020304" pitchFamily="18" charset="0"/>
+              </a:rPr>
+              <a:t>4.4</a:t>
+            </a:r>
+          </a:p>
+          <a:p>
+            <a:r>
+              <a:rPr lang="pt-BR" sz="2000" dirty="0" smtClean="0">
+                <a:solidFill>
+                  <a:schemeClr val="tx1">
+                    <a:lumMod val="85000"/>
+                    <a:lumOff val="15000"/>
+                  </a:schemeClr>
+                </a:solidFill>
+                <a:latin typeface="Century" panose="02040604050505020304" pitchFamily="18" charset="0"/>
+              </a:rPr>
+              <a:t>Milhões</a:t>
+            </a:r>
+            <a:endParaRPr lang="pt-BR" sz="2000" dirty="0">
+              <a:solidFill>
+                <a:schemeClr val="tx1">
+                  <a:lumMod val="85000"/>
+                  <a:lumOff val="15000"/>
+                </a:schemeClr>
+              </a:solidFill>
+              <a:latin typeface="Century" panose="02040604050505020304" pitchFamily="18" charset="0"/>
+            </a:endParaRPr>
+          </a:p>
+        </p:txBody>
+      </p:sp>
+      <p:sp>
+        <p:nvSpPr>
+          <p:cNvPr id="10" name="CaixaDeTexto 9"/>
+          <p:cNvSpPr txBox="1"/>
+          <p:nvPr/>
+        </p:nvSpPr>
+        <p:spPr>
+          <a:xfrm>
+            <a:off x="7093028" y="3838736"/>
+            <a:ext cx="1157592" cy="707886"/>
+          </a:xfrm>
+          <a:prstGeom prst="rect">
+            <a:avLst/>
+          </a:prstGeom>
+          <a:noFill/>
+        </p:spPr>
+        <p:txBody>
+          <a:bodyPr wrap="square" rtlCol="0">
+            <a:spAutoFit/>
+          </a:bodyPr>
+          <a:lstStyle/>
+          <a:p>
+            <a:r>
+              <a:rPr lang="pt-BR" sz="2000" dirty="0" smtClean="0">
+                <a:solidFill>
+                  <a:schemeClr val="tx1">
+                    <a:lumMod val="85000"/>
+                    <a:lumOff val="15000"/>
+                  </a:schemeClr>
+                </a:solidFill>
+                <a:latin typeface="Century" panose="02040604050505020304" pitchFamily="18" charset="0"/>
+              </a:rPr>
+              <a:t>14.6</a:t>
+            </a:r>
+          </a:p>
+          <a:p>
+            <a:r>
+              <a:rPr lang="pt-BR" sz="2000" dirty="0" smtClean="0">
+                <a:solidFill>
+                  <a:schemeClr val="tx1">
+                    <a:lumMod val="85000"/>
+                    <a:lumOff val="15000"/>
+                  </a:schemeClr>
+                </a:solidFill>
+                <a:latin typeface="Century" panose="02040604050505020304" pitchFamily="18" charset="0"/>
+              </a:rPr>
+              <a:t>Milhões</a:t>
+            </a:r>
+            <a:endParaRPr lang="pt-BR" sz="2000" dirty="0">
+              <a:solidFill>
+                <a:schemeClr val="tx1">
+                  <a:lumMod val="85000"/>
+                  <a:lumOff val="15000"/>
+                </a:schemeClr>
+              </a:solidFill>
+              <a:latin typeface="Century" panose="02040604050505020304" pitchFamily="18" charset="0"/>
+            </a:endParaRPr>
+          </a:p>
+        </p:txBody>
+      </p:sp>
+      <p:sp>
+        <p:nvSpPr>
+          <p:cNvPr id="13" name="Arredondar Retângulo em um Canto Diagonal 12"/>
+          <p:cNvSpPr/>
+          <p:nvPr/>
+        </p:nvSpPr>
+        <p:spPr>
+          <a:xfrm>
+            <a:off x="1322961" y="642026"/>
+            <a:ext cx="6504505" cy="523220"/>
+          </a:xfrm>
+          <a:prstGeom prst="round2DiagRect">
+            <a:avLst/>
+          </a:prstGeom>
+          <a:solidFill>
+            <a:schemeClr val="bg1"/>
+          </a:solidFill>
+          <a:ln>
+            <a:solidFill>
+              <a:schemeClr val="accent1"/>
+            </a:solidFill>
+          </a:ln>
+        </p:spPr>
+        <p:style>
+          <a:lnRef idx="2">
+            <a:schemeClr val="accent1">
+              <a:shade val="50000"/>
+            </a:schemeClr>
+          </a:lnRef>
+          <a:fillRef idx="1">
+            <a:schemeClr val="accent1"/>
+          </a:fillRef>
+          <a:effectRef idx="0">
+            <a:schemeClr val="accent1"/>
+          </a:effectRef>
+          <a:fontRef idx="minor">
+            <a:schemeClr val="lt1"/>
+          </a:fontRef>
+        </p:style>
+        <p:txBody>
+          <a:bodyPr rtlCol="0" anchor="ctr"/>
+          <a:lstStyle/>
+          <a:p>
+            <a:pPr algn="ctr"/>
+            <a:endParaRPr lang="pt-BR">
+              <a:ln w="0"/>
+              <a:solidFill>
+                <a:schemeClr val="accent1"/>
+              </a:solidFill>
+              <a:effectLst>
+                <a:outerShdw blurRad="38100" dist="25400" dir="5400000" algn="ctr" rotWithShape="0">
+                  <a:srgbClr val="6E747A">
+                    <a:alpha val="43000"/>
+                  </a:srgbClr>
+                </a:outerShdw>
+              </a:effectLst>
+            </a:endParaRPr>
+          </a:p>
+        </p:txBody>
+      </p:sp>
+      <p:sp>
+        <p:nvSpPr>
+          <p:cNvPr id="11" name="CaixaDeTexto 10"/>
+          <p:cNvSpPr txBox="1"/>
+          <p:nvPr/>
+        </p:nvSpPr>
+        <p:spPr>
+          <a:xfrm>
+            <a:off x="1587395" y="642026"/>
+            <a:ext cx="5957080" cy="523220"/>
+          </a:xfrm>
+          <a:prstGeom prst="rect">
+            <a:avLst/>
+          </a:prstGeom>
+          <a:noFill/>
+        </p:spPr>
+        <p:txBody>
+          <a:bodyPr wrap="none" rtlCol="0">
+            <a:spAutoFit/>
+          </a:bodyPr>
+          <a:lstStyle/>
+          <a:p>
+            <a:r>
+              <a:rPr lang="pt-BR" sz="2800" dirty="0" smtClean="0">
+                <a:solidFill>
+                  <a:schemeClr val="tx1">
+                    <a:lumMod val="85000"/>
+                    <a:lumOff val="15000"/>
+                  </a:schemeClr>
+                </a:solidFill>
+                <a:latin typeface="Century" panose="02040604050505020304" pitchFamily="18" charset="0"/>
+                <a:cs typeface="Arial" panose="020B0604020202020204" pitchFamily="34" charset="0"/>
+              </a:rPr>
+              <a:t>Visualizações nos últimos 3 meses</a:t>
+            </a:r>
+            <a:r>
+              <a:rPr lang="pt-BR" sz="2800" dirty="0" smtClean="0">
+                <a:solidFill>
+                  <a:schemeClr val="tx1">
+                    <a:lumMod val="85000"/>
+                    <a:lumOff val="15000"/>
+                  </a:schemeClr>
+                </a:solidFill>
+                <a:latin typeface="Arial" panose="020B0604020202020204" pitchFamily="34" charset="0"/>
+                <a:cs typeface="Arial" panose="020B0604020202020204" pitchFamily="34" charset="0"/>
+              </a:rPr>
+              <a:t>.</a:t>
+            </a:r>
+            <a:endParaRPr lang="pt-BR" sz="2800" dirty="0">
+              <a:solidFill>
+                <a:schemeClr val="tx1">
+                  <a:lumMod val="85000"/>
+                  <a:lumOff val="15000"/>
+                </a:schemeClr>
+              </a:solidFill>
+              <a:latin typeface="Arial" panose="020B0604020202020204" pitchFamily="34" charset="0"/>
+              <a:cs typeface="Arial" panose="020B0604020202020204" pitchFamily="34" charset="0"/>
+            </a:endParaRPr>
+          </a:p>
+        </p:txBody>
+      </p:sp>
+      <p:sp>
+        <p:nvSpPr>
+          <p:cNvPr id="17" name="Retângulo com Único Canto Aparado 16"/>
+          <p:cNvSpPr/>
+          <p:nvPr/>
+        </p:nvSpPr>
+        <p:spPr>
+          <a:xfrm>
+            <a:off x="2989016" y="3829346"/>
+            <a:ext cx="1157592" cy="607256"/>
+          </a:xfrm>
+          <a:prstGeom prst="snip1Rect">
+            <a:avLst/>
+          </a:prstGeom>
+          <a:noFill/>
+          <a:ln>
+            <a:solidFill>
+              <a:schemeClr val="accent1"/>
+            </a:solidFill>
+          </a:ln>
+        </p:spPr>
+        <p:style>
+          <a:lnRef idx="2">
+            <a:schemeClr val="accent1">
+              <a:shade val="50000"/>
+            </a:schemeClr>
+          </a:lnRef>
+          <a:fillRef idx="1">
+            <a:schemeClr val="accent1"/>
+          </a:fillRef>
+          <a:effectRef idx="0">
+            <a:schemeClr val="accent1"/>
+          </a:effectRef>
+          <a:fontRef idx="minor">
+            <a:schemeClr val="lt1"/>
+          </a:fontRef>
+        </p:style>
+        <p:txBody>
+          <a:bodyPr rtlCol="0" anchor="ctr"/>
+          <a:lstStyle/>
+          <a:p>
+            <a:pPr algn="ctr"/>
+            <a:endParaRPr lang="pt-BR"/>
+          </a:p>
+        </p:txBody>
+      </p:sp>
+      <p:sp>
+        <p:nvSpPr>
+          <p:cNvPr id="18" name="Retângulo com Único Canto Aparado 17"/>
+          <p:cNvSpPr/>
+          <p:nvPr/>
+        </p:nvSpPr>
+        <p:spPr>
+          <a:xfrm>
+            <a:off x="4965392" y="3839131"/>
+            <a:ext cx="1157592" cy="607256"/>
+          </a:xfrm>
+          <a:prstGeom prst="snip1Rect">
+            <a:avLst/>
+          </a:prstGeom>
+          <a:noFill/>
+          <a:ln>
+            <a:solidFill>
+              <a:schemeClr val="accent1"/>
+            </a:solidFill>
+          </a:ln>
+        </p:spPr>
+        <p:style>
+          <a:lnRef idx="2">
+            <a:schemeClr val="accent1">
+              <a:shade val="50000"/>
+            </a:schemeClr>
+          </a:lnRef>
+          <a:fillRef idx="1">
+            <a:schemeClr val="accent1"/>
+          </a:fillRef>
+          <a:effectRef idx="0">
+            <a:schemeClr val="accent1"/>
+          </a:effectRef>
+          <a:fontRef idx="minor">
+            <a:schemeClr val="lt1"/>
+          </a:fontRef>
+        </p:style>
+        <p:txBody>
+          <a:bodyPr rtlCol="0" anchor="ctr"/>
+          <a:lstStyle/>
+          <a:p>
+            <a:pPr algn="ctr"/>
+            <a:endParaRPr lang="pt-BR"/>
+          </a:p>
+        </p:txBody>
+      </p:sp>
+      <p:sp>
+        <p:nvSpPr>
+          <p:cNvPr id="8" name="CaixaDeTexto 7"/>
+          <p:cNvSpPr txBox="1"/>
+          <p:nvPr/>
+        </p:nvSpPr>
+        <p:spPr>
+          <a:xfrm>
+            <a:off x="2989016" y="3798150"/>
+            <a:ext cx="1157592" cy="707886"/>
+          </a:xfrm>
+          <a:prstGeom prst="rect">
+            <a:avLst/>
+          </a:prstGeom>
+          <a:noFill/>
+        </p:spPr>
+        <p:txBody>
+          <a:bodyPr wrap="square" rtlCol="0">
+            <a:spAutoFit/>
+          </a:bodyPr>
+          <a:lstStyle/>
+          <a:p>
+            <a:r>
+              <a:rPr lang="pt-BR" sz="2000" dirty="0" smtClean="0">
+                <a:solidFill>
+                  <a:schemeClr val="tx1">
+                    <a:lumMod val="85000"/>
+                    <a:lumOff val="15000"/>
+                  </a:schemeClr>
+                </a:solidFill>
+                <a:latin typeface="Century" panose="02040604050505020304" pitchFamily="18" charset="0"/>
+              </a:rPr>
+              <a:t>161.9</a:t>
+            </a:r>
+          </a:p>
+          <a:p>
+            <a:r>
+              <a:rPr lang="pt-BR" sz="2000" dirty="0" smtClean="0">
+                <a:solidFill>
+                  <a:schemeClr val="tx1">
+                    <a:lumMod val="85000"/>
+                    <a:lumOff val="15000"/>
+                  </a:schemeClr>
+                </a:solidFill>
+                <a:latin typeface="Century" panose="02040604050505020304" pitchFamily="18" charset="0"/>
+              </a:rPr>
+              <a:t>Milhões</a:t>
+            </a:r>
+            <a:endParaRPr lang="pt-BR" sz="2000" dirty="0">
+              <a:solidFill>
+                <a:schemeClr val="tx1">
+                  <a:lumMod val="85000"/>
+                  <a:lumOff val="15000"/>
+                </a:schemeClr>
+              </a:solidFill>
+              <a:latin typeface="Century" panose="02040604050505020304" pitchFamily="18" charset="0"/>
+            </a:endParaRPr>
+          </a:p>
+        </p:txBody>
+      </p:sp>
+      <p:sp>
+        <p:nvSpPr>
+          <p:cNvPr id="9" name="CaixaDeTexto 8"/>
+          <p:cNvSpPr txBox="1"/>
+          <p:nvPr/>
+        </p:nvSpPr>
+        <p:spPr>
+          <a:xfrm>
+            <a:off x="4965392" y="3779031"/>
+            <a:ext cx="1470108" cy="707886"/>
+          </a:xfrm>
+          <a:prstGeom prst="rect">
+            <a:avLst/>
+          </a:prstGeom>
+          <a:noFill/>
+        </p:spPr>
+        <p:txBody>
+          <a:bodyPr wrap="square" rtlCol="0">
+            <a:spAutoFit/>
+          </a:bodyPr>
+          <a:lstStyle/>
+          <a:p>
+            <a:r>
+              <a:rPr lang="pt-BR" sz="2000" dirty="0" smtClean="0">
+                <a:solidFill>
+                  <a:schemeClr val="tx1">
+                    <a:lumMod val="85000"/>
+                    <a:lumOff val="15000"/>
+                  </a:schemeClr>
+                </a:solidFill>
+                <a:latin typeface="Century" panose="02040604050505020304" pitchFamily="18" charset="0"/>
+                <a:ea typeface="Segoe UI Black" panose="020B0A02040204020203" pitchFamily="34" charset="0"/>
+                <a:cs typeface="Segoe UI Black" panose="020B0A02040204020203" pitchFamily="34" charset="0"/>
+              </a:rPr>
+              <a:t>11.0</a:t>
+            </a:r>
+          </a:p>
+          <a:p>
+            <a:r>
+              <a:rPr lang="pt-BR" sz="2000" dirty="0" smtClean="0">
+                <a:solidFill>
+                  <a:schemeClr val="tx1">
+                    <a:lumMod val="85000"/>
+                    <a:lumOff val="15000"/>
+                  </a:schemeClr>
+                </a:solidFill>
+                <a:latin typeface="Century" panose="02040604050505020304" pitchFamily="18" charset="0"/>
+                <a:ea typeface="Segoe UI Black" panose="020B0A02040204020203" pitchFamily="34" charset="0"/>
+                <a:cs typeface="Segoe UI Black" panose="020B0A02040204020203" pitchFamily="34" charset="0"/>
+              </a:rPr>
+              <a:t>Milhões</a:t>
+            </a:r>
+            <a:endParaRPr lang="pt-BR" sz="2000" dirty="0">
+              <a:solidFill>
+                <a:schemeClr val="tx1">
+                  <a:lumMod val="85000"/>
+                  <a:lumOff val="15000"/>
+                </a:schemeClr>
+              </a:solidFill>
+              <a:latin typeface="Century" panose="02040604050505020304" pitchFamily="18" charset="0"/>
+              <a:ea typeface="Segoe UI Black" panose="020B0A02040204020203" pitchFamily="34" charset="0"/>
+              <a:cs typeface="Segoe UI Black" panose="020B0A02040204020203" pitchFamily="34" charset="0"/>
+            </a:endParaRPr>
+          </a:p>
+        </p:txBody>
+      </p:sp>
+    </p:spTree>
+    <p:extLst>
+      <p:ext uri="{BB962C8B-B14F-4D97-AF65-F5344CB8AC3E}">
+        <p14:creationId xmlns:p14="http://schemas.microsoft.com/office/powerpoint/2010/main" val="1245783963"/>
+      </p:ext>
+    </p:extLst>
+  </p:cSld>
+  <p:clrMapOvr>
+    <a:masterClrMapping/>
+  </p:clrMapOvr>
+  <p:timing>
+    <p:tnLst>
+      <p:par>
+        <p:cTn id="1" dur="indefinite" restart="never" nodeType="tmRoot"/>
+      </p:par>
+    </p:tnLst>
+  </p:timing>
+</p:sld>
+</file>
+
+<file path=ppt/slides/slide4.xml><?xml version="1.0" encoding="utf-8"?>
+<p:sld xmlns:a="http://schemas.openxmlformats.org/drawingml/2006/main" xmlns:r="http://schemas.openxmlformats.org/officeDocument/2006/relationships" xmlns:p="http://schemas.openxmlformats.org/presentationml/2006/main">
+  <p:cSld>
+    <p:spTree>
+      <p:nvGrpSpPr>
+        <p:cNvPr id="1" name="Shape 151"/>
+        <p:cNvGrpSpPr/>
+        <p:nvPr/>
+      </p:nvGrpSpPr>
+      <p:grpSpPr>
+        <a:xfrm>
+          <a:off x="0" y="0"/>
+          <a:ext cx="0" cy="0"/>
+          <a:chOff x="0" y="0"/>
+          <a:chExt cx="0" cy="0"/>
+        </a:xfrm>
+      </p:grpSpPr>
+      <p:sp>
+        <p:nvSpPr>
+          <p:cNvPr id="4" name="Retângulo Arredondado 3"/>
+          <p:cNvSpPr/>
+          <p:nvPr/>
+        </p:nvSpPr>
+        <p:spPr>
+          <a:xfrm>
+            <a:off x="1123406" y="1760568"/>
+            <a:ext cx="6921369" cy="1040998"/>
+          </a:xfrm>
+          <a:prstGeom prst="roundRect">
+            <a:avLst/>
+          </a:prstGeom>
+          <a:solidFill>
+            <a:schemeClr val="bg1"/>
+          </a:solidFill>
+          <a:ln>
+            <a:solidFill>
+              <a:schemeClr val="accent1"/>
+            </a:solidFill>
+          </a:ln>
+        </p:spPr>
+        <p:style>
+          <a:lnRef idx="2">
+            <a:schemeClr val="accent1">
+              <a:shade val="50000"/>
+            </a:schemeClr>
+          </a:lnRef>
+          <a:fillRef idx="1">
+            <a:schemeClr val="accent1"/>
+          </a:fillRef>
+          <a:effectRef idx="0">
+            <a:schemeClr val="accent1"/>
+          </a:effectRef>
+          <a:fontRef idx="minor">
+            <a:schemeClr val="lt1"/>
+          </a:fontRef>
+        </p:style>
+        <p:txBody>
+          <a:bodyPr rtlCol="0" anchor="ctr"/>
+          <a:lstStyle/>
+          <a:p>
+            <a:pPr algn="ctr"/>
+            <a:endParaRPr lang="pt-BR"/>
+          </a:p>
+        </p:txBody>
+      </p:sp>
+      <p:sp>
+        <p:nvSpPr>
+          <p:cNvPr id="152" name="Shape 152"/>
+          <p:cNvSpPr txBox="1">
+            <a:spLocks noGrp="1"/>
+          </p:cNvSpPr>
+          <p:nvPr>
+            <p:ph type="title"/>
+          </p:nvPr>
+        </p:nvSpPr>
+        <p:spPr>
+          <a:xfrm>
+            <a:off x="391885" y="1712206"/>
+            <a:ext cx="8392191" cy="1614653"/>
+          </a:xfrm>
+          <a:prstGeom prst="rect">
+            <a:avLst/>
+          </a:prstGeom>
+        </p:spPr>
+        <p:txBody>
+          <a:bodyPr wrap="square" lIns="91425" tIns="91425" rIns="91425" bIns="91425" anchor="t" anchorCtr="0">
+            <a:noAutofit/>
+          </a:bodyPr>
+          <a:lstStyle/>
+          <a:p>
+            <a:pPr lvl="0">
+              <a:spcBef>
+                <a:spcPts val="0"/>
+              </a:spcBef>
+              <a:buNone/>
+            </a:pPr>
+            <a:r>
+              <a:rPr lang="pt-BR" sz="6000" dirty="0" smtClean="0">
+                <a:latin typeface="Century" panose="02040604050505020304" pitchFamily="18" charset="0"/>
+              </a:rPr>
+              <a:t>PROBLEMA</a:t>
+            </a:r>
+            <a:endParaRPr lang="pt-BR" sz="7200" dirty="0">
+              <a:latin typeface="Century" panose="02040604050505020304" pitchFamily="18" charset="0"/>
+            </a:endParaRPr>
+          </a:p>
+        </p:txBody>
+      </p:sp>
+    </p:spTree>
+  </p:cSld>
+  <p:clrMapOvr>
+    <a:masterClrMapping/>
+  </p:clrMapOvr>
+  <p:timing>
+    <p:tnLst>
+      <p:par>
+        <p:cTn id="1" dur="indefinite" restart="never" nodeType="tmRoot"/>
+      </p:par>
+    </p:tnLst>
+  </p:timing>
+</p:sld>
+</file>
+
+<file path=ppt/slides/slide5.xml><?xml version="1.0" encoding="utf-8"?>
+<p:sld xmlns:a="http://schemas.openxmlformats.org/drawingml/2006/main" xmlns:r="http://schemas.openxmlformats.org/officeDocument/2006/relationships" xmlns:p="http://schemas.openxmlformats.org/presentationml/2006/main">
+  <p:cSld>
+    <p:spTree>
+      <p:nvGrpSpPr>
+        <p:cNvPr id="1" name=""/>
+        <p:cNvGrpSpPr/>
+        <p:nvPr/>
+      </p:nvGrpSpPr>
+      <p:grpSpPr>
+        <a:xfrm>
+          <a:off x="0" y="0"/>
+          <a:ext cx="0" cy="0"/>
+          <a:chOff x="0" y="0"/>
+          <a:chExt cx="0" cy="0"/>
+        </a:xfrm>
+      </p:grpSpPr>
+      <p:sp>
+        <p:nvSpPr>
+          <p:cNvPr id="3" name="Text Placeholder 2"/>
+          <p:cNvSpPr>
+            <a:spLocks noGrp="1"/>
+          </p:cNvSpPr>
+          <p:nvPr>
+            <p:ph type="body" idx="1"/>
+          </p:nvPr>
+        </p:nvSpPr>
+        <p:spPr>
+          <a:xfrm>
+            <a:off x="1002225" y="647700"/>
+            <a:ext cx="7038900" cy="3869150"/>
+          </a:xfrm>
+        </p:spPr>
+        <p:txBody>
+          <a:bodyPr>
+            <a:normAutofit/>
+          </a:bodyPr>
+          <a:lstStyle/>
+          <a:p>
+            <a:endParaRPr lang="pt-BR" dirty="0" smtClean="0">
+              <a:latin typeface="Century" panose="02040604050505020304" pitchFamily="18" charset="0"/>
+            </a:endParaRPr>
+          </a:p>
+          <a:p>
+            <a:r>
+              <a:rPr lang="pt-BR" sz="2000" dirty="0" smtClean="0">
+                <a:latin typeface="Century" panose="02040604050505020304" pitchFamily="18" charset="0"/>
+              </a:rPr>
+              <a:t>Encontrar uma receita.</a:t>
+            </a:r>
+          </a:p>
+          <a:p>
+            <a:pPr lvl="1"/>
+            <a:r>
+              <a:rPr lang="pt-BR" sz="2000" dirty="0" smtClean="0">
+                <a:latin typeface="Century" panose="02040604050505020304" pitchFamily="18" charset="0"/>
+              </a:rPr>
+              <a:t>Compativeis</a:t>
+            </a:r>
+          </a:p>
+          <a:p>
+            <a:pPr lvl="1"/>
+            <a:r>
+              <a:rPr lang="pt-BR" sz="2000" dirty="0" smtClean="0">
+                <a:latin typeface="Century" panose="02040604050505020304" pitchFamily="18" charset="0"/>
+              </a:rPr>
+              <a:t>Não compativeis</a:t>
+            </a:r>
+          </a:p>
+          <a:p>
+            <a:r>
+              <a:rPr lang="pt-BR" sz="2000" dirty="0" smtClean="0">
+                <a:latin typeface="Century" panose="02040604050505020304" pitchFamily="18" charset="0"/>
+              </a:rPr>
+              <a:t>Identificação </a:t>
+            </a:r>
+            <a:r>
+              <a:rPr lang="pt-BR" sz="2000" dirty="0">
+                <a:latin typeface="Century" panose="02040604050505020304" pitchFamily="18" charset="0"/>
+              </a:rPr>
+              <a:t>os ingredientes</a:t>
+            </a:r>
+            <a:r>
+              <a:rPr lang="pt-BR" sz="2000" dirty="0" smtClean="0">
+                <a:latin typeface="Century" panose="02040604050505020304" pitchFamily="18" charset="0"/>
+              </a:rPr>
+              <a:t>.</a:t>
+            </a:r>
+          </a:p>
+          <a:p>
+            <a:r>
+              <a:rPr lang="pt-BR" sz="2000" dirty="0">
+                <a:latin typeface="Century" panose="02040604050505020304" pitchFamily="18" charset="0"/>
+              </a:rPr>
+              <a:t>Compreender </a:t>
+            </a:r>
+            <a:r>
+              <a:rPr lang="pt-BR" sz="2000" dirty="0" smtClean="0">
+                <a:latin typeface="Century" panose="02040604050505020304" pitchFamily="18" charset="0"/>
+              </a:rPr>
+              <a:t>o como preparar a receita.</a:t>
+            </a:r>
+          </a:p>
+          <a:p>
+            <a:pPr lvl="1"/>
+            <a:r>
+              <a:rPr lang="pt-BR" sz="2000" dirty="0" smtClean="0">
+                <a:latin typeface="Century" panose="02040604050505020304" pitchFamily="18" charset="0"/>
+              </a:rPr>
+              <a:t>Tempo de preparo.</a:t>
+            </a:r>
+          </a:p>
+          <a:p>
+            <a:pPr lvl="1"/>
+            <a:r>
+              <a:rPr lang="pt-BR" sz="2000" dirty="0" smtClean="0">
+                <a:latin typeface="Century" panose="02040604050505020304" pitchFamily="18" charset="0"/>
+              </a:rPr>
+              <a:t>Medidas</a:t>
+            </a:r>
+            <a:endParaRPr lang="pt-BR" sz="2000" dirty="0">
+              <a:latin typeface="Century" panose="02040604050505020304" pitchFamily="18" charset="0"/>
+            </a:endParaRPr>
+          </a:p>
+          <a:p>
+            <a:r>
+              <a:rPr lang="pt-BR" sz="2000" dirty="0" smtClean="0">
+                <a:latin typeface="Century" panose="02040604050505020304" pitchFamily="18" charset="0"/>
+              </a:rPr>
+              <a:t>Publicar uma receita</a:t>
+            </a:r>
+          </a:p>
+        </p:txBody>
+      </p:sp>
+    </p:spTree>
+    <p:extLst>
+      <p:ext uri="{BB962C8B-B14F-4D97-AF65-F5344CB8AC3E}">
+        <p14:creationId xmlns:p14="http://schemas.microsoft.com/office/powerpoint/2010/main" val="423496513"/>
+      </p:ext>
+    </p:extLst>
+  </p:cSld>
+  <p:clrMapOvr>
+    <a:masterClrMapping/>
+  </p:clrMapOvr>
+  <p:timing>
+    <p:tnLst>
+      <p:par>
+        <p:cTn id="1" dur="indefinite" restart="never" nodeType="tmRoot"/>
+      </p:par>
+    </p:tnLst>
+  </p:timing>
+</p:sld>
+</file>
+
+<file path=ppt/slides/slide6.xml><?xml version="1.0" encoding="utf-8"?>
+<p:sld xmlns:a="http://schemas.openxmlformats.org/drawingml/2006/main" xmlns:r="http://schemas.openxmlformats.org/officeDocument/2006/relationships" xmlns:p="http://schemas.openxmlformats.org/presentationml/2006/main">
+  <p:cSld>
+    <p:spTree>
+      <p:nvGrpSpPr>
+        <p:cNvPr id="1" name="Shape 151"/>
+        <p:cNvGrpSpPr/>
+        <p:nvPr/>
+      </p:nvGrpSpPr>
+      <p:grpSpPr>
+        <a:xfrm>
+          <a:off x="0" y="0"/>
+          <a:ext cx="0" cy="0"/>
+          <a:chOff x="0" y="0"/>
+          <a:chExt cx="0" cy="0"/>
+        </a:xfrm>
+      </p:grpSpPr>
+      <p:sp>
+        <p:nvSpPr>
+          <p:cNvPr id="4" name="Retângulo Arredondado 3"/>
+          <p:cNvSpPr/>
+          <p:nvPr/>
+        </p:nvSpPr>
+        <p:spPr>
+          <a:xfrm>
+            <a:off x="1123404" y="1523843"/>
+            <a:ext cx="6921369" cy="2088102"/>
+          </a:xfrm>
+          <a:prstGeom prst="roundRect">
+            <a:avLst/>
+          </a:prstGeom>
+          <a:solidFill>
+            <a:schemeClr val="bg1"/>
+          </a:solidFill>
+          <a:ln>
+            <a:solidFill>
+              <a:schemeClr val="accent1"/>
+            </a:solidFill>
+          </a:ln>
+        </p:spPr>
+        <p:style>
+          <a:lnRef idx="2">
+            <a:schemeClr val="accent1">
+              <a:shade val="50000"/>
+            </a:schemeClr>
+          </a:lnRef>
+          <a:fillRef idx="1">
+            <a:schemeClr val="accent1"/>
+          </a:fillRef>
+          <a:effectRef idx="0">
+            <a:schemeClr val="accent1"/>
+          </a:effectRef>
+          <a:fontRef idx="minor">
+            <a:schemeClr val="lt1"/>
+          </a:fontRef>
+        </p:style>
+        <p:txBody>
+          <a:bodyPr rtlCol="0" anchor="ctr"/>
+          <a:lstStyle/>
+          <a:p>
+            <a:pPr algn="ctr"/>
+            <a:endParaRPr lang="pt-BR"/>
+          </a:p>
+        </p:txBody>
+      </p:sp>
+      <p:sp>
+        <p:nvSpPr>
+          <p:cNvPr id="152" name="Shape 152"/>
+          <p:cNvSpPr txBox="1">
+            <a:spLocks noGrp="1"/>
+          </p:cNvSpPr>
+          <p:nvPr>
+            <p:ph type="title"/>
+          </p:nvPr>
+        </p:nvSpPr>
+        <p:spPr>
+          <a:xfrm>
+            <a:off x="387992" y="1523843"/>
+            <a:ext cx="8392191" cy="1614653"/>
+          </a:xfrm>
+          <a:prstGeom prst="rect">
+            <a:avLst/>
+          </a:prstGeom>
+        </p:spPr>
+        <p:txBody>
+          <a:bodyPr wrap="square" lIns="91425" tIns="91425" rIns="91425" bIns="91425" anchor="t" anchorCtr="0">
+            <a:noAutofit/>
+          </a:bodyPr>
+          <a:lstStyle/>
+          <a:p>
+            <a:pPr lvl="0">
+              <a:spcBef>
+                <a:spcPts val="0"/>
+              </a:spcBef>
+              <a:buNone/>
+            </a:pPr>
+            <a:r>
+              <a:rPr lang="pt-BR" sz="6000" dirty="0" smtClean="0">
+                <a:latin typeface="Century" panose="02040604050505020304" pitchFamily="18" charset="0"/>
+              </a:rPr>
+              <a:t>SOLUÇÕES EXISTENTES</a:t>
+            </a:r>
+            <a:endParaRPr lang="pt-BR" sz="7200" dirty="0">
+              <a:latin typeface="Century" panose="02040604050505020304" pitchFamily="18" charset="0"/>
+            </a:endParaRPr>
+          </a:p>
+        </p:txBody>
+      </p:sp>
+    </p:spTree>
+    <p:extLst>
+      <p:ext uri="{BB962C8B-B14F-4D97-AF65-F5344CB8AC3E}">
+        <p14:creationId xmlns:p14="http://schemas.microsoft.com/office/powerpoint/2010/main" val="397971448"/>
+      </p:ext>
+    </p:extLst>
+  </p:cSld>
+  <p:clrMapOvr>
+    <a:masterClrMapping/>
+  </p:clrMapOvr>
+  <p:timing>
+    <p:tnLst>
+      <p:par>
+        <p:cTn id="1" dur="indefinite" restart="never" nodeType="tmRoot"/>
+      </p:par>
+    </p:tnLst>
+  </p:timing>
+</p:sld>
+</file>
+
+<file path=ppt/slides/slide7.xml><?xml version="1.0" encoding="utf-8"?>
+<p:sld xmlns:a="http://schemas.openxmlformats.org/drawingml/2006/main" xmlns:r="http://schemas.openxmlformats.org/officeDocument/2006/relationships" xmlns:p="http://schemas.openxmlformats.org/presentationml/2006/main">
+  <p:cSld>
+    <p:spTree>
+      <p:nvGrpSpPr>
+        <p:cNvPr id="1" name=""/>
+        <p:cNvGrpSpPr/>
+        <p:nvPr/>
+      </p:nvGrpSpPr>
+      <p:grpSpPr>
+        <a:xfrm>
+          <a:off x="0" y="0"/>
+          <a:ext cx="0" cy="0"/>
+          <a:chOff x="0" y="0"/>
+          <a:chExt cx="0" cy="0"/>
+        </a:xfrm>
+      </p:grpSpPr>
+      <p:graphicFrame>
+        <p:nvGraphicFramePr>
+          <p:cNvPr id="5" name="Table 4"/>
+          <p:cNvGraphicFramePr>
+            <a:graphicFrameLocks noGrp="1"/>
+          </p:cNvGraphicFramePr>
+          <p:nvPr>
+            <p:extLst>
+              <p:ext uri="{D42A27DB-BD31-4B8C-83A1-F6EECF244321}">
+                <p14:modId xmlns:p14="http://schemas.microsoft.com/office/powerpoint/2010/main" val="3291941523"/>
+              </p:ext>
+            </p:extLst>
+          </p:nvPr>
+        </p:nvGraphicFramePr>
+        <p:xfrm>
+          <a:off x="872837" y="1510143"/>
+          <a:ext cx="7398327" cy="2112561"/>
+        </p:xfrm>
+        <a:graphic>
+          <a:graphicData uri="http://schemas.openxmlformats.org/drawingml/2006/table">
+            <a:tbl>
+              <a:tblPr firstRow="1" firstCol="1" bandRow="1">
+                <a:tableStyleId>{5C22544A-7EE6-4342-B048-85BDC9FD1C3A}</a:tableStyleId>
+              </a:tblPr>
+              <a:tblGrid>
+                <a:gridCol w="1635823">
+                  <a:extLst>
+                    <a:ext uri="{9D8B030D-6E8A-4147-A177-3AD203B41FA5}">
+                      <a16:colId xmlns:a16="http://schemas.microsoft.com/office/drawing/2014/main" val="252477148"/>
+                    </a:ext>
+                  </a:extLst>
+                </a:gridCol>
+                <a:gridCol w="1014130">
+                  <a:extLst>
+                    <a:ext uri="{9D8B030D-6E8A-4147-A177-3AD203B41FA5}">
+                      <a16:colId xmlns:a16="http://schemas.microsoft.com/office/drawing/2014/main" val="3837534258"/>
+                    </a:ext>
+                  </a:extLst>
+                </a:gridCol>
+                <a:gridCol w="1293973">
+                  <a:extLst>
+                    <a:ext uri="{9D8B030D-6E8A-4147-A177-3AD203B41FA5}">
+                      <a16:colId xmlns:a16="http://schemas.microsoft.com/office/drawing/2014/main" val="2720574389"/>
+                    </a:ext>
+                  </a:extLst>
+                </a:gridCol>
+                <a:gridCol w="1140589">
+                  <a:extLst>
+                    <a:ext uri="{9D8B030D-6E8A-4147-A177-3AD203B41FA5}">
+                      <a16:colId xmlns:a16="http://schemas.microsoft.com/office/drawing/2014/main" val="44416029"/>
+                    </a:ext>
+                  </a:extLst>
+                </a:gridCol>
+                <a:gridCol w="930094">
+                  <a:extLst>
+                    <a:ext uri="{9D8B030D-6E8A-4147-A177-3AD203B41FA5}">
+                      <a16:colId xmlns:a16="http://schemas.microsoft.com/office/drawing/2014/main" val="3425231591"/>
+                    </a:ext>
+                  </a:extLst>
+                </a:gridCol>
+                <a:gridCol w="1383718">
+                  <a:extLst>
+                    <a:ext uri="{9D8B030D-6E8A-4147-A177-3AD203B41FA5}">
+                      <a16:colId xmlns:a16="http://schemas.microsoft.com/office/drawing/2014/main" val="530948326"/>
+                    </a:ext>
+                  </a:extLst>
+                </a:gridCol>
+              </a:tblGrid>
+              <a:tr h="429493">
+                <a:tc>
+                  <a:txBody>
+                    <a:bodyPr/>
+                    <a:lstStyle/>
+                    <a:p>
+                      <a:pPr algn="ctr">
+                        <a:lnSpc>
+                          <a:spcPct val="115000"/>
+                        </a:lnSpc>
+                        <a:spcAft>
+                          <a:spcPts val="0"/>
+                        </a:spcAft>
+                      </a:pPr>
+                      <a:r>
+                        <a:rPr lang="pt-BR" sz="1100" dirty="0">
+                          <a:effectLst/>
+                        </a:rPr>
+                        <a:t>Site / Aplicativos</a:t>
+                      </a:r>
+                      <a:endParaRPr lang="pt-BR" sz="1100" dirty="0">
+                        <a:effectLst/>
+                        <a:latin typeface="Calibri" panose="020F0502020204030204" pitchFamily="34" charset="0"/>
+                        <a:ea typeface="Calibri" panose="020F0502020204030204" pitchFamily="34" charset="0"/>
+                        <a:cs typeface="Times New Roman" panose="02020603050405020304" pitchFamily="18" charset="0"/>
+                      </a:endParaRPr>
+                    </a:p>
+                  </a:txBody>
+                  <a:tcPr marL="68580" marR="68580" marT="0" marB="0"/>
+                </a:tc>
+                <a:tc>
+                  <a:txBody>
+                    <a:bodyPr/>
+                    <a:lstStyle/>
+                    <a:p>
+                      <a:pPr algn="ctr">
+                        <a:lnSpc>
+                          <a:spcPct val="115000"/>
+                        </a:lnSpc>
+                        <a:spcAft>
+                          <a:spcPts val="0"/>
+                        </a:spcAft>
+                      </a:pPr>
+                      <a:r>
+                        <a:rPr lang="pt-BR" sz="1100" dirty="0">
+                          <a:effectLst/>
+                        </a:rPr>
+                        <a:t>Buscar Receitas</a:t>
+                      </a:r>
+                      <a:endParaRPr lang="pt-BR" sz="1100" dirty="0">
+                        <a:effectLst/>
+                        <a:latin typeface="Calibri" panose="020F0502020204030204" pitchFamily="34" charset="0"/>
+                        <a:ea typeface="Calibri" panose="020F0502020204030204" pitchFamily="34" charset="0"/>
+                        <a:cs typeface="Times New Roman" panose="02020603050405020304" pitchFamily="18" charset="0"/>
+                      </a:endParaRPr>
+                    </a:p>
+                  </a:txBody>
+                  <a:tcPr marL="68580" marR="68580" marT="0" marB="0"/>
+                </a:tc>
+                <a:tc>
+                  <a:txBody>
+                    <a:bodyPr/>
+                    <a:lstStyle/>
+                    <a:p>
+                      <a:pPr algn="ctr">
+                        <a:lnSpc>
+                          <a:spcPct val="115000"/>
+                        </a:lnSpc>
+                        <a:spcAft>
+                          <a:spcPts val="0"/>
+                        </a:spcAft>
+                      </a:pPr>
+                      <a:r>
+                        <a:rPr lang="pt-BR" sz="1100">
+                          <a:effectLst/>
+                        </a:rPr>
+                        <a:t>Publicar Receitas</a:t>
+                      </a:r>
+                      <a:endParaRPr lang="pt-BR" sz="1100">
+                        <a:effectLst/>
+                        <a:latin typeface="Calibri" panose="020F0502020204030204" pitchFamily="34" charset="0"/>
+                        <a:ea typeface="Calibri" panose="020F0502020204030204" pitchFamily="34" charset="0"/>
+                        <a:cs typeface="Times New Roman" panose="02020603050405020304" pitchFamily="18" charset="0"/>
+                      </a:endParaRPr>
+                    </a:p>
+                  </a:txBody>
+                  <a:tcPr marL="68580" marR="68580" marT="0" marB="0"/>
+                </a:tc>
+                <a:tc>
+                  <a:txBody>
+                    <a:bodyPr/>
+                    <a:lstStyle/>
+                    <a:p>
+                      <a:pPr algn="ctr">
+                        <a:lnSpc>
+                          <a:spcPct val="115000"/>
+                        </a:lnSpc>
+                        <a:spcAft>
+                          <a:spcPts val="0"/>
+                        </a:spcAft>
+                      </a:pPr>
+                      <a:r>
+                        <a:rPr lang="pt-BR" sz="1100">
+                          <a:effectLst/>
+                        </a:rPr>
+                        <a:t>Despensa</a:t>
+                      </a:r>
+                      <a:endParaRPr lang="pt-BR" sz="1100">
+                        <a:effectLst/>
+                        <a:latin typeface="Calibri" panose="020F0502020204030204" pitchFamily="34" charset="0"/>
+                        <a:ea typeface="Calibri" panose="020F0502020204030204" pitchFamily="34" charset="0"/>
+                        <a:cs typeface="Times New Roman" panose="02020603050405020304" pitchFamily="18" charset="0"/>
+                      </a:endParaRPr>
+                    </a:p>
+                  </a:txBody>
+                  <a:tcPr marL="68580" marR="68580" marT="0" marB="0"/>
+                </a:tc>
+                <a:tc>
+                  <a:txBody>
+                    <a:bodyPr/>
+                    <a:lstStyle/>
+                    <a:p>
+                      <a:pPr algn="ctr">
+                        <a:lnSpc>
+                          <a:spcPct val="115000"/>
+                        </a:lnSpc>
+                        <a:spcAft>
+                          <a:spcPts val="0"/>
+                        </a:spcAft>
+                      </a:pPr>
+                      <a:r>
+                        <a:rPr lang="pt-BR" sz="1100">
+                          <a:effectLst/>
+                        </a:rPr>
+                        <a:t>Lista de compras</a:t>
+                      </a:r>
+                      <a:endParaRPr lang="pt-BR" sz="1100">
+                        <a:effectLst/>
+                        <a:latin typeface="Calibri" panose="020F0502020204030204" pitchFamily="34" charset="0"/>
+                        <a:ea typeface="Calibri" panose="020F0502020204030204" pitchFamily="34" charset="0"/>
+                        <a:cs typeface="Times New Roman" panose="02020603050405020304" pitchFamily="18" charset="0"/>
+                      </a:endParaRPr>
+                    </a:p>
+                  </a:txBody>
+                  <a:tcPr marL="68580" marR="68580" marT="0" marB="0"/>
+                </a:tc>
+                <a:tc>
+                  <a:txBody>
+                    <a:bodyPr/>
+                    <a:lstStyle/>
+                    <a:p>
+                      <a:pPr algn="ctr">
+                        <a:lnSpc>
+                          <a:spcPct val="115000"/>
+                        </a:lnSpc>
+                        <a:spcAft>
+                          <a:spcPts val="0"/>
+                        </a:spcAft>
+                      </a:pPr>
+                      <a:r>
+                        <a:rPr lang="pt-BR" sz="1100">
+                          <a:effectLst/>
+                        </a:rPr>
+                        <a:t>Preparo interativo</a:t>
+                      </a:r>
+                      <a:endParaRPr lang="pt-BR" sz="1100">
+                        <a:effectLst/>
+                        <a:latin typeface="Calibri" panose="020F0502020204030204" pitchFamily="34" charset="0"/>
+                        <a:ea typeface="Calibri" panose="020F0502020204030204" pitchFamily="34" charset="0"/>
+                        <a:cs typeface="Times New Roman" panose="02020603050405020304" pitchFamily="18" charset="0"/>
+                      </a:endParaRPr>
+                    </a:p>
+                  </a:txBody>
+                  <a:tcPr marL="68580" marR="68580" marT="0" marB="0"/>
+                </a:tc>
+                <a:extLst>
+                  <a:ext uri="{0D108BD9-81ED-4DB2-BD59-A6C34878D82A}">
+                    <a16:rowId xmlns:a16="http://schemas.microsoft.com/office/drawing/2014/main" val="1504029584"/>
+                  </a:ext>
+                </a:extLst>
+              </a:tr>
+              <a:tr h="293320">
+                <a:tc>
+                  <a:txBody>
+                    <a:bodyPr/>
+                    <a:lstStyle/>
+                    <a:p>
+                      <a:pPr algn="ctr">
+                        <a:spcAft>
+                          <a:spcPts val="1000"/>
+                        </a:spcAft>
+                      </a:pPr>
+                      <a:r>
+                        <a:rPr lang="pt-BR" sz="1100" dirty="0">
+                          <a:effectLst/>
+                        </a:rPr>
+                        <a:t>Let’s Cook</a:t>
+                      </a:r>
+                      <a:endParaRPr lang="pt-BR" sz="1100" dirty="0">
+                        <a:effectLst/>
+                        <a:latin typeface="Calibri" panose="020F0502020204030204" pitchFamily="34" charset="0"/>
+                        <a:ea typeface="Times New Roman" panose="02020603050405020304" pitchFamily="18" charset="0"/>
+                        <a:cs typeface="Times New Roman" panose="02020603050405020304" pitchFamily="18" charset="0"/>
+                      </a:endParaRPr>
+                    </a:p>
+                  </a:txBody>
+                  <a:tcPr marL="68580" marR="68580" marT="0" marB="0"/>
+                </a:tc>
+                <a:tc>
+                  <a:txBody>
+                    <a:bodyPr/>
+                    <a:lstStyle/>
+                    <a:p>
+                      <a:pPr algn="ctr">
+                        <a:spcAft>
+                          <a:spcPts val="1000"/>
+                        </a:spcAft>
+                      </a:pPr>
+                      <a:r>
+                        <a:rPr lang="pt-BR" sz="1100" dirty="0">
+                          <a:effectLst/>
+                        </a:rPr>
+                        <a:t>X</a:t>
+                      </a:r>
+                      <a:endParaRPr lang="pt-BR" sz="1100" dirty="0">
+                        <a:effectLst/>
+                        <a:latin typeface="Calibri" panose="020F0502020204030204" pitchFamily="34" charset="0"/>
+                        <a:ea typeface="Times New Roman" panose="02020603050405020304" pitchFamily="18" charset="0"/>
+                        <a:cs typeface="Times New Roman" panose="02020603050405020304" pitchFamily="18" charset="0"/>
+                      </a:endParaRPr>
+                    </a:p>
+                  </a:txBody>
+                  <a:tcPr marL="68580" marR="68580" marT="0" marB="0"/>
+                </a:tc>
+                <a:tc>
+                  <a:txBody>
+                    <a:bodyPr/>
+                    <a:lstStyle/>
+                    <a:p>
+                      <a:pPr algn="ctr">
+                        <a:spcAft>
+                          <a:spcPts val="1000"/>
+                        </a:spcAft>
+                      </a:pPr>
+                      <a:r>
+                        <a:rPr lang="pt-BR" sz="1100">
+                          <a:effectLst/>
+                        </a:rPr>
+                        <a:t>X</a:t>
+                      </a:r>
+                      <a:endParaRPr lang="pt-BR" sz="1100">
+                        <a:effectLst/>
+                        <a:latin typeface="Calibri" panose="020F0502020204030204" pitchFamily="34" charset="0"/>
+                        <a:ea typeface="Times New Roman" panose="02020603050405020304" pitchFamily="18" charset="0"/>
+                        <a:cs typeface="Times New Roman" panose="02020603050405020304" pitchFamily="18" charset="0"/>
+                      </a:endParaRPr>
+                    </a:p>
+                  </a:txBody>
+                  <a:tcPr marL="68580" marR="68580" marT="0" marB="0"/>
+                </a:tc>
+                <a:tc>
+                  <a:txBody>
+                    <a:bodyPr/>
+                    <a:lstStyle/>
+                    <a:p>
+                      <a:pPr algn="ctr">
+                        <a:spcAft>
+                          <a:spcPts val="1000"/>
+                        </a:spcAft>
+                      </a:pPr>
+                      <a:r>
+                        <a:rPr lang="pt-BR" sz="1100">
+                          <a:effectLst/>
+                        </a:rPr>
+                        <a:t>X</a:t>
+                      </a:r>
+                      <a:endParaRPr lang="pt-BR" sz="1100">
+                        <a:effectLst/>
+                        <a:latin typeface="Calibri" panose="020F0502020204030204" pitchFamily="34" charset="0"/>
+                        <a:ea typeface="Times New Roman" panose="02020603050405020304" pitchFamily="18" charset="0"/>
+                        <a:cs typeface="Times New Roman" panose="02020603050405020304" pitchFamily="18" charset="0"/>
+                      </a:endParaRPr>
+                    </a:p>
+                  </a:txBody>
+                  <a:tcPr marL="68580" marR="68580" marT="0" marB="0"/>
+                </a:tc>
+                <a:tc>
+                  <a:txBody>
+                    <a:bodyPr/>
+                    <a:lstStyle/>
+                    <a:p>
+                      <a:pPr algn="ctr">
+                        <a:spcAft>
+                          <a:spcPts val="1000"/>
+                        </a:spcAft>
+                      </a:pPr>
+                      <a:r>
+                        <a:rPr lang="pt-BR" sz="1100">
+                          <a:effectLst/>
+                        </a:rPr>
+                        <a:t>X</a:t>
+                      </a:r>
+                      <a:endParaRPr lang="pt-BR" sz="1100">
+                        <a:effectLst/>
+                        <a:latin typeface="Calibri" panose="020F0502020204030204" pitchFamily="34" charset="0"/>
+                        <a:ea typeface="Times New Roman" panose="02020603050405020304" pitchFamily="18" charset="0"/>
+                        <a:cs typeface="Times New Roman" panose="02020603050405020304" pitchFamily="18" charset="0"/>
+                      </a:endParaRPr>
+                    </a:p>
+                  </a:txBody>
+                  <a:tcPr marL="68580" marR="68580" marT="0" marB="0"/>
+                </a:tc>
+                <a:tc>
+                  <a:txBody>
+                    <a:bodyPr/>
+                    <a:lstStyle/>
+                    <a:p>
+                      <a:pPr algn="ctr">
+                        <a:spcAft>
+                          <a:spcPts val="1000"/>
+                        </a:spcAft>
+                      </a:pPr>
+                      <a:r>
+                        <a:rPr lang="pt-BR" sz="1100">
+                          <a:effectLst/>
+                        </a:rPr>
+                        <a:t>X</a:t>
+                      </a:r>
+                      <a:endParaRPr lang="pt-BR" sz="1100">
+                        <a:effectLst/>
+                        <a:latin typeface="Calibri" panose="020F0502020204030204" pitchFamily="34" charset="0"/>
+                        <a:ea typeface="Times New Roman" panose="02020603050405020304" pitchFamily="18" charset="0"/>
+                        <a:cs typeface="Times New Roman" panose="02020603050405020304" pitchFamily="18" charset="0"/>
+                      </a:endParaRPr>
+                    </a:p>
+                  </a:txBody>
+                  <a:tcPr marL="68580" marR="68580" marT="0" marB="0"/>
+                </a:tc>
+                <a:extLst>
+                  <a:ext uri="{0D108BD9-81ED-4DB2-BD59-A6C34878D82A}">
+                    <a16:rowId xmlns:a16="http://schemas.microsoft.com/office/drawing/2014/main" val="4179223843"/>
+                  </a:ext>
+                </a:extLst>
+              </a:tr>
+              <a:tr h="325582">
+                <a:tc>
+                  <a:txBody>
+                    <a:bodyPr/>
+                    <a:lstStyle/>
+                    <a:p>
+                      <a:pPr algn="ctr">
+                        <a:spcAft>
+                          <a:spcPts val="1000"/>
+                        </a:spcAft>
+                      </a:pPr>
+                      <a:r>
+                        <a:rPr lang="pt-BR" sz="1100" dirty="0">
+                          <a:effectLst/>
+                        </a:rPr>
+                        <a:t>Tudo Gostoso</a:t>
+                      </a:r>
+                      <a:endParaRPr lang="pt-BR" sz="1100" dirty="0">
+                        <a:effectLst/>
+                        <a:latin typeface="Calibri" panose="020F0502020204030204" pitchFamily="34" charset="0"/>
+                        <a:ea typeface="Times New Roman" panose="02020603050405020304" pitchFamily="18" charset="0"/>
+                        <a:cs typeface="Times New Roman" panose="02020603050405020304" pitchFamily="18" charset="0"/>
+                      </a:endParaRPr>
+                    </a:p>
+                  </a:txBody>
+                  <a:tcPr marL="68580" marR="68580" marT="0" marB="0"/>
+                </a:tc>
+                <a:tc>
+                  <a:txBody>
+                    <a:bodyPr/>
+                    <a:lstStyle/>
+                    <a:p>
+                      <a:pPr algn="ctr">
+                        <a:spcAft>
+                          <a:spcPts val="1000"/>
+                        </a:spcAft>
+                      </a:pPr>
+                      <a:r>
+                        <a:rPr lang="pt-BR" sz="1100">
+                          <a:effectLst/>
+                        </a:rPr>
+                        <a:t>X</a:t>
+                      </a:r>
+                      <a:endParaRPr lang="pt-BR" sz="1100">
+                        <a:effectLst/>
+                        <a:latin typeface="Calibri" panose="020F0502020204030204" pitchFamily="34" charset="0"/>
+                        <a:ea typeface="Times New Roman" panose="02020603050405020304" pitchFamily="18" charset="0"/>
+                        <a:cs typeface="Times New Roman" panose="02020603050405020304" pitchFamily="18" charset="0"/>
+                      </a:endParaRPr>
+                    </a:p>
+                  </a:txBody>
+                  <a:tcPr marL="68580" marR="68580" marT="0" marB="0"/>
+                </a:tc>
+                <a:tc>
+                  <a:txBody>
+                    <a:bodyPr/>
+                    <a:lstStyle/>
+                    <a:p>
+                      <a:pPr algn="ctr">
+                        <a:spcAft>
+                          <a:spcPts val="1000"/>
+                        </a:spcAft>
+                      </a:pPr>
+                      <a:r>
+                        <a:rPr lang="pt-BR" sz="1100" dirty="0">
+                          <a:effectLst/>
+                        </a:rPr>
+                        <a:t>X</a:t>
+                      </a:r>
+                      <a:endParaRPr lang="pt-BR" sz="1100" dirty="0">
+                        <a:effectLst/>
+                        <a:latin typeface="Calibri" panose="020F0502020204030204" pitchFamily="34" charset="0"/>
+                        <a:ea typeface="Times New Roman" panose="02020603050405020304" pitchFamily="18" charset="0"/>
+                        <a:cs typeface="Times New Roman" panose="02020603050405020304" pitchFamily="18" charset="0"/>
+                      </a:endParaRPr>
+                    </a:p>
+                  </a:txBody>
+                  <a:tcPr marL="68580" marR="68580" marT="0" marB="0"/>
+                </a:tc>
+                <a:tc>
+                  <a:txBody>
+                    <a:bodyPr/>
+                    <a:lstStyle/>
+                    <a:p>
+                      <a:pPr algn="ctr">
+                        <a:spcAft>
+                          <a:spcPts val="1000"/>
+                        </a:spcAft>
+                      </a:pPr>
+                      <a:r>
+                        <a:rPr lang="pt-BR" sz="1100">
+                          <a:effectLst/>
+                        </a:rPr>
+                        <a:t> </a:t>
+                      </a:r>
+                      <a:endParaRPr lang="pt-BR" sz="1100">
+                        <a:effectLst/>
+                        <a:latin typeface="Calibri" panose="020F0502020204030204" pitchFamily="34" charset="0"/>
+                        <a:ea typeface="Times New Roman" panose="02020603050405020304" pitchFamily="18" charset="0"/>
+                        <a:cs typeface="Times New Roman" panose="02020603050405020304" pitchFamily="18" charset="0"/>
+                      </a:endParaRPr>
+                    </a:p>
+                  </a:txBody>
+                  <a:tcPr marL="68580" marR="68580" marT="0" marB="0"/>
+                </a:tc>
+                <a:tc>
+                  <a:txBody>
+                    <a:bodyPr/>
+                    <a:lstStyle/>
+                    <a:p>
+                      <a:pPr algn="ctr">
+                        <a:spcAft>
+                          <a:spcPts val="1000"/>
+                        </a:spcAft>
+                      </a:pPr>
+                      <a:r>
+                        <a:rPr lang="pt-BR" sz="1100">
+                          <a:effectLst/>
+                        </a:rPr>
+                        <a:t> </a:t>
+                      </a:r>
+                      <a:endParaRPr lang="pt-BR" sz="1100">
+                        <a:effectLst/>
+                        <a:latin typeface="Calibri" panose="020F0502020204030204" pitchFamily="34" charset="0"/>
+                        <a:ea typeface="Times New Roman" panose="02020603050405020304" pitchFamily="18" charset="0"/>
+                        <a:cs typeface="Times New Roman" panose="02020603050405020304" pitchFamily="18" charset="0"/>
+                      </a:endParaRPr>
+                    </a:p>
+                  </a:txBody>
+                  <a:tcPr marL="68580" marR="68580" marT="0" marB="0"/>
+                </a:tc>
+                <a:tc>
+                  <a:txBody>
+                    <a:bodyPr/>
+                    <a:lstStyle/>
+                    <a:p>
+                      <a:pPr algn="ctr">
+                        <a:spcAft>
+                          <a:spcPts val="1000"/>
+                        </a:spcAft>
+                      </a:pPr>
+                      <a:r>
+                        <a:rPr lang="pt-BR" sz="1100">
+                          <a:effectLst/>
+                        </a:rPr>
+                        <a:t> </a:t>
+                      </a:r>
+                      <a:endParaRPr lang="pt-BR" sz="1100">
+                        <a:effectLst/>
+                        <a:latin typeface="Calibri" panose="020F0502020204030204" pitchFamily="34" charset="0"/>
+                        <a:ea typeface="Times New Roman" panose="02020603050405020304" pitchFamily="18" charset="0"/>
+                        <a:cs typeface="Times New Roman" panose="02020603050405020304" pitchFamily="18" charset="0"/>
+                      </a:endParaRPr>
+                    </a:p>
+                  </a:txBody>
+                  <a:tcPr marL="68580" marR="68580" marT="0" marB="0"/>
+                </a:tc>
+                <a:extLst>
+                  <a:ext uri="{0D108BD9-81ED-4DB2-BD59-A6C34878D82A}">
+                    <a16:rowId xmlns:a16="http://schemas.microsoft.com/office/drawing/2014/main" val="391161899"/>
+                  </a:ext>
+                </a:extLst>
+              </a:tr>
+              <a:tr h="288295">
+                <a:tc>
+                  <a:txBody>
+                    <a:bodyPr/>
+                    <a:lstStyle/>
+                    <a:p>
+                      <a:pPr algn="ctr">
+                        <a:spcAft>
+                          <a:spcPts val="1000"/>
+                        </a:spcAft>
+                      </a:pPr>
+                      <a:r>
+                        <a:rPr lang="pt-BR" sz="1100" dirty="0">
+                          <a:effectLst/>
+                        </a:rPr>
+                        <a:t>Tastemade</a:t>
+                      </a:r>
+                      <a:endParaRPr lang="pt-BR" sz="1100" dirty="0">
+                        <a:effectLst/>
+                        <a:latin typeface="Calibri" panose="020F0502020204030204" pitchFamily="34" charset="0"/>
+                        <a:ea typeface="Times New Roman" panose="02020603050405020304" pitchFamily="18" charset="0"/>
+                        <a:cs typeface="Times New Roman" panose="02020603050405020304" pitchFamily="18" charset="0"/>
+                      </a:endParaRPr>
+                    </a:p>
+                  </a:txBody>
+                  <a:tcPr marL="68580" marR="68580" marT="0" marB="0"/>
+                </a:tc>
+                <a:tc>
+                  <a:txBody>
+                    <a:bodyPr/>
+                    <a:lstStyle/>
+                    <a:p>
+                      <a:pPr algn="ctr">
+                        <a:spcAft>
+                          <a:spcPts val="1000"/>
+                        </a:spcAft>
+                      </a:pPr>
+                      <a:r>
+                        <a:rPr lang="pt-BR" sz="1100">
+                          <a:effectLst/>
+                        </a:rPr>
+                        <a:t>X</a:t>
+                      </a:r>
+                      <a:endParaRPr lang="pt-BR" sz="1100">
+                        <a:effectLst/>
+                        <a:latin typeface="Calibri" panose="020F0502020204030204" pitchFamily="34" charset="0"/>
+                        <a:ea typeface="Times New Roman" panose="02020603050405020304" pitchFamily="18" charset="0"/>
+                        <a:cs typeface="Times New Roman" panose="02020603050405020304" pitchFamily="18" charset="0"/>
+                      </a:endParaRPr>
+                    </a:p>
+                  </a:txBody>
+                  <a:tcPr marL="68580" marR="68580" marT="0" marB="0"/>
+                </a:tc>
+                <a:tc>
+                  <a:txBody>
+                    <a:bodyPr/>
+                    <a:lstStyle/>
+                    <a:p>
+                      <a:pPr algn="ctr">
+                        <a:spcAft>
+                          <a:spcPts val="1000"/>
+                        </a:spcAft>
+                      </a:pPr>
+                      <a:r>
+                        <a:rPr lang="pt-BR" sz="1100">
+                          <a:effectLst/>
+                        </a:rPr>
+                        <a:t> </a:t>
+                      </a:r>
+                      <a:endParaRPr lang="pt-BR" sz="1100">
+                        <a:effectLst/>
+                        <a:latin typeface="Calibri" panose="020F0502020204030204" pitchFamily="34" charset="0"/>
+                        <a:ea typeface="Times New Roman" panose="02020603050405020304" pitchFamily="18" charset="0"/>
+                        <a:cs typeface="Times New Roman" panose="02020603050405020304" pitchFamily="18" charset="0"/>
+                      </a:endParaRPr>
+                    </a:p>
+                  </a:txBody>
+                  <a:tcPr marL="68580" marR="68580" marT="0" marB="0"/>
+                </a:tc>
+                <a:tc>
+                  <a:txBody>
+                    <a:bodyPr/>
+                    <a:lstStyle/>
+                    <a:p>
+                      <a:pPr algn="ctr">
+                        <a:spcAft>
+                          <a:spcPts val="1000"/>
+                        </a:spcAft>
+                      </a:pPr>
+                      <a:r>
+                        <a:rPr lang="pt-BR" sz="1100">
+                          <a:effectLst/>
+                        </a:rPr>
+                        <a:t> </a:t>
+                      </a:r>
+                      <a:endParaRPr lang="pt-BR" sz="1100">
+                        <a:effectLst/>
+                        <a:latin typeface="Calibri" panose="020F0502020204030204" pitchFamily="34" charset="0"/>
+                        <a:ea typeface="Times New Roman" panose="02020603050405020304" pitchFamily="18" charset="0"/>
+                        <a:cs typeface="Times New Roman" panose="02020603050405020304" pitchFamily="18" charset="0"/>
+                      </a:endParaRPr>
+                    </a:p>
+                  </a:txBody>
+                  <a:tcPr marL="68580" marR="68580" marT="0" marB="0"/>
+                </a:tc>
+                <a:tc>
+                  <a:txBody>
+                    <a:bodyPr/>
+                    <a:lstStyle/>
+                    <a:p>
+                      <a:pPr algn="ctr">
+                        <a:spcAft>
+                          <a:spcPts val="1000"/>
+                        </a:spcAft>
+                      </a:pPr>
+                      <a:r>
+                        <a:rPr lang="pt-BR" sz="1100">
+                          <a:effectLst/>
+                        </a:rPr>
+                        <a:t> </a:t>
+                      </a:r>
+                      <a:endParaRPr lang="pt-BR" sz="1100">
+                        <a:effectLst/>
+                        <a:latin typeface="Calibri" panose="020F0502020204030204" pitchFamily="34" charset="0"/>
+                        <a:ea typeface="Times New Roman" panose="02020603050405020304" pitchFamily="18" charset="0"/>
+                        <a:cs typeface="Times New Roman" panose="02020603050405020304" pitchFamily="18" charset="0"/>
+                      </a:endParaRPr>
+                    </a:p>
+                  </a:txBody>
+                  <a:tcPr marL="68580" marR="68580" marT="0" marB="0"/>
+                </a:tc>
+                <a:tc>
+                  <a:txBody>
+                    <a:bodyPr/>
+                    <a:lstStyle/>
+                    <a:p>
+                      <a:pPr algn="ctr">
+                        <a:spcAft>
+                          <a:spcPts val="1000"/>
+                        </a:spcAft>
+                      </a:pPr>
+                      <a:r>
+                        <a:rPr lang="pt-BR" sz="1100">
+                          <a:effectLst/>
+                        </a:rPr>
+                        <a:t> </a:t>
+                      </a:r>
+                      <a:endParaRPr lang="pt-BR" sz="1100">
+                        <a:effectLst/>
+                        <a:latin typeface="Calibri" panose="020F0502020204030204" pitchFamily="34" charset="0"/>
+                        <a:ea typeface="Times New Roman" panose="02020603050405020304" pitchFamily="18" charset="0"/>
+                        <a:cs typeface="Times New Roman" panose="02020603050405020304" pitchFamily="18" charset="0"/>
+                      </a:endParaRPr>
+                    </a:p>
+                  </a:txBody>
+                  <a:tcPr marL="68580" marR="68580" marT="0" marB="0"/>
+                </a:tc>
+                <a:extLst>
+                  <a:ext uri="{0D108BD9-81ED-4DB2-BD59-A6C34878D82A}">
+                    <a16:rowId xmlns:a16="http://schemas.microsoft.com/office/drawing/2014/main" val="961658034"/>
+                  </a:ext>
+                </a:extLst>
+              </a:tr>
+              <a:tr h="369795">
+                <a:tc>
+                  <a:txBody>
+                    <a:bodyPr/>
+                    <a:lstStyle/>
+                    <a:p>
+                      <a:pPr algn="ctr">
+                        <a:spcAft>
+                          <a:spcPts val="1000"/>
+                        </a:spcAft>
+                      </a:pPr>
+                      <a:r>
+                        <a:rPr lang="pt-BR" sz="1100" dirty="0">
+                          <a:effectLst/>
+                        </a:rPr>
+                        <a:t>Tasty Recipes</a:t>
+                      </a:r>
+                      <a:endParaRPr lang="pt-BR" sz="1100" dirty="0">
+                        <a:effectLst/>
+                        <a:latin typeface="Calibri" panose="020F0502020204030204" pitchFamily="34" charset="0"/>
+                        <a:ea typeface="Times New Roman" panose="02020603050405020304" pitchFamily="18" charset="0"/>
+                        <a:cs typeface="Times New Roman" panose="02020603050405020304" pitchFamily="18" charset="0"/>
+                      </a:endParaRPr>
+                    </a:p>
+                  </a:txBody>
+                  <a:tcPr marL="68580" marR="68580" marT="0" marB="0"/>
+                </a:tc>
+                <a:tc>
+                  <a:txBody>
+                    <a:bodyPr/>
+                    <a:lstStyle/>
+                    <a:p>
+                      <a:pPr algn="ctr">
+                        <a:spcAft>
+                          <a:spcPts val="1000"/>
+                        </a:spcAft>
+                      </a:pPr>
+                      <a:r>
+                        <a:rPr lang="pt-BR" sz="1100">
+                          <a:effectLst/>
+                        </a:rPr>
+                        <a:t>X</a:t>
+                      </a:r>
+                      <a:endParaRPr lang="pt-BR" sz="1100">
+                        <a:effectLst/>
+                        <a:latin typeface="Calibri" panose="020F0502020204030204" pitchFamily="34" charset="0"/>
+                        <a:ea typeface="Times New Roman" panose="02020603050405020304" pitchFamily="18" charset="0"/>
+                        <a:cs typeface="Times New Roman" panose="02020603050405020304" pitchFamily="18" charset="0"/>
+                      </a:endParaRPr>
+                    </a:p>
+                  </a:txBody>
+                  <a:tcPr marL="68580" marR="68580" marT="0" marB="0"/>
+                </a:tc>
+                <a:tc>
+                  <a:txBody>
+                    <a:bodyPr/>
+                    <a:lstStyle/>
+                    <a:p>
+                      <a:pPr algn="ctr">
+                        <a:spcAft>
+                          <a:spcPts val="1000"/>
+                        </a:spcAft>
+                      </a:pPr>
+                      <a:r>
+                        <a:rPr lang="pt-BR" sz="1100">
+                          <a:effectLst/>
+                        </a:rPr>
+                        <a:t> </a:t>
+                      </a:r>
+                      <a:endParaRPr lang="pt-BR" sz="1100">
+                        <a:effectLst/>
+                        <a:latin typeface="Calibri" panose="020F0502020204030204" pitchFamily="34" charset="0"/>
+                        <a:ea typeface="Times New Roman" panose="02020603050405020304" pitchFamily="18" charset="0"/>
+                        <a:cs typeface="Times New Roman" panose="02020603050405020304" pitchFamily="18" charset="0"/>
+                      </a:endParaRPr>
+                    </a:p>
+                  </a:txBody>
+                  <a:tcPr marL="68580" marR="68580" marT="0" marB="0"/>
+                </a:tc>
+                <a:tc>
+                  <a:txBody>
+                    <a:bodyPr/>
+                    <a:lstStyle/>
+                    <a:p>
+                      <a:pPr algn="ctr">
+                        <a:spcAft>
+                          <a:spcPts val="1000"/>
+                        </a:spcAft>
+                      </a:pPr>
+                      <a:r>
+                        <a:rPr lang="pt-BR" sz="1100">
+                          <a:effectLst/>
+                        </a:rPr>
+                        <a:t> </a:t>
+                      </a:r>
+                      <a:endParaRPr lang="pt-BR" sz="1100">
+                        <a:effectLst/>
+                        <a:latin typeface="Calibri" panose="020F0502020204030204" pitchFamily="34" charset="0"/>
+                        <a:ea typeface="Times New Roman" panose="02020603050405020304" pitchFamily="18" charset="0"/>
+                        <a:cs typeface="Times New Roman" panose="02020603050405020304" pitchFamily="18" charset="0"/>
+                      </a:endParaRPr>
+                    </a:p>
+                  </a:txBody>
+                  <a:tcPr marL="68580" marR="68580" marT="0" marB="0"/>
+                </a:tc>
+                <a:tc>
+                  <a:txBody>
+                    <a:bodyPr/>
+                    <a:lstStyle/>
+                    <a:p>
+                      <a:pPr algn="ctr">
+                        <a:spcAft>
+                          <a:spcPts val="1000"/>
+                        </a:spcAft>
+                      </a:pPr>
+                      <a:r>
+                        <a:rPr lang="pt-BR" sz="1100">
+                          <a:effectLst/>
+                        </a:rPr>
+                        <a:t> </a:t>
+                      </a:r>
+                      <a:endParaRPr lang="pt-BR" sz="1100">
+                        <a:effectLst/>
+                        <a:latin typeface="Calibri" panose="020F0502020204030204" pitchFamily="34" charset="0"/>
+                        <a:ea typeface="Times New Roman" panose="02020603050405020304" pitchFamily="18" charset="0"/>
+                        <a:cs typeface="Times New Roman" panose="02020603050405020304" pitchFamily="18" charset="0"/>
+                      </a:endParaRPr>
+                    </a:p>
+                  </a:txBody>
+                  <a:tcPr marL="68580" marR="68580" marT="0" marB="0"/>
+                </a:tc>
+                <a:tc>
+                  <a:txBody>
+                    <a:bodyPr/>
+                    <a:lstStyle/>
+                    <a:p>
+                      <a:pPr algn="ctr">
+                        <a:spcAft>
+                          <a:spcPts val="1000"/>
+                        </a:spcAft>
+                      </a:pPr>
+                      <a:r>
+                        <a:rPr lang="pt-BR" sz="1100">
+                          <a:effectLst/>
+                        </a:rPr>
+                        <a:t> </a:t>
+                      </a:r>
+                      <a:endParaRPr lang="pt-BR" sz="1100">
+                        <a:effectLst/>
+                        <a:latin typeface="Calibri" panose="020F0502020204030204" pitchFamily="34" charset="0"/>
+                        <a:ea typeface="Times New Roman" panose="02020603050405020304" pitchFamily="18" charset="0"/>
+                        <a:cs typeface="Times New Roman" panose="02020603050405020304" pitchFamily="18" charset="0"/>
+                      </a:endParaRPr>
+                    </a:p>
+                  </a:txBody>
+                  <a:tcPr marL="68580" marR="68580" marT="0" marB="0"/>
+                </a:tc>
+                <a:extLst>
+                  <a:ext uri="{0D108BD9-81ED-4DB2-BD59-A6C34878D82A}">
+                    <a16:rowId xmlns:a16="http://schemas.microsoft.com/office/drawing/2014/main" val="2296729000"/>
+                  </a:ext>
+                </a:extLst>
+              </a:tr>
+              <a:tr h="406076">
+                <a:tc>
+                  <a:txBody>
+                    <a:bodyPr/>
+                    <a:lstStyle/>
+                    <a:p>
+                      <a:pPr algn="ctr">
+                        <a:spcAft>
+                          <a:spcPts val="1000"/>
+                        </a:spcAft>
+                      </a:pPr>
+                      <a:r>
+                        <a:rPr lang="pt-BR" sz="1100">
+                          <a:effectLst/>
+                        </a:rPr>
+                        <a:t>Yummly</a:t>
+                      </a:r>
+                      <a:endParaRPr lang="pt-BR" sz="1100">
+                        <a:effectLst/>
+                        <a:latin typeface="Calibri" panose="020F0502020204030204" pitchFamily="34" charset="0"/>
+                        <a:ea typeface="Times New Roman" panose="02020603050405020304" pitchFamily="18" charset="0"/>
+                        <a:cs typeface="Times New Roman" panose="02020603050405020304" pitchFamily="18" charset="0"/>
+                      </a:endParaRPr>
+                    </a:p>
+                  </a:txBody>
+                  <a:tcPr marL="68580" marR="68580" marT="0" marB="0"/>
+                </a:tc>
+                <a:tc>
+                  <a:txBody>
+                    <a:bodyPr/>
+                    <a:lstStyle/>
+                    <a:p>
+                      <a:pPr algn="ctr">
+                        <a:spcAft>
+                          <a:spcPts val="1000"/>
+                        </a:spcAft>
+                      </a:pPr>
+                      <a:r>
+                        <a:rPr lang="pt-BR" sz="1100">
+                          <a:effectLst/>
+                        </a:rPr>
+                        <a:t>X</a:t>
+                      </a:r>
+                      <a:endParaRPr lang="pt-BR" sz="1100">
+                        <a:effectLst/>
+                        <a:latin typeface="Calibri" panose="020F0502020204030204" pitchFamily="34" charset="0"/>
+                        <a:ea typeface="Times New Roman" panose="02020603050405020304" pitchFamily="18" charset="0"/>
+                        <a:cs typeface="Times New Roman" panose="02020603050405020304" pitchFamily="18" charset="0"/>
+                      </a:endParaRPr>
+                    </a:p>
+                  </a:txBody>
+                  <a:tcPr marL="68580" marR="68580" marT="0" marB="0"/>
+                </a:tc>
+                <a:tc>
+                  <a:txBody>
+                    <a:bodyPr/>
+                    <a:lstStyle/>
+                    <a:p>
+                      <a:pPr algn="ctr">
+                        <a:spcAft>
+                          <a:spcPts val="1000"/>
+                        </a:spcAft>
+                      </a:pPr>
+                      <a:r>
+                        <a:rPr lang="pt-BR" sz="1100">
+                          <a:effectLst/>
+                        </a:rPr>
+                        <a:t> </a:t>
+                      </a:r>
+                      <a:endParaRPr lang="pt-BR" sz="1100">
+                        <a:effectLst/>
+                        <a:latin typeface="Calibri" panose="020F0502020204030204" pitchFamily="34" charset="0"/>
+                        <a:ea typeface="Times New Roman" panose="02020603050405020304" pitchFamily="18" charset="0"/>
+                        <a:cs typeface="Times New Roman" panose="02020603050405020304" pitchFamily="18" charset="0"/>
+                      </a:endParaRPr>
+                    </a:p>
+                  </a:txBody>
+                  <a:tcPr marL="68580" marR="68580" marT="0" marB="0"/>
+                </a:tc>
+                <a:tc>
+                  <a:txBody>
+                    <a:bodyPr/>
+                    <a:lstStyle/>
+                    <a:p>
+                      <a:pPr algn="ctr">
+                        <a:spcAft>
+                          <a:spcPts val="1000"/>
+                        </a:spcAft>
+                      </a:pPr>
+                      <a:r>
+                        <a:rPr lang="pt-BR" sz="1100">
+                          <a:effectLst/>
+                        </a:rPr>
+                        <a:t> </a:t>
+                      </a:r>
+                      <a:endParaRPr lang="pt-BR" sz="1100">
+                        <a:effectLst/>
+                        <a:latin typeface="Calibri" panose="020F0502020204030204" pitchFamily="34" charset="0"/>
+                        <a:ea typeface="Times New Roman" panose="02020603050405020304" pitchFamily="18" charset="0"/>
+                        <a:cs typeface="Times New Roman" panose="02020603050405020304" pitchFamily="18" charset="0"/>
+                      </a:endParaRPr>
+                    </a:p>
+                  </a:txBody>
+                  <a:tcPr marL="68580" marR="68580" marT="0" marB="0"/>
+                </a:tc>
+                <a:tc>
+                  <a:txBody>
+                    <a:bodyPr/>
+                    <a:lstStyle/>
+                    <a:p>
+                      <a:pPr algn="ctr">
+                        <a:spcAft>
+                          <a:spcPts val="1000"/>
+                        </a:spcAft>
+                      </a:pPr>
+                      <a:r>
+                        <a:rPr lang="pt-BR" sz="1100">
+                          <a:effectLst/>
+                        </a:rPr>
+                        <a:t>X</a:t>
+                      </a:r>
+                      <a:endParaRPr lang="pt-BR" sz="1100">
+                        <a:effectLst/>
+                        <a:latin typeface="Calibri" panose="020F0502020204030204" pitchFamily="34" charset="0"/>
+                        <a:ea typeface="Times New Roman" panose="02020603050405020304" pitchFamily="18" charset="0"/>
+                        <a:cs typeface="Times New Roman" panose="02020603050405020304" pitchFamily="18" charset="0"/>
+                      </a:endParaRPr>
+                    </a:p>
+                  </a:txBody>
+                  <a:tcPr marL="68580" marR="68580" marT="0" marB="0"/>
+                </a:tc>
+                <a:tc>
+                  <a:txBody>
+                    <a:bodyPr/>
+                    <a:lstStyle/>
+                    <a:p>
+                      <a:pPr algn="ctr">
+                        <a:spcAft>
+                          <a:spcPts val="1000"/>
+                        </a:spcAft>
+                      </a:pPr>
+                      <a:r>
+                        <a:rPr lang="pt-BR" sz="1100" dirty="0">
+                          <a:effectLst/>
+                        </a:rPr>
+                        <a:t> </a:t>
+                      </a:r>
+                      <a:endParaRPr lang="pt-BR" sz="1100" dirty="0">
+                        <a:effectLst/>
+                        <a:latin typeface="Calibri" panose="020F0502020204030204" pitchFamily="34" charset="0"/>
+                        <a:ea typeface="Times New Roman" panose="02020603050405020304" pitchFamily="18" charset="0"/>
+                        <a:cs typeface="Times New Roman" panose="02020603050405020304" pitchFamily="18" charset="0"/>
+                      </a:endParaRPr>
+                    </a:p>
+                  </a:txBody>
+                  <a:tcPr marL="68580" marR="68580" marT="0" marB="0"/>
+                </a:tc>
+                <a:extLst>
+                  <a:ext uri="{0D108BD9-81ED-4DB2-BD59-A6C34878D82A}">
+                    <a16:rowId xmlns:a16="http://schemas.microsoft.com/office/drawing/2014/main" val="1930125462"/>
+                  </a:ext>
+                </a:extLst>
+              </a:tr>
+            </a:tbl>
+          </a:graphicData>
+        </a:graphic>
+      </p:graphicFrame>
+    </p:spTree>
+    <p:extLst>
+      <p:ext uri="{BB962C8B-B14F-4D97-AF65-F5344CB8AC3E}">
+        <p14:creationId xmlns:p14="http://schemas.microsoft.com/office/powerpoint/2010/main" val="2178892262"/>
+      </p:ext>
+    </p:extLst>
+  </p:cSld>
+  <p:clrMapOvr>
+    <a:masterClrMapping/>
+  </p:clrMapOvr>
+  <p:timing>
+    <p:tnLst>
+      <p:par>
+        <p:cTn id="1" dur="indefinite" restart="never" nodeType="tmRoot"/>
+      </p:par>
+    </p:tnLst>
+  </p:timing>
+</p:sld>
+</file>
+
+<file path=ppt/slides/slide8.xml><?xml version="1.0" encoding="utf-8"?>
+<p:sld xmlns:a="http://schemas.openxmlformats.org/drawingml/2006/main" xmlns:r="http://schemas.openxmlformats.org/officeDocument/2006/relationships" xmlns:p="http://schemas.openxmlformats.org/presentationml/2006/main">
+  <p:cSld>
+    <p:spTree>
+      <p:nvGrpSpPr>
+        <p:cNvPr id="1" name=""/>
+        <p:cNvGrpSpPr/>
+        <p:nvPr/>
+      </p:nvGrpSpPr>
+      <p:grpSpPr>
+        <a:xfrm>
+          <a:off x="0" y="0"/>
+          <a:ext cx="0" cy="0"/>
+          <a:chOff x="0" y="0"/>
+          <a:chExt cx="0" cy="0"/>
+        </a:xfrm>
+      </p:grpSpPr>
+      <p:sp>
+        <p:nvSpPr>
+          <p:cNvPr id="4" name="Text Placeholder 2"/>
+          <p:cNvSpPr txBox="1">
+            <a:spLocks/>
+          </p:cNvSpPr>
+          <p:nvPr/>
+        </p:nvSpPr>
+        <p:spPr>
+          <a:xfrm>
+            <a:off x="914400" y="1005575"/>
+            <a:ext cx="7422000" cy="2911200"/>
+          </a:xfrm>
+          <a:prstGeom prst="rect">
+            <a:avLst/>
+          </a:prstGeom>
+        </p:spPr>
+        <p:txBody>
+          <a:bodyPr/>
+          <a:lstStyle>
+            <a:lvl1pPr marL="214313" indent="-214313" algn="l" defTabSz="342900" rtl="0" eaLnBrk="1" latinLnBrk="0" hangingPunct="1">
+              <a:spcBef>
+                <a:spcPct val="20000"/>
+              </a:spcBef>
+              <a:spcAft>
+                <a:spcPts val="450"/>
+              </a:spcAft>
+              <a:buClr>
+                <a:schemeClr val="accent1"/>
+              </a:buClr>
+              <a:buSzPct val="115000"/>
+              <a:buFont typeface="Arial"/>
+              <a:buChar char="•"/>
+              <a:defRPr sz="1800" kern="1200" cap="none">
+                <a:solidFill>
+                  <a:schemeClr val="tx1">
+                    <a:lumMod val="85000"/>
+                    <a:lumOff val="15000"/>
+                  </a:schemeClr>
+                </a:solidFill>
+                <a:effectLst/>
+                <a:latin typeface="+mn-lt"/>
+                <a:ea typeface="+mn-ea"/>
+                <a:cs typeface="+mn-cs"/>
+              </a:defRPr>
+            </a:lvl1pPr>
+            <a:lvl2pPr marL="557213" indent="-214313" algn="l" defTabSz="342900" rtl="0" eaLnBrk="1" latinLnBrk="0" hangingPunct="1">
+              <a:spcBef>
+                <a:spcPct val="20000"/>
+              </a:spcBef>
+              <a:spcAft>
+                <a:spcPts val="450"/>
+              </a:spcAft>
+              <a:buClr>
+                <a:schemeClr val="accent1"/>
+              </a:buClr>
+              <a:buSzPct val="115000"/>
+              <a:buFont typeface="Arial"/>
+              <a:buChar char="•"/>
+              <a:defRPr sz="1500" kern="1200" cap="none">
+                <a:solidFill>
+                  <a:schemeClr val="tx1">
+                    <a:lumMod val="85000"/>
+                    <a:lumOff val="15000"/>
+                  </a:schemeClr>
+                </a:solidFill>
+                <a:effectLst/>
+                <a:latin typeface="+mn-lt"/>
+                <a:ea typeface="+mn-ea"/>
+                <a:cs typeface="+mn-cs"/>
+              </a:defRPr>
+            </a:lvl2pPr>
+            <a:lvl3pPr marL="900113" indent="-214313" algn="l" defTabSz="342900" rtl="0" eaLnBrk="1" latinLnBrk="0" hangingPunct="1">
+              <a:spcBef>
+                <a:spcPct val="20000"/>
+              </a:spcBef>
+              <a:spcAft>
+                <a:spcPts val="450"/>
+              </a:spcAft>
+              <a:buClr>
+                <a:schemeClr val="accent1"/>
+              </a:buClr>
+              <a:buSzPct val="115000"/>
+              <a:buFont typeface="Arial"/>
+              <a:buChar char="•"/>
+              <a:defRPr sz="1350" kern="1200" cap="none">
+                <a:solidFill>
+                  <a:schemeClr val="tx1">
+                    <a:lumMod val="85000"/>
+                    <a:lumOff val="15000"/>
+                  </a:schemeClr>
+                </a:solidFill>
+                <a:effectLst/>
+                <a:latin typeface="+mn-lt"/>
+                <a:ea typeface="+mn-ea"/>
+                <a:cs typeface="+mn-cs"/>
+              </a:defRPr>
+            </a:lvl3pPr>
+            <a:lvl4pPr marL="1157288" indent="-128588" algn="l" defTabSz="342900" rtl="0" eaLnBrk="1" latinLnBrk="0" hangingPunct="1">
+              <a:spcBef>
+                <a:spcPct val="20000"/>
+              </a:spcBef>
+              <a:spcAft>
+                <a:spcPts val="450"/>
+              </a:spcAft>
+              <a:buClr>
+                <a:schemeClr val="accent1"/>
+              </a:buClr>
+              <a:buSzPct val="115000"/>
+              <a:buFont typeface="Arial"/>
+              <a:buChar char="•"/>
+              <a:defRPr sz="1200" kern="1200" cap="none">
+                <a:solidFill>
+                  <a:schemeClr val="tx1">
+                    <a:lumMod val="85000"/>
+                    <a:lumOff val="15000"/>
+                  </a:schemeClr>
+                </a:solidFill>
+                <a:effectLst/>
+                <a:latin typeface="+mn-lt"/>
+                <a:ea typeface="+mn-ea"/>
+                <a:cs typeface="+mn-cs"/>
+              </a:defRPr>
+            </a:lvl4pPr>
+            <a:lvl5pPr marL="1500188" indent="-128588" algn="l" defTabSz="342900" rtl="0" eaLnBrk="1" latinLnBrk="0" hangingPunct="1">
+              <a:spcBef>
+                <a:spcPct val="20000"/>
+              </a:spcBef>
+              <a:spcAft>
+                <a:spcPts val="450"/>
+              </a:spcAft>
+              <a:buClr>
+                <a:schemeClr val="accent1"/>
+              </a:buClr>
+              <a:buSzPct val="115000"/>
+              <a:buFont typeface="Arial"/>
+              <a:buChar char="•"/>
+              <a:defRPr sz="1050" kern="1200" cap="none">
+                <a:solidFill>
+                  <a:schemeClr val="tx1">
+                    <a:lumMod val="85000"/>
+                    <a:lumOff val="15000"/>
+                  </a:schemeClr>
+                </a:solidFill>
+                <a:effectLst/>
+                <a:latin typeface="+mn-lt"/>
+                <a:ea typeface="+mn-ea"/>
+                <a:cs typeface="+mn-cs"/>
+              </a:defRPr>
+            </a:lvl5pPr>
+            <a:lvl6pPr marL="1885950" indent="-171450" algn="l" defTabSz="342900" rtl="0" eaLnBrk="1" latinLnBrk="0" hangingPunct="1">
+              <a:spcBef>
+                <a:spcPct val="20000"/>
+              </a:spcBef>
+              <a:spcAft>
+                <a:spcPts val="450"/>
+              </a:spcAft>
+              <a:buClr>
+                <a:schemeClr val="accent1"/>
+              </a:buClr>
+              <a:buSzPct val="115000"/>
+              <a:buFont typeface="Arial"/>
+              <a:buChar char="•"/>
+              <a:defRPr sz="1050" kern="1200" cap="none">
+                <a:solidFill>
+                  <a:schemeClr val="tx1">
+                    <a:lumMod val="85000"/>
+                    <a:lumOff val="15000"/>
+                  </a:schemeClr>
+                </a:solidFill>
+                <a:effectLst/>
+                <a:latin typeface="+mn-lt"/>
+                <a:ea typeface="+mn-ea"/>
+                <a:cs typeface="+mn-cs"/>
+              </a:defRPr>
+            </a:lvl6pPr>
+            <a:lvl7pPr marL="2228850" indent="-171450" algn="l" defTabSz="342900" rtl="0" eaLnBrk="1" latinLnBrk="0" hangingPunct="1">
+              <a:spcBef>
+                <a:spcPct val="20000"/>
+              </a:spcBef>
+              <a:spcAft>
+                <a:spcPts val="450"/>
+              </a:spcAft>
+              <a:buClr>
+                <a:schemeClr val="accent1"/>
+              </a:buClr>
+              <a:buSzPct val="115000"/>
+              <a:buFont typeface="Arial"/>
+              <a:buChar char="•"/>
+              <a:defRPr sz="1050" kern="1200" cap="none">
+                <a:solidFill>
+                  <a:schemeClr val="tx1">
+                    <a:lumMod val="85000"/>
+                    <a:lumOff val="15000"/>
+                  </a:schemeClr>
+                </a:solidFill>
+                <a:effectLst/>
+                <a:latin typeface="+mn-lt"/>
+                <a:ea typeface="+mn-ea"/>
+                <a:cs typeface="+mn-cs"/>
+              </a:defRPr>
+            </a:lvl7pPr>
+            <a:lvl8pPr marL="2571750" indent="-171450" algn="l" defTabSz="342900" rtl="0" eaLnBrk="1" latinLnBrk="0" hangingPunct="1">
+              <a:spcBef>
+                <a:spcPct val="20000"/>
+              </a:spcBef>
+              <a:spcAft>
+                <a:spcPts val="450"/>
+              </a:spcAft>
+              <a:buClr>
+                <a:schemeClr val="accent1"/>
+              </a:buClr>
+              <a:buSzPct val="115000"/>
+              <a:buFont typeface="Arial"/>
+              <a:buChar char="•"/>
+              <a:defRPr sz="1050" kern="1200" cap="none">
+                <a:solidFill>
+                  <a:schemeClr val="tx1">
+                    <a:lumMod val="85000"/>
+                    <a:lumOff val="15000"/>
+                  </a:schemeClr>
+                </a:solidFill>
+                <a:effectLst/>
+                <a:latin typeface="+mn-lt"/>
+                <a:ea typeface="+mn-ea"/>
+                <a:cs typeface="+mn-cs"/>
+              </a:defRPr>
+            </a:lvl8pPr>
+            <a:lvl9pPr marL="2914650" indent="-171450" algn="l" defTabSz="342900" rtl="0" eaLnBrk="1" latinLnBrk="0" hangingPunct="1">
+              <a:spcBef>
+                <a:spcPct val="20000"/>
+              </a:spcBef>
+              <a:spcAft>
+                <a:spcPts val="450"/>
+              </a:spcAft>
+              <a:buClr>
+                <a:schemeClr val="accent1"/>
+              </a:buClr>
+              <a:buSzPct val="115000"/>
+              <a:buFont typeface="Arial"/>
+              <a:buChar char="•"/>
+              <a:defRPr sz="1050" kern="1200" cap="none">
+                <a:solidFill>
+                  <a:schemeClr val="tx1">
+                    <a:lumMod val="85000"/>
+                    <a:lumOff val="15000"/>
+                  </a:schemeClr>
+                </a:solidFill>
+                <a:effectLst/>
+                <a:latin typeface="+mn-lt"/>
+                <a:ea typeface="+mn-ea"/>
+                <a:cs typeface="+mn-cs"/>
+              </a:defRPr>
+            </a:lvl9pPr>
+          </a:lstStyle>
+          <a:p>
+            <a:r>
+              <a:rPr lang="pt-BR" sz="2400" dirty="0" smtClean="0">
+                <a:latin typeface="Century" panose="02040604050505020304" pitchFamily="18" charset="0"/>
+              </a:rPr>
+              <a:t>Receitas mal formuladas.</a:t>
+            </a:r>
+          </a:p>
+          <a:p>
+            <a:r>
+              <a:rPr lang="pt-BR" sz="2400" dirty="0" smtClean="0">
+                <a:latin typeface="Century" panose="02040604050505020304" pitchFamily="18" charset="0"/>
+              </a:rPr>
+              <a:t>Falta de assistência no preparo de uma receita.</a:t>
+            </a:r>
+          </a:p>
+          <a:p>
+            <a:r>
+              <a:rPr lang="pt-BR" sz="2400" dirty="0" smtClean="0">
+                <a:latin typeface="Century" panose="02040604050505020304" pitchFamily="18" charset="0"/>
+              </a:rPr>
+              <a:t>Medidas incoerentes.</a:t>
+            </a:r>
+          </a:p>
+          <a:p>
+            <a:r>
+              <a:rPr lang="pt-BR" sz="2400" dirty="0" smtClean="0">
+                <a:latin typeface="Century" panose="02040604050505020304" pitchFamily="18" charset="0"/>
+              </a:rPr>
+              <a:t>Incompatibilidade na procura de receitas com ingredientes da sua despensa.</a:t>
+            </a:r>
+          </a:p>
+          <a:p>
+            <a:r>
+              <a:rPr lang="pt-BR" sz="2400" dirty="0" smtClean="0">
+                <a:latin typeface="Century" panose="02040604050505020304" pitchFamily="18" charset="0"/>
+              </a:rPr>
+              <a:t>Sugestões deficientes de receitas.</a:t>
+            </a:r>
+            <a:endParaRPr lang="pt-BR" sz="2800" dirty="0" smtClean="0">
+              <a:latin typeface="Century" panose="02040604050505020304" pitchFamily="18" charset="0"/>
+            </a:endParaRPr>
+          </a:p>
+          <a:p>
+            <a:pPr marL="0" indent="0">
+              <a:buNone/>
+            </a:pPr>
+            <a:endParaRPr lang="pt-BR" dirty="0"/>
+          </a:p>
+        </p:txBody>
+      </p:sp>
+    </p:spTree>
+    <p:extLst>
+      <p:ext uri="{BB962C8B-B14F-4D97-AF65-F5344CB8AC3E}">
+        <p14:creationId xmlns:p14="http://schemas.microsoft.com/office/powerpoint/2010/main" val="4209418873"/>
+      </p:ext>
+    </p:extLst>
+  </p:cSld>
+  <p:clrMapOvr>
+    <a:masterClrMapping/>
+  </p:clrMapOvr>
+  <p:timing>
+    <p:tnLst>
+      <p:par>
+        <p:cTn id="1" dur="indefinite" restart="never" nodeType="tmRoot"/>
+      </p:par>
+    </p:tnLst>
+  </p:timing>
+</p:sld>
+</file>
+
+<file path=ppt/slides/slide9.xml><?xml version="1.0" encoding="utf-8"?>
+<p:sld xmlns:a="http://schemas.openxmlformats.org/drawingml/2006/main" xmlns:r="http://schemas.openxmlformats.org/officeDocument/2006/relationships" xmlns:p="http://schemas.openxmlformats.org/presentationml/2006/main">
+  <p:cSld>
+    <p:spTree>
+      <p:nvGrpSpPr>
+        <p:cNvPr id="1" name=""/>
+        <p:cNvGrpSpPr/>
+        <p:nvPr/>
+      </p:nvGrpSpPr>
+      <p:grpSpPr>
+        <a:xfrm>
+          <a:off x="0" y="0"/>
+          <a:ext cx="0" cy="0"/>
+          <a:chOff x="0" y="0"/>
+          <a:chExt cx="0" cy="0"/>
+        </a:xfrm>
+      </p:grpSpPr>
+      <p:sp>
+        <p:nvSpPr>
+          <p:cNvPr id="2" name="Title 1"/>
+          <p:cNvSpPr>
+            <a:spLocks noGrp="1"/>
+          </p:cNvSpPr>
+          <p:nvPr>
+            <p:ph type="title"/>
+          </p:nvPr>
+        </p:nvSpPr>
+        <p:spPr/>
+        <p:txBody>
+          <a:bodyPr>
+            <a:noAutofit/>
+          </a:bodyPr>
+          <a:lstStyle/>
+          <a:p>
+            <a:r>
+              <a:rPr lang="pt-BR" sz="2400" dirty="0">
+                <a:latin typeface="Century" panose="02040604050505020304" pitchFamily="18" charset="0"/>
+              </a:rPr>
+              <a:t>Você sente alguma dificuldade de compreender receitas em livros ou sites de receitas?</a:t>
+            </a:r>
+            <a:endParaRPr lang="pt-BR" sz="2400" dirty="0">
+              <a:latin typeface="Century" panose="02040604050505020304" pitchFamily="18" charset="0"/>
+            </a:endParaRPr>
+          </a:p>
+        </p:txBody>
+      </p:sp>
+      <p:pic>
+        <p:nvPicPr>
+          <p:cNvPr id="4" name="Content Placeholder 3"/>
+          <p:cNvPicPr>
+            <a:picLocks noGrp="1" noChangeAspect="1"/>
+          </p:cNvPicPr>
+          <p:nvPr>
+            <p:ph idx="1"/>
+          </p:nvPr>
+        </p:nvPicPr>
+        <p:blipFill>
+          <a:blip r:embed="rId2">
+            <a:extLst>
+              <a:ext uri="{28A0092B-C50C-407E-A947-70E740481C1C}">
+                <a14:useLocalDpi xmlns:a14="http://schemas.microsoft.com/office/drawing/2010/main" val="0"/>
+              </a:ext>
+            </a:extLst>
+          </a:blip>
+          <a:stretch>
+            <a:fillRect/>
+          </a:stretch>
+        </p:blipFill>
+        <p:spPr>
+          <a:xfrm>
+            <a:off x="1457173" y="2039093"/>
+            <a:ext cx="2762402" cy="2447392"/>
+          </a:xfrm>
+          <a:prstGeom prst="ellipse">
+            <a:avLst/>
+          </a:prstGeom>
+          <a:ln>
+            <a:noFill/>
+          </a:ln>
+          <a:effectLst>
+            <a:softEdge rad="112500"/>
+          </a:effectLst>
+        </p:spPr>
+      </p:pic>
+      <p:sp>
+        <p:nvSpPr>
+          <p:cNvPr id="5" name="TextBox 4"/>
+          <p:cNvSpPr txBox="1"/>
+          <p:nvPr/>
+        </p:nvSpPr>
+        <p:spPr>
+          <a:xfrm>
+            <a:off x="4829175" y="2400300"/>
+            <a:ext cx="513282" cy="738664"/>
+          </a:xfrm>
+          <a:prstGeom prst="rect">
+            <a:avLst/>
+          </a:prstGeom>
+          <a:noFill/>
+        </p:spPr>
+        <p:txBody>
+          <a:bodyPr wrap="none" rtlCol="0">
+            <a:spAutoFit/>
+          </a:bodyPr>
+          <a:lstStyle/>
+          <a:p>
+            <a:r>
+              <a:rPr lang="pt-BR" dirty="0" smtClean="0"/>
+              <a:t>Sim</a:t>
+            </a:r>
+          </a:p>
+          <a:p>
+            <a:endParaRPr lang="pt-BR" dirty="0"/>
+          </a:p>
+          <a:p>
+            <a:r>
+              <a:rPr lang="pt-BR" dirty="0" smtClean="0"/>
+              <a:t>Não</a:t>
+            </a:r>
+            <a:endParaRPr lang="pt-BR" dirty="0"/>
+          </a:p>
+        </p:txBody>
+      </p:sp>
+      <p:sp>
+        <p:nvSpPr>
+          <p:cNvPr id="6" name="Oval 5"/>
+          <p:cNvSpPr/>
+          <p:nvPr/>
+        </p:nvSpPr>
+        <p:spPr>
+          <a:xfrm>
+            <a:off x="4676775" y="2476500"/>
+            <a:ext cx="152400" cy="152400"/>
+          </a:xfrm>
+          <a:prstGeom prst="ellipse">
+            <a:avLst/>
+          </a:prstGeom>
+          <a:solidFill>
+            <a:srgbClr val="3366CC"/>
+          </a:solidFill>
+          <a:ln>
+            <a:solidFill>
+              <a:srgbClr val="3366CC"/>
+            </a:solidFill>
+          </a:ln>
+        </p:spPr>
+        <p:style>
+          <a:lnRef idx="2">
+            <a:schemeClr val="accent1">
+              <a:shade val="50000"/>
+            </a:schemeClr>
+          </a:lnRef>
+          <a:fillRef idx="1">
+            <a:schemeClr val="accent1"/>
+          </a:fillRef>
+          <a:effectRef idx="0">
+            <a:schemeClr val="accent1"/>
+          </a:effectRef>
+          <a:fontRef idx="minor">
+            <a:schemeClr val="lt1"/>
+          </a:fontRef>
+        </p:style>
+        <p:txBody>
+          <a:bodyPr rtlCol="0" anchor="ctr"/>
+          <a:lstStyle/>
+          <a:p>
+            <a:pPr algn="ctr"/>
+            <a:endParaRPr lang="pt-BR"/>
+          </a:p>
+        </p:txBody>
+      </p:sp>
+      <p:sp>
+        <p:nvSpPr>
+          <p:cNvPr id="7" name="Oval 6"/>
+          <p:cNvSpPr/>
+          <p:nvPr/>
+        </p:nvSpPr>
+        <p:spPr>
+          <a:xfrm>
+            <a:off x="4676775" y="2895599"/>
+            <a:ext cx="152400" cy="152400"/>
+          </a:xfrm>
+          <a:prstGeom prst="ellipse">
+            <a:avLst/>
+          </a:prstGeom>
+          <a:solidFill>
+            <a:srgbClr val="DC3912"/>
+          </a:solidFill>
+          <a:ln>
+            <a:solidFill>
+              <a:srgbClr val="DC3912"/>
+            </a:solidFill>
+          </a:ln>
+        </p:spPr>
+        <p:style>
+          <a:lnRef idx="2">
+            <a:schemeClr val="accent1">
+              <a:shade val="50000"/>
+            </a:schemeClr>
+          </a:lnRef>
+          <a:fillRef idx="1">
+            <a:schemeClr val="accent1"/>
+          </a:fillRef>
+          <a:effectRef idx="0">
+            <a:schemeClr val="accent1"/>
+          </a:effectRef>
+          <a:fontRef idx="minor">
+            <a:schemeClr val="lt1"/>
+          </a:fontRef>
+        </p:style>
+        <p:txBody>
+          <a:bodyPr rtlCol="0" anchor="ctr"/>
+          <a:lstStyle/>
+          <a:p>
+            <a:pPr algn="ctr"/>
+            <a:endParaRPr lang="pt-BR"/>
+          </a:p>
+        </p:txBody>
+      </p:sp>
+    </p:spTree>
+    <p:extLst>
+      <p:ext uri="{BB962C8B-B14F-4D97-AF65-F5344CB8AC3E}">
+        <p14:creationId xmlns:p14="http://schemas.microsoft.com/office/powerpoint/2010/main" val="1493183866"/>
+      </p:ext>
+    </p:extLst>
   </p:cSld>
   <p:clrMapOvr>
     <a:masterClrMapping/>

--- a/projeto/LetsCook_02.pptx
+++ b/projeto/LetsCook_02.pptx
@@ -12,7 +12,7 @@
     <p:sldId id="257" r:id="rId3"/>
     <p:sldId id="267" r:id="rId4"/>
     <p:sldId id="259" r:id="rId5"/>
-    <p:sldId id="274" r:id="rId6"/>
+    <p:sldId id="277" r:id="rId6"/>
     <p:sldId id="275" r:id="rId7"/>
     <p:sldId id="276" r:id="rId8"/>
     <p:sldId id="269" r:id="rId9"/>
@@ -33,23 +33,23 @@
       <p:italic r:id="rId19"/>
     </p:embeddedFont>
     <p:embeddedFont>
-      <p:font typeface="Lato" panose="020B0604020202020204" charset="0"/>
-      <p:regular r:id="rId20"/>
-      <p:bold r:id="rId21"/>
-      <p:italic r:id="rId22"/>
-      <p:boldItalic r:id="rId23"/>
-    </p:embeddedFont>
-    <p:embeddedFont>
       <p:font typeface="Segoe UI Black" panose="020B0A02040204020203" pitchFamily="34" charset="0"/>
-      <p:bold r:id="rId24"/>
-      <p:boldItalic r:id="rId25"/>
+      <p:bold r:id="rId20"/>
+      <p:boldItalic r:id="rId21"/>
     </p:embeddedFont>
     <p:embeddedFont>
       <p:font typeface="Century" panose="02040604050505020304" pitchFamily="18" charset="0"/>
-      <p:regular r:id="rId26"/>
+      <p:regular r:id="rId22"/>
     </p:embeddedFont>
     <p:embeddedFont>
       <p:font typeface="Calibri" panose="020F0502020204030204" pitchFamily="34" charset="0"/>
+      <p:regular r:id="rId23"/>
+      <p:bold r:id="rId24"/>
+      <p:italic r:id="rId25"/>
+      <p:boldItalic r:id="rId26"/>
+    </p:embeddedFont>
+    <p:embeddedFont>
+      <p:font typeface="Lato" panose="020B0604020202020204" charset="0"/>
       <p:regular r:id="rId27"/>
       <p:bold r:id="rId28"/>
       <p:italic r:id="rId29"/>
@@ -277,6 +277,10 @@
 </p:presentation>
 </file>
 
+<file path=ppt/revisionInfo.xml><?xml version="1.0" encoding="utf-8"?>
+<p1510:revInfo xmlns:a="http://schemas.openxmlformats.org/drawingml/2006/main" xmlns:r="http://schemas.openxmlformats.org/officeDocument/2006/relationships" xmlns:p1510="http://schemas.microsoft.com/office/powerpoint/2015/10/main"/>
+</file>
+
 <file path=ppt/notesMasters/notesMaster1.xml><?xml version="1.0" encoding="utf-8"?>
 <p:notesMaster xmlns:a="http://schemas.openxmlformats.org/drawingml/2006/main" xmlns:r="http://schemas.openxmlformats.org/officeDocument/2006/relationships" xmlns:p="http://schemas.openxmlformats.org/presentationml/2006/main">
   <p:cSld>
@@ -743,15 +747,15 @@
               <a:buNone/>
             </a:pPr>
             <a:r>
-              <a:rPr lang="pt-BR" dirty="0" smtClean="0"/>
+              <a:rPr lang="pt-BR" dirty="0"/>
               <a:t>Brasil é um "fenômeno" de consumo no mercado de aplicativos graças à expansão global do sistema operacional </a:t>
             </a:r>
             <a:r>
-              <a:rPr lang="pt-BR" dirty="0" err="1" smtClean="0"/>
+              <a:rPr lang="pt-BR" dirty="0" err="1"/>
               <a:t>Android</a:t>
             </a:r>
             <a:r>
-              <a:rPr lang="pt-BR" dirty="0" smtClean="0"/>
+              <a:rPr lang="pt-BR" dirty="0"/>
               <a:t>, utilizado em 93% dos smartphones do país, disseram fontes do Google à Agência Efe. O diretor internacional do Google Play, Mark Bennett, declarou que o Brasil é um dos principais mercados da loja de aplicativos da empresa californiana.</a:t>
             </a:r>
           </a:p>
@@ -875,7 +879,7 @@
               <a:defRPr/>
             </a:pPr>
             <a:r>
-              <a:rPr lang="pt-BR" sz="1100" dirty="0" smtClean="0">
+              <a:rPr lang="pt-BR" sz="1100" dirty="0">
                 <a:latin typeface="+mn-lt"/>
                 <a:ea typeface="Arial"/>
                 <a:cs typeface="Arial"/>
@@ -1004,7 +1008,7 @@
               <a:defRPr/>
             </a:pPr>
             <a:r>
-              <a:rPr lang="pt-BR" sz="1100" dirty="0" smtClean="0">
+              <a:rPr lang="pt-BR" sz="1100" dirty="0">
                 <a:latin typeface="+mn-lt"/>
                 <a:ea typeface="Arial"/>
                 <a:cs typeface="Arial"/>
@@ -1138,7 +1142,7 @@
               <a:defRPr/>
             </a:pPr>
             <a:r>
-              <a:rPr lang="pt-BR" sz="1100" dirty="0" smtClean="0">
+              <a:rPr lang="pt-BR" sz="1100" dirty="0">
                 <a:latin typeface="+mn-lt"/>
                 <a:ea typeface="Arial"/>
                 <a:cs typeface="Arial"/>
@@ -1155,7 +1159,7 @@
               <a:buNone/>
             </a:pPr>
             <a:r>
-              <a:rPr lang="pt-BR" dirty="0" smtClean="0"/>
+              <a:rPr lang="pt-BR" dirty="0"/>
               <a:t>Uma busca de receitas mais inteligente;</a:t>
             </a:r>
           </a:p>
@@ -1167,7 +1171,7 @@
               <a:buNone/>
             </a:pPr>
             <a:r>
-              <a:rPr lang="pt-BR" dirty="0" smtClean="0"/>
+              <a:rPr lang="pt-BR" dirty="0"/>
               <a:t>Uma despensa que armazena os ingredientes que você possui;</a:t>
             </a:r>
           </a:p>
@@ -1179,7 +1183,7 @@
               <a:buNone/>
             </a:pPr>
             <a:r>
-              <a:rPr lang="pt-BR" dirty="0" smtClean="0"/>
+              <a:rPr lang="pt-BR" dirty="0"/>
               <a:t>Sugestões de receitas com os ingredientes armazenados na despensa;</a:t>
             </a:r>
           </a:p>
@@ -1191,7 +1195,7 @@
               <a:buNone/>
             </a:pPr>
             <a:r>
-              <a:rPr lang="pt-BR" dirty="0" smtClean="0"/>
+              <a:rPr lang="pt-BR" dirty="0"/>
               <a:t>Um preparo interativo  simulando um tutorial, possuindo cronômetros e dicas;</a:t>
             </a:r>
           </a:p>
@@ -1203,7 +1207,7 @@
               <a:buNone/>
             </a:pPr>
             <a:r>
-              <a:rPr lang="pt-BR" dirty="0" smtClean="0"/>
+              <a:rPr lang="pt-BR" dirty="0"/>
               <a:t>Conversor de medidas;</a:t>
             </a:r>
           </a:p>
@@ -1215,7 +1219,7 @@
               <a:buNone/>
             </a:pPr>
             <a:r>
-              <a:rPr lang="pt-BR" dirty="0" smtClean="0"/>
+              <a:rPr lang="pt-BR" dirty="0"/>
               <a:t>Lista de compras vinculada com receitas;</a:t>
             </a:r>
           </a:p>
@@ -1227,7 +1231,7 @@
               <a:buNone/>
             </a:pPr>
             <a:r>
-              <a:rPr lang="pt-BR" dirty="0" smtClean="0"/>
+              <a:rPr lang="pt-BR" dirty="0"/>
               <a:t>Padronização de receitas criadas pelos cozinheiros.</a:t>
             </a:r>
           </a:p>
@@ -1249,7 +1253,7 @@
               <a:tabLst/>
               <a:defRPr/>
             </a:pPr>
-            <a:endParaRPr lang="pt-BR" sz="1100" dirty="0" smtClean="0">
+            <a:endParaRPr lang="pt-BR" sz="1100" dirty="0">
               <a:latin typeface="+mn-lt"/>
               <a:ea typeface="Arial"/>
               <a:cs typeface="Arial"/>
@@ -1365,7 +1369,7 @@
               <a:buNone/>
             </a:pPr>
             <a:r>
-              <a:rPr lang="pt-BR" dirty="0" smtClean="0"/>
+              <a:rPr lang="pt-BR" dirty="0"/>
               <a:t>Wildfly 9 </a:t>
             </a:r>
           </a:p>
@@ -1377,7 +1381,7 @@
               <a:buNone/>
             </a:pPr>
             <a:r>
-              <a:rPr lang="pt-BR" dirty="0" smtClean="0"/>
+              <a:rPr lang="pt-BR" dirty="0"/>
               <a:t>Hibernet</a:t>
             </a:r>
           </a:p>
@@ -1389,11 +1393,11 @@
               <a:buNone/>
             </a:pPr>
             <a:r>
-              <a:rPr lang="pt-BR" dirty="0" smtClean="0"/>
+              <a:rPr lang="pt-BR" dirty="0"/>
               <a:t>Mysql</a:t>
             </a:r>
             <a:r>
-              <a:rPr lang="pt-BR" baseline="0" dirty="0" smtClean="0"/>
+              <a:rPr lang="pt-BR" baseline="0" dirty="0"/>
               <a:t> workbench</a:t>
             </a:r>
           </a:p>
@@ -1405,7 +1409,7 @@
               <a:buNone/>
             </a:pPr>
             <a:r>
-              <a:rPr lang="pt-BR" baseline="0" dirty="0" smtClean="0"/>
+              <a:rPr lang="pt-BR" baseline="0" dirty="0"/>
               <a:t>Netbeans</a:t>
             </a:r>
           </a:p>
@@ -1417,7 +1421,7 @@
               <a:buNone/>
             </a:pPr>
             <a:r>
-              <a:rPr lang="pt-BR" baseline="0" dirty="0" smtClean="0"/>
+              <a:rPr lang="pt-BR" baseline="0" dirty="0"/>
               <a:t>Visual studio code</a:t>
             </a:r>
           </a:p>
@@ -1617,7 +1621,7 @@
           </a:lstStyle>
           <a:p>
             <a:r>
-              <a:rPr lang="pt-BR" smtClean="0"/>
+              <a:rPr lang="pt-BR"/>
               <a:t>Clique para editar o título mestre</a:t>
             </a:r>
             <a:endParaRPr lang="en-US" dirty="0"/>
@@ -1736,7 +1740,7 @@
           </a:lstStyle>
           <a:p>
             <a:r>
-              <a:rPr lang="pt-BR" smtClean="0"/>
+              <a:rPr lang="pt-BR"/>
               <a:t>Clique para editar o estilo do subtítulo Mestre</a:t>
             </a:r>
             <a:endParaRPr lang="en-US" dirty="0"/>
@@ -1832,7 +1836,7 @@
                 <a:cs typeface="Lato"/>
                 <a:sym typeface="Lato"/>
               </a:rPr>
-              <a:t>‹#›</a:t>
+              <a:t>‹nº›</a:t>
             </a:fld>
             <a:endParaRPr lang="pt-BR" sz="1000">
               <a:solidFill>
@@ -1934,7 +1938,7 @@
           </a:lstStyle>
           <a:p>
             <a:r>
-              <a:rPr lang="pt-BR" smtClean="0"/>
+              <a:rPr lang="pt-BR"/>
               <a:t>Clique para editar o título mestre</a:t>
             </a:r>
             <a:endParaRPr lang="en-US" dirty="0"/>
@@ -2022,7 +2026,7 @@
           </a:lstStyle>
           <a:p>
             <a:r>
-              <a:rPr lang="pt-BR" smtClean="0"/>
+              <a:rPr lang="pt-BR"/>
               <a:t>Clique no ícone para adicionar uma imagem</a:t>
             </a:r>
             <a:endParaRPr lang="en-US" dirty="0"/>
@@ -2090,7 +2094,7 @@
           <a:p>
             <a:pPr lvl="0"/>
             <a:r>
-              <a:rPr lang="pt-BR" smtClean="0"/>
+              <a:rPr lang="pt-BR"/>
               <a:t>Editar estilos de texto Mestre</a:t>
             </a:r>
           </a:p>
@@ -2170,7 +2174,7 @@
                 <a:cs typeface="Lato"/>
                 <a:sym typeface="Lato"/>
               </a:rPr>
-              <a:t>‹#›</a:t>
+              <a:t>‹nº›</a:t>
             </a:fld>
             <a:endParaRPr lang="pt-BR" sz="1000">
               <a:solidFill>
@@ -2242,7 +2246,7 @@
           </a:lstStyle>
           <a:p>
             <a:r>
-              <a:rPr lang="pt-BR" smtClean="0"/>
+              <a:rPr lang="pt-BR"/>
               <a:t>Clique para editar o título mestre</a:t>
             </a:r>
             <a:endParaRPr lang="en-US" dirty="0"/>
@@ -2362,7 +2366,7 @@
           <a:p>
             <a:pPr lvl="0"/>
             <a:r>
-              <a:rPr lang="pt-BR" smtClean="0"/>
+              <a:rPr lang="pt-BR"/>
               <a:t>Editar estilos de texto Mestre</a:t>
             </a:r>
           </a:p>
@@ -2442,7 +2446,7 @@
                 <a:cs typeface="Lato"/>
                 <a:sym typeface="Lato"/>
               </a:rPr>
-              <a:t>‹#›</a:t>
+              <a:t>‹nº›</a:t>
             </a:fld>
             <a:endParaRPr lang="pt-BR" sz="1000">
               <a:solidFill>
@@ -2549,7 +2553,7 @@
           </a:lstStyle>
           <a:p>
             <a:r>
-              <a:rPr lang="pt-BR" smtClean="0"/>
+              <a:rPr lang="pt-BR"/>
               <a:t>Clique para editar o título mestre</a:t>
             </a:r>
             <a:endParaRPr lang="en-US" dirty="0"/>
@@ -2606,7 +2610,7 @@
           <a:p>
             <a:pPr lvl="0"/>
             <a:r>
-              <a:rPr lang="pt-BR" smtClean="0"/>
+              <a:rPr lang="pt-BR"/>
               <a:t>Editar estilos de texto Mestre</a:t>
             </a:r>
           </a:p>
@@ -2725,7 +2729,7 @@
           <a:p>
             <a:pPr lvl="0"/>
             <a:r>
-              <a:rPr lang="pt-BR" smtClean="0"/>
+              <a:rPr lang="pt-BR"/>
               <a:t>Editar estilos de texto Mestre</a:t>
             </a:r>
           </a:p>
@@ -2805,7 +2809,7 @@
                 <a:cs typeface="Lato"/>
                 <a:sym typeface="Lato"/>
               </a:rPr>
-              <a:t>‹#›</a:t>
+              <a:t>‹nº›</a:t>
             </a:fld>
             <a:endParaRPr lang="pt-BR" sz="1000">
               <a:solidFill>
@@ -2976,7 +2980,7 @@
           </a:lstStyle>
           <a:p>
             <a:r>
-              <a:rPr lang="pt-BR" smtClean="0"/>
+              <a:rPr lang="pt-BR"/>
               <a:t>Clique para editar o título mestre</a:t>
             </a:r>
             <a:endParaRPr lang="en-US" dirty="0"/>
@@ -3096,7 +3100,7 @@
           <a:p>
             <a:pPr lvl="0"/>
             <a:r>
-              <a:rPr lang="pt-BR" smtClean="0"/>
+              <a:rPr lang="pt-BR"/>
               <a:t>Editar estilos de texto Mestre</a:t>
             </a:r>
           </a:p>
@@ -3176,7 +3180,7 @@
                 <a:cs typeface="Lato"/>
                 <a:sym typeface="Lato"/>
               </a:rPr>
-              <a:t>‹#›</a:t>
+              <a:t>‹nº›</a:t>
             </a:fld>
             <a:endParaRPr lang="pt-BR" sz="1000">
               <a:solidFill>
@@ -3252,7 +3256,7 @@
           </a:lstStyle>
           <a:p>
             <a:r>
-              <a:rPr lang="pt-BR" smtClean="0"/>
+              <a:rPr lang="pt-BR"/>
               <a:t>Clique para editar o título mestre</a:t>
             </a:r>
             <a:endParaRPr lang="en-US" dirty="0"/>
@@ -3375,7 +3379,7 @@
           <a:p>
             <a:pPr lvl="0"/>
             <a:r>
-              <a:rPr lang="pt-BR" smtClean="0"/>
+              <a:rPr lang="pt-BR"/>
               <a:t>Editar estilos de texto Mestre</a:t>
             </a:r>
           </a:p>
@@ -3494,7 +3498,7 @@
           <a:p>
             <a:pPr lvl="0"/>
             <a:r>
-              <a:rPr lang="pt-BR" smtClean="0"/>
+              <a:rPr lang="pt-BR"/>
               <a:t>Editar estilos de texto Mestre</a:t>
             </a:r>
           </a:p>
@@ -3574,7 +3578,7 @@
                 <a:cs typeface="Lato"/>
                 <a:sym typeface="Lato"/>
               </a:rPr>
-              <a:t>‹#›</a:t>
+              <a:t>‹nº›</a:t>
             </a:fld>
             <a:endParaRPr lang="pt-BR" sz="1000">
               <a:solidFill>
@@ -3746,7 +3750,7 @@
           <a:p>
             <a:pPr marL="0" lvl="0"/>
             <a:r>
-              <a:rPr lang="pt-BR" smtClean="0"/>
+              <a:rPr lang="pt-BR"/>
               <a:t>Clique para editar o título mestre</a:t>
             </a:r>
             <a:endParaRPr lang="en-US" dirty="0"/>
@@ -3869,7 +3873,7 @@
           <a:p>
             <a:pPr lvl="0"/>
             <a:r>
-              <a:rPr lang="pt-BR" smtClean="0"/>
+              <a:rPr lang="pt-BR"/>
               <a:t>Editar estilos de texto Mestre</a:t>
             </a:r>
           </a:p>
@@ -3988,7 +3992,7 @@
           <a:p>
             <a:pPr lvl="0"/>
             <a:r>
-              <a:rPr lang="pt-BR" smtClean="0"/>
+              <a:rPr lang="pt-BR"/>
               <a:t>Editar estilos de texto Mestre</a:t>
             </a:r>
           </a:p>
@@ -4068,7 +4072,7 @@
                 <a:cs typeface="Lato"/>
                 <a:sym typeface="Lato"/>
               </a:rPr>
-              <a:t>‹#›</a:t>
+              <a:t>‹nº›</a:t>
             </a:fld>
             <a:endParaRPr lang="pt-BR" sz="1000">
               <a:solidFill>
@@ -4164,7 +4168,7 @@
           </a:lstStyle>
           <a:p>
             <a:r>
-              <a:rPr lang="pt-BR" smtClean="0"/>
+              <a:rPr lang="pt-BR"/>
               <a:t>Clique para editar o título mestre</a:t>
             </a:r>
             <a:endParaRPr lang="en-US" dirty="0"/>
@@ -4188,35 +4192,35 @@
           <a:p>
             <a:pPr lvl="0"/>
             <a:r>
-              <a:rPr lang="pt-BR" smtClean="0"/>
+              <a:rPr lang="pt-BR"/>
               <a:t>Editar estilos de texto Mestre</a:t>
             </a:r>
           </a:p>
           <a:p>
             <a:pPr lvl="1"/>
             <a:r>
-              <a:rPr lang="pt-BR" smtClean="0"/>
+              <a:rPr lang="pt-BR"/>
               <a:t>Segundo nível</a:t>
             </a:r>
           </a:p>
           <a:p>
             <a:pPr lvl="2"/>
             <a:r>
-              <a:rPr lang="pt-BR" smtClean="0"/>
+              <a:rPr lang="pt-BR"/>
               <a:t>Terceiro nível</a:t>
             </a:r>
           </a:p>
           <a:p>
             <a:pPr lvl="3"/>
             <a:r>
-              <a:rPr lang="pt-BR" smtClean="0"/>
+              <a:rPr lang="pt-BR"/>
               <a:t>Quarto nível</a:t>
             </a:r>
           </a:p>
           <a:p>
             <a:pPr lvl="4"/>
             <a:r>
-              <a:rPr lang="pt-BR" smtClean="0"/>
+              <a:rPr lang="pt-BR"/>
               <a:t>Quinto nível</a:t>
             </a:r>
             <a:endParaRPr lang="en-US" dirty="0"/>
@@ -4297,7 +4301,7 @@
                 <a:cs typeface="Lato"/>
                 <a:sym typeface="Lato"/>
               </a:rPr>
-              <a:t>‹#›</a:t>
+              <a:t>‹nº›</a:t>
             </a:fld>
             <a:endParaRPr lang="pt-BR" sz="1000">
               <a:solidFill>
@@ -4394,7 +4398,7 @@
           <a:lstStyle/>
           <a:p>
             <a:r>
-              <a:rPr lang="pt-BR" smtClean="0"/>
+              <a:rPr lang="pt-BR"/>
               <a:t>Clique para editar o título mestre</a:t>
             </a:r>
             <a:endParaRPr lang="en-US" dirty="0"/>
@@ -4423,35 +4427,35 @@
           <a:p>
             <a:pPr lvl="0"/>
             <a:r>
-              <a:rPr lang="pt-BR" smtClean="0"/>
+              <a:rPr lang="pt-BR"/>
               <a:t>Editar estilos de texto Mestre</a:t>
             </a:r>
           </a:p>
           <a:p>
             <a:pPr lvl="1"/>
             <a:r>
-              <a:rPr lang="pt-BR" smtClean="0"/>
+              <a:rPr lang="pt-BR"/>
               <a:t>Segundo nível</a:t>
             </a:r>
           </a:p>
           <a:p>
             <a:pPr lvl="2"/>
             <a:r>
-              <a:rPr lang="pt-BR" smtClean="0"/>
+              <a:rPr lang="pt-BR"/>
               <a:t>Terceiro nível</a:t>
             </a:r>
           </a:p>
           <a:p>
             <a:pPr lvl="3"/>
             <a:r>
-              <a:rPr lang="pt-BR" smtClean="0"/>
+              <a:rPr lang="pt-BR"/>
               <a:t>Quarto nível</a:t>
             </a:r>
           </a:p>
           <a:p>
             <a:pPr lvl="4"/>
             <a:r>
-              <a:rPr lang="pt-BR" smtClean="0"/>
+              <a:rPr lang="pt-BR"/>
               <a:t>Quinto nível</a:t>
             </a:r>
             <a:endParaRPr lang="en-US" dirty="0"/>
@@ -4532,7 +4536,7 @@
                 <a:cs typeface="Lato"/>
                 <a:sym typeface="Lato"/>
               </a:rPr>
-              <a:t>‹#›</a:t>
+              <a:t>‹nº›</a:t>
             </a:fld>
             <a:endParaRPr lang="pt-BR" sz="1000">
               <a:solidFill>
@@ -4814,7 +4818,7 @@
             </a:pPr>
             <a:fld id="{00000000-1234-1234-1234-123412341234}" type="slidenum">
               <a:rPr lang="pt-BR"/>
-              <a:t>‹#›</a:t>
+              <a:t>‹nº›</a:t>
             </a:fld>
             <a:endParaRPr lang="pt-BR"/>
           </a:p>
@@ -4965,7 +4969,7 @@
             </a:pPr>
             <a:fld id="{00000000-1234-1234-1234-123412341234}" type="slidenum">
               <a:rPr lang="pt-BR"/>
-              <a:t>‹#›</a:t>
+              <a:t>‹nº›</a:t>
             </a:fld>
             <a:endParaRPr lang="pt-BR"/>
           </a:p>
@@ -5047,7 +5051,7 @@
           <a:lstStyle/>
           <a:p>
             <a:r>
-              <a:rPr lang="pt-BR" smtClean="0"/>
+              <a:rPr lang="pt-BR"/>
               <a:t>Clique para editar o título mestre</a:t>
             </a:r>
             <a:endParaRPr lang="en-US" dirty="0"/>
@@ -5071,35 +5075,35 @@
           <a:p>
             <a:pPr lvl="0"/>
             <a:r>
-              <a:rPr lang="pt-BR" smtClean="0"/>
+              <a:rPr lang="pt-BR"/>
               <a:t>Editar estilos de texto Mestre</a:t>
             </a:r>
           </a:p>
           <a:p>
             <a:pPr lvl="1"/>
             <a:r>
-              <a:rPr lang="pt-BR" smtClean="0"/>
+              <a:rPr lang="pt-BR"/>
               <a:t>Segundo nível</a:t>
             </a:r>
           </a:p>
           <a:p>
             <a:pPr lvl="2"/>
             <a:r>
-              <a:rPr lang="pt-BR" smtClean="0"/>
+              <a:rPr lang="pt-BR"/>
               <a:t>Terceiro nível</a:t>
             </a:r>
           </a:p>
           <a:p>
             <a:pPr lvl="3"/>
             <a:r>
-              <a:rPr lang="pt-BR" smtClean="0"/>
+              <a:rPr lang="pt-BR"/>
               <a:t>Quarto nível</a:t>
             </a:r>
           </a:p>
           <a:p>
             <a:pPr lvl="4"/>
             <a:r>
-              <a:rPr lang="pt-BR" smtClean="0"/>
+              <a:rPr lang="pt-BR"/>
               <a:t>Quinto nível</a:t>
             </a:r>
             <a:endParaRPr lang="en-US" dirty="0"/>
@@ -5180,7 +5184,7 @@
                 <a:cs typeface="Lato"/>
                 <a:sym typeface="Lato"/>
               </a:rPr>
-              <a:t>‹#›</a:t>
+              <a:t>‹nº›</a:t>
             </a:fld>
             <a:endParaRPr lang="pt-BR" sz="1000">
               <a:solidFill>
@@ -5252,7 +5256,7 @@
           </a:lstStyle>
           <a:p>
             <a:r>
-              <a:rPr lang="pt-BR" smtClean="0"/>
+              <a:rPr lang="pt-BR"/>
               <a:t>Clique para editar o título mestre</a:t>
             </a:r>
             <a:endParaRPr lang="en-US" dirty="0"/>
@@ -5372,7 +5376,7 @@
           <a:p>
             <a:pPr lvl="0"/>
             <a:r>
-              <a:rPr lang="pt-BR" smtClean="0"/>
+              <a:rPr lang="pt-BR"/>
               <a:t>Editar estilos de texto Mestre</a:t>
             </a:r>
           </a:p>
@@ -5452,7 +5456,7 @@
                 <a:cs typeface="Lato"/>
                 <a:sym typeface="Lato"/>
               </a:rPr>
-              <a:t>‹#›</a:t>
+              <a:t>‹nº›</a:t>
             </a:fld>
             <a:endParaRPr lang="pt-BR" sz="1000">
               <a:solidFill>
@@ -5575,7 +5579,7 @@
           <a:lstStyle/>
           <a:p>
             <a:r>
-              <a:rPr lang="pt-BR" smtClean="0"/>
+              <a:rPr lang="pt-BR"/>
               <a:t>Clique para editar o título mestre</a:t>
             </a:r>
             <a:endParaRPr lang="en-US" dirty="0"/>
@@ -5606,35 +5610,35 @@
           <a:p>
             <a:pPr lvl="0"/>
             <a:r>
-              <a:rPr lang="pt-BR" smtClean="0"/>
+              <a:rPr lang="pt-BR"/>
               <a:t>Editar estilos de texto Mestre</a:t>
             </a:r>
           </a:p>
           <a:p>
             <a:pPr lvl="1"/>
             <a:r>
-              <a:rPr lang="pt-BR" smtClean="0"/>
+              <a:rPr lang="pt-BR"/>
               <a:t>Segundo nível</a:t>
             </a:r>
           </a:p>
           <a:p>
             <a:pPr lvl="2"/>
             <a:r>
-              <a:rPr lang="pt-BR" smtClean="0"/>
+              <a:rPr lang="pt-BR"/>
               <a:t>Terceiro nível</a:t>
             </a:r>
           </a:p>
           <a:p>
             <a:pPr lvl="3"/>
             <a:r>
-              <a:rPr lang="pt-BR" smtClean="0"/>
+              <a:rPr lang="pt-BR"/>
               <a:t>Quarto nível</a:t>
             </a:r>
           </a:p>
           <a:p>
             <a:pPr lvl="4"/>
             <a:r>
-              <a:rPr lang="pt-BR" smtClean="0"/>
+              <a:rPr lang="pt-BR"/>
               <a:t>Quinto nível</a:t>
             </a:r>
             <a:endParaRPr lang="en-US" dirty="0"/>
@@ -5665,35 +5669,35 @@
           <a:p>
             <a:pPr lvl="0"/>
             <a:r>
-              <a:rPr lang="pt-BR" smtClean="0"/>
+              <a:rPr lang="pt-BR"/>
               <a:t>Editar estilos de texto Mestre</a:t>
             </a:r>
           </a:p>
           <a:p>
             <a:pPr lvl="1"/>
             <a:r>
-              <a:rPr lang="pt-BR" smtClean="0"/>
+              <a:rPr lang="pt-BR"/>
               <a:t>Segundo nível</a:t>
             </a:r>
           </a:p>
           <a:p>
             <a:pPr lvl="2"/>
             <a:r>
-              <a:rPr lang="pt-BR" smtClean="0"/>
+              <a:rPr lang="pt-BR"/>
               <a:t>Terceiro nível</a:t>
             </a:r>
           </a:p>
           <a:p>
             <a:pPr lvl="3"/>
             <a:r>
-              <a:rPr lang="pt-BR" smtClean="0"/>
+              <a:rPr lang="pt-BR"/>
               <a:t>Quarto nível</a:t>
             </a:r>
           </a:p>
           <a:p>
             <a:pPr lvl="4"/>
             <a:r>
-              <a:rPr lang="pt-BR" smtClean="0"/>
+              <a:rPr lang="pt-BR"/>
               <a:t>Quinto nível</a:t>
             </a:r>
             <a:endParaRPr lang="en-US" dirty="0"/>
@@ -5774,7 +5778,7 @@
                 <a:cs typeface="Lato"/>
                 <a:sym typeface="Lato"/>
               </a:rPr>
-              <a:t>‹#›</a:t>
+              <a:t>‹nº›</a:t>
             </a:fld>
             <a:endParaRPr lang="pt-BR" sz="1000">
               <a:solidFill>
@@ -5839,7 +5843,7 @@
           </a:lstStyle>
           <a:p>
             <a:r>
-              <a:rPr lang="pt-BR" smtClean="0"/>
+              <a:rPr lang="pt-BR"/>
               <a:t>Clique para editar o título mestre</a:t>
             </a:r>
             <a:endParaRPr lang="en-US" dirty="0"/>
@@ -5911,7 +5915,7 @@
           <a:p>
             <a:pPr lvl="0"/>
             <a:r>
-              <a:rPr lang="pt-BR" smtClean="0"/>
+              <a:rPr lang="pt-BR"/>
               <a:t>Editar estilos de texto Mestre</a:t>
             </a:r>
           </a:p>
@@ -5941,35 +5945,35 @@
           <a:p>
             <a:pPr lvl="0"/>
             <a:r>
-              <a:rPr lang="pt-BR" smtClean="0"/>
+              <a:rPr lang="pt-BR"/>
               <a:t>Editar estilos de texto Mestre</a:t>
             </a:r>
           </a:p>
           <a:p>
             <a:pPr lvl="1"/>
             <a:r>
-              <a:rPr lang="pt-BR" smtClean="0"/>
+              <a:rPr lang="pt-BR"/>
               <a:t>Segundo nível</a:t>
             </a:r>
           </a:p>
           <a:p>
             <a:pPr lvl="2"/>
             <a:r>
-              <a:rPr lang="pt-BR" smtClean="0"/>
+              <a:rPr lang="pt-BR"/>
               <a:t>Terceiro nível</a:t>
             </a:r>
           </a:p>
           <a:p>
             <a:pPr lvl="3"/>
             <a:r>
-              <a:rPr lang="pt-BR" smtClean="0"/>
+              <a:rPr lang="pt-BR"/>
               <a:t>Quarto nível</a:t>
             </a:r>
           </a:p>
           <a:p>
             <a:pPr lvl="4"/>
             <a:r>
-              <a:rPr lang="pt-BR" smtClean="0"/>
+              <a:rPr lang="pt-BR"/>
               <a:t>Quinto nível</a:t>
             </a:r>
             <a:endParaRPr lang="en-US" dirty="0"/>
@@ -6041,7 +6045,7 @@
           <a:p>
             <a:pPr lvl="0"/>
             <a:r>
-              <a:rPr lang="pt-BR" smtClean="0"/>
+              <a:rPr lang="pt-BR"/>
               <a:t>Editar estilos de texto Mestre</a:t>
             </a:r>
           </a:p>
@@ -6071,35 +6075,35 @@
           <a:p>
             <a:pPr lvl="0"/>
             <a:r>
-              <a:rPr lang="pt-BR" smtClean="0"/>
+              <a:rPr lang="pt-BR"/>
               <a:t>Editar estilos de texto Mestre</a:t>
             </a:r>
           </a:p>
           <a:p>
             <a:pPr lvl="1"/>
             <a:r>
-              <a:rPr lang="pt-BR" smtClean="0"/>
+              <a:rPr lang="pt-BR"/>
               <a:t>Segundo nível</a:t>
             </a:r>
           </a:p>
           <a:p>
             <a:pPr lvl="2"/>
             <a:r>
-              <a:rPr lang="pt-BR" smtClean="0"/>
+              <a:rPr lang="pt-BR"/>
               <a:t>Terceiro nível</a:t>
             </a:r>
           </a:p>
           <a:p>
             <a:pPr lvl="3"/>
             <a:r>
-              <a:rPr lang="pt-BR" smtClean="0"/>
+              <a:rPr lang="pt-BR"/>
               <a:t>Quarto nível</a:t>
             </a:r>
           </a:p>
           <a:p>
             <a:pPr lvl="4"/>
             <a:r>
-              <a:rPr lang="pt-BR" smtClean="0"/>
+              <a:rPr lang="pt-BR"/>
               <a:t>Quinto nível</a:t>
             </a:r>
             <a:endParaRPr lang="en-US" dirty="0"/>
@@ -6180,7 +6184,7 @@
                 <a:cs typeface="Lato"/>
                 <a:sym typeface="Lato"/>
               </a:rPr>
-              <a:t>‹#›</a:t>
+              <a:t>‹nº›</a:t>
             </a:fld>
             <a:endParaRPr lang="pt-BR" sz="1000">
               <a:solidFill>
@@ -6272,7 +6276,7 @@
           <a:lstStyle/>
           <a:p>
             <a:r>
-              <a:rPr lang="pt-BR" smtClean="0"/>
+              <a:rPr lang="pt-BR"/>
               <a:t>Clique para editar o título mestre</a:t>
             </a:r>
             <a:endParaRPr lang="en-US" dirty="0"/>
@@ -6353,7 +6357,7 @@
                 <a:cs typeface="Lato"/>
                 <a:sym typeface="Lato"/>
               </a:rPr>
-              <a:t>‹#›</a:t>
+              <a:t>‹nº›</a:t>
             </a:fld>
             <a:endParaRPr lang="pt-BR" sz="1000">
               <a:solidFill>
@@ -6503,7 +6507,7 @@
                 <a:cs typeface="Lato"/>
                 <a:sym typeface="Lato"/>
               </a:rPr>
-              <a:t>‹#›</a:t>
+              <a:t>‹nº›</a:t>
             </a:fld>
             <a:endParaRPr lang="pt-BR" sz="1000">
               <a:solidFill>
@@ -6575,7 +6579,7 @@
           </a:lstStyle>
           <a:p>
             <a:r>
-              <a:rPr lang="pt-BR" smtClean="0"/>
+              <a:rPr lang="pt-BR"/>
               <a:t>Clique para editar o título mestre</a:t>
             </a:r>
             <a:endParaRPr lang="en-US" dirty="0"/>
@@ -6606,35 +6610,35 @@
           <a:p>
             <a:pPr lvl="0"/>
             <a:r>
-              <a:rPr lang="pt-BR" smtClean="0"/>
+              <a:rPr lang="pt-BR"/>
               <a:t>Editar estilos de texto Mestre</a:t>
             </a:r>
           </a:p>
           <a:p>
             <a:pPr lvl="1"/>
             <a:r>
-              <a:rPr lang="pt-BR" smtClean="0"/>
+              <a:rPr lang="pt-BR"/>
               <a:t>Segundo nível</a:t>
             </a:r>
           </a:p>
           <a:p>
             <a:pPr lvl="2"/>
             <a:r>
-              <a:rPr lang="pt-BR" smtClean="0"/>
+              <a:rPr lang="pt-BR"/>
               <a:t>Terceiro nível</a:t>
             </a:r>
           </a:p>
           <a:p>
             <a:pPr lvl="3"/>
             <a:r>
-              <a:rPr lang="pt-BR" smtClean="0"/>
+              <a:rPr lang="pt-BR"/>
               <a:t>Quarto nível</a:t>
             </a:r>
           </a:p>
           <a:p>
             <a:pPr lvl="4"/>
             <a:r>
-              <a:rPr lang="pt-BR" smtClean="0"/>
+              <a:rPr lang="pt-BR"/>
               <a:t>Quinto nível</a:t>
             </a:r>
             <a:endParaRPr lang="en-US" dirty="0"/>
@@ -6702,7 +6706,7 @@
           <a:p>
             <a:pPr lvl="0"/>
             <a:r>
-              <a:rPr lang="pt-BR" smtClean="0"/>
+              <a:rPr lang="pt-BR"/>
               <a:t>Editar estilos de texto Mestre</a:t>
             </a:r>
           </a:p>
@@ -6782,7 +6786,7 @@
                 <a:cs typeface="Lato"/>
                 <a:sym typeface="Lato"/>
               </a:rPr>
-              <a:t>‹#›</a:t>
+              <a:t>‹nº›</a:t>
             </a:fld>
             <a:endParaRPr lang="pt-BR" sz="1000">
               <a:solidFill>
@@ -6885,7 +6889,7 @@
           </a:lstStyle>
           <a:p>
             <a:r>
-              <a:rPr lang="pt-BR" smtClean="0"/>
+              <a:rPr lang="pt-BR"/>
               <a:t>Clique para editar o título mestre</a:t>
             </a:r>
             <a:endParaRPr lang="en-US" dirty="0"/>
@@ -6973,7 +6977,7 @@
           </a:lstStyle>
           <a:p>
             <a:r>
-              <a:rPr lang="pt-BR" smtClean="0"/>
+              <a:rPr lang="pt-BR"/>
               <a:t>Clique no ícone para adicionar uma imagem</a:t>
             </a:r>
             <a:endParaRPr lang="en-US" dirty="0"/>
@@ -7041,7 +7045,7 @@
           <a:p>
             <a:pPr lvl="0"/>
             <a:r>
-              <a:rPr lang="pt-BR" smtClean="0"/>
+              <a:rPr lang="pt-BR"/>
               <a:t>Editar estilos de texto Mestre</a:t>
             </a:r>
           </a:p>
@@ -7121,7 +7125,7 @@
                 <a:cs typeface="Lato"/>
                 <a:sym typeface="Lato"/>
               </a:rPr>
-              <a:t>‹#›</a:t>
+              <a:t>‹nº›</a:t>
             </a:fld>
             <a:endParaRPr lang="pt-BR" sz="1000">
               <a:solidFill>
@@ -7228,7 +7232,7 @@
           <a:lstStyle/>
           <a:p>
             <a:r>
-              <a:rPr lang="pt-BR" smtClean="0"/>
+              <a:rPr lang="pt-BR"/>
               <a:t>Clique para editar o título mestre</a:t>
             </a:r>
             <a:endParaRPr lang="en-US" dirty="0"/>
@@ -7262,35 +7266,35 @@
           <a:p>
             <a:pPr lvl="0"/>
             <a:r>
-              <a:rPr lang="pt-BR" smtClean="0"/>
+              <a:rPr lang="pt-BR"/>
               <a:t>Editar estilos de texto Mestre</a:t>
             </a:r>
           </a:p>
           <a:p>
             <a:pPr lvl="1"/>
             <a:r>
-              <a:rPr lang="pt-BR" smtClean="0"/>
+              <a:rPr lang="pt-BR"/>
               <a:t>Segundo nível</a:t>
             </a:r>
           </a:p>
           <a:p>
             <a:pPr lvl="2"/>
             <a:r>
-              <a:rPr lang="pt-BR" smtClean="0"/>
+              <a:rPr lang="pt-BR"/>
               <a:t>Terceiro nível</a:t>
             </a:r>
           </a:p>
           <a:p>
             <a:pPr lvl="3"/>
             <a:r>
-              <a:rPr lang="pt-BR" smtClean="0"/>
+              <a:rPr lang="pt-BR"/>
               <a:t>Quarto nível</a:t>
             </a:r>
           </a:p>
           <a:p>
             <a:pPr lvl="4"/>
             <a:r>
-              <a:rPr lang="pt-BR" smtClean="0"/>
+              <a:rPr lang="pt-BR"/>
               <a:t>Quinto nível</a:t>
             </a:r>
             <a:endParaRPr lang="en-US" dirty="0"/>
@@ -7425,7 +7429,7 @@
                 <a:cs typeface="Lato"/>
                 <a:sym typeface="Lato"/>
               </a:rPr>
-              <a:t>‹#›</a:t>
+              <a:t>‹nº›</a:t>
             </a:fld>
             <a:endParaRPr lang="pt-BR" sz="1000">
               <a:solidFill>
@@ -7938,16 +7942,10 @@
               <a:buNone/>
             </a:pPr>
             <a:r>
-              <a:rPr lang="pt-BR" sz="6000" dirty="0" smtClean="0">
-                <a:latin typeface="Century" panose="02040604050505020304" pitchFamily="18" charset="0"/>
-              </a:rPr>
-              <a:t>Let’s </a:t>
-            </a:r>
-            <a:r>
               <a:rPr lang="pt-BR" sz="6000" dirty="0">
                 <a:latin typeface="Century" panose="02040604050505020304" pitchFamily="18" charset="0"/>
               </a:rPr>
-              <a:t>Cook</a:t>
+              <a:t>Let’s Cook</a:t>
             </a:r>
           </a:p>
           <a:p>
@@ -7957,12 +7955,6 @@
               </a:spcBef>
               <a:buNone/>
             </a:pPr>
-            <a:r>
-              <a:rPr lang="pt-BR" sz="2400" dirty="0">
-                <a:latin typeface="Century" panose="02040604050505020304" pitchFamily="18" charset="0"/>
-              </a:rPr>
-              <a:t/>
-            </a:r>
             <a:br>
               <a:rPr lang="pt-BR" sz="2400" dirty="0">
                 <a:latin typeface="Century" panose="02040604050505020304" pitchFamily="18" charset="0"/>
@@ -7972,31 +7964,7 @@
               <a:rPr lang="pt-BR" sz="2400" dirty="0">
                 <a:latin typeface="Century" panose="02040604050505020304" pitchFamily="18" charset="0"/>
               </a:rPr>
-              <a:t>	</a:t>
-            </a:r>
-            <a:r>
-              <a:rPr lang="pt-BR" sz="2400" dirty="0">
-                <a:latin typeface="Century" panose="02040604050505020304" pitchFamily="18" charset="0"/>
-              </a:rPr>
-              <a:t> </a:t>
-            </a:r>
-            <a:r>
-              <a:rPr lang="pt-BR" sz="2400" dirty="0" smtClean="0">
-                <a:latin typeface="Century" panose="02040604050505020304" pitchFamily="18" charset="0"/>
-              </a:rPr>
-              <a:t>  </a:t>
-            </a:r>
-            <a:r>
-              <a:rPr lang="pt-BR" sz="2400" dirty="0" smtClean="0">
-                <a:latin typeface="Century" panose="02040604050505020304" pitchFamily="18" charset="0"/>
-              </a:rPr>
-              <a:t>Inovação </a:t>
-            </a:r>
-            <a:r>
-              <a:rPr lang="pt-BR" sz="2400" dirty="0">
-                <a:latin typeface="Century" panose="02040604050505020304" pitchFamily="18" charset="0"/>
-              </a:rPr>
-              <a:t>Tecnológica</a:t>
+              <a:t>	   Inovação Tecnológica</a:t>
             </a:r>
           </a:p>
         </p:txBody>
@@ -8139,13 +8107,6 @@
   <p:clrMapOvr>
     <a:masterClrMapping/>
   </p:clrMapOvr>
-  <p:timing>
-    <p:tnLst>
-      <p:par>
-        <p:cTn id="1" dur="indefinite" restart="never" nodeType="tmRoot"/>
-      </p:par>
-    </p:tnLst>
-  </p:timing>
 </p:sld>
 </file>
 
@@ -8189,26 +8150,11 @@
           <a:lstStyle/>
           <a:p>
             <a:r>
-              <a:rPr lang="pt-BR" sz="2400" dirty="0" smtClean="0">
-                <a:latin typeface="Century" panose="02040604050505020304" pitchFamily="18" charset="0"/>
-              </a:rPr>
-              <a:t>Em alguns sites as </a:t>
-            </a:r>
-            <a:r>
               <a:rPr lang="pt-BR" sz="2400" dirty="0">
                 <a:latin typeface="Century" panose="02040604050505020304" pitchFamily="18" charset="0"/>
               </a:rPr>
-              <a:t>receitas são exibidas em grandes listas, você costuma se perder durante a execução da </a:t>
-            </a:r>
-            <a:r>
-              <a:rPr lang="pt-BR" sz="2400" dirty="0" smtClean="0">
-                <a:latin typeface="Century" panose="02040604050505020304" pitchFamily="18" charset="0"/>
-              </a:rPr>
-              <a:t>mesma?</a:t>
-            </a:r>
-            <a:endParaRPr lang="pt-BR" sz="2400" dirty="0">
-              <a:latin typeface="Century" panose="02040604050505020304" pitchFamily="18" charset="0"/>
-            </a:endParaRPr>
+              <a:t>Em alguns sites as receitas são exibidas em grandes listas, você costuma se perder durante a execução da mesma?</a:t>
+            </a:r>
           </a:p>
         </p:txBody>
       </p:sp>
@@ -8273,7 +8219,7 @@
           <a:lstStyle/>
           <a:p>
             <a:r>
-              <a:rPr lang="pt-BR" dirty="0" smtClean="0"/>
+              <a:rPr lang="pt-BR" dirty="0"/>
               <a:t>Sim</a:t>
             </a:r>
           </a:p>
@@ -8282,10 +8228,9 @@
           </a:p>
           <a:p>
             <a:r>
-              <a:rPr lang="pt-BR" dirty="0" smtClean="0"/>
+              <a:rPr lang="pt-BR" dirty="0"/>
               <a:t>Não</a:t>
             </a:r>
-            <a:endParaRPr lang="pt-BR" dirty="0"/>
           </a:p>
         </p:txBody>
       </p:sp>
@@ -8395,13 +8340,6 @@
   <p:clrMapOvr>
     <a:masterClrMapping/>
   </p:clrMapOvr>
-  <p:timing>
-    <p:tnLst>
-      <p:par>
-        <p:cTn id="1" dur="indefinite" restart="never" nodeType="tmRoot"/>
-      </p:par>
-    </p:tnLst>
-  </p:timing>
 </p:sld>
 </file>
 
@@ -8606,7 +8544,7 @@
           </a:lstStyle>
           <a:p>
             <a:r>
-              <a:rPr lang="pt-BR" sz="6000" dirty="0" smtClean="0">
+              <a:rPr lang="pt-BR" sz="6000" dirty="0">
                 <a:latin typeface="Century" panose="02040604050505020304" pitchFamily="18" charset="0"/>
               </a:rPr>
               <a:t>SOLUÇÃO</a:t>
@@ -8622,13 +8560,6 @@
   <p:clrMapOvr>
     <a:masterClrMapping/>
   </p:clrMapOvr>
-  <p:timing>
-    <p:tnLst>
-      <p:par>
-        <p:cTn id="1" dur="indefinite" restart="never" nodeType="tmRoot"/>
-      </p:par>
-    </p:tnLst>
-  </p:timing>
 </p:sld>
 </file>
 
@@ -8906,7 +8837,7 @@
           </a:lstStyle>
           <a:p>
             <a:r>
-              <a:rPr lang="pt-BR" sz="2400" dirty="0" smtClean="0">
+              <a:rPr lang="pt-BR" sz="2400" dirty="0">
                 <a:latin typeface="Century" panose="02040604050505020304" pitchFamily="18" charset="0"/>
               </a:rPr>
               <a:t>Receitas padronizadas.</a:t>
@@ -8914,7 +8845,7 @@
           </a:p>
           <a:p>
             <a:r>
-              <a:rPr lang="pt-BR" sz="2400" dirty="0" smtClean="0">
+              <a:rPr lang="pt-BR" sz="2400" dirty="0">
                 <a:latin typeface="Century" panose="02040604050505020304" pitchFamily="18" charset="0"/>
               </a:rPr>
               <a:t>Preparo interativo, que auxilia o cozinheiro.</a:t>
@@ -8922,7 +8853,7 @@
           </a:p>
           <a:p>
             <a:r>
-              <a:rPr lang="pt-BR" sz="2400" dirty="0" smtClean="0">
+              <a:rPr lang="pt-BR" sz="2400" dirty="0">
                 <a:latin typeface="Century" panose="02040604050505020304" pitchFamily="18" charset="0"/>
               </a:rPr>
               <a:t>Padronização de medidas.</a:t>
@@ -8930,7 +8861,7 @@
           </a:p>
           <a:p>
             <a:r>
-              <a:rPr lang="pt-BR" sz="2400" dirty="0" smtClean="0">
+              <a:rPr lang="pt-BR" sz="2400" dirty="0">
                 <a:latin typeface="Century" panose="02040604050505020304" pitchFamily="18" charset="0"/>
               </a:rPr>
               <a:t>Módulo de despensa vínculado as receitas.</a:t>
@@ -8938,7 +8869,7 @@
           </a:p>
           <a:p>
             <a:r>
-              <a:rPr lang="pt-BR" sz="2400" dirty="0" smtClean="0">
+              <a:rPr lang="pt-BR" sz="2400" dirty="0">
                 <a:latin typeface="Century" panose="02040604050505020304" pitchFamily="18" charset="0"/>
               </a:rPr>
               <a:t>Sugestões inteligentes, baseadas nas avaliações e categorias.</a:t>
@@ -8946,7 +8877,7 @@
           </a:p>
           <a:p>
             <a:r>
-              <a:rPr lang="pt-BR" sz="2400" dirty="0" smtClean="0">
+              <a:rPr lang="pt-BR" sz="2400" dirty="0">
                 <a:latin typeface="Century" panose="02040604050505020304" pitchFamily="18" charset="0"/>
               </a:rPr>
               <a:t>Lista de compras vínculada aos ingredientes.</a:t>
@@ -8956,7 +8887,7 @@
             <a:pPr marL="0" indent="0">
               <a:buNone/>
             </a:pPr>
-            <a:endParaRPr lang="pt-BR" sz="2400" dirty="0" smtClean="0">
+            <a:endParaRPr lang="pt-BR" sz="2400" dirty="0">
               <a:latin typeface="Century" panose="02040604050505020304" pitchFamily="18" charset="0"/>
             </a:endParaRPr>
           </a:p>
@@ -8975,13 +8906,6 @@
   <p:clrMapOvr>
     <a:masterClrMapping/>
   </p:clrMapOvr>
-  <p:timing>
-    <p:tnLst>
-      <p:par>
-        <p:cTn id="1" dur="indefinite" restart="never" nodeType="tmRoot"/>
-      </p:par>
-    </p:tnLst>
-  </p:timing>
 </p:sld>
 </file>
 
@@ -9085,17 +9009,8 @@
               <a:rPr lang="pt-BR" sz="4400" dirty="0">
                 <a:latin typeface="Century" panose="02040604050505020304" pitchFamily="18" charset="0"/>
               </a:rPr>
-              <a:t>Tecnologias </a:t>
-            </a:r>
-            <a:r>
-              <a:rPr lang="pt-BR" sz="4400" dirty="0" smtClean="0">
-                <a:latin typeface="Century" panose="02040604050505020304" pitchFamily="18" charset="0"/>
-              </a:rPr>
-              <a:t>Utilizadas</a:t>
-            </a:r>
-            <a:endParaRPr lang="pt-BR" sz="4400" dirty="0">
-              <a:latin typeface="Century" panose="02040604050505020304" pitchFamily="18" charset="0"/>
-            </a:endParaRPr>
+              <a:t>Tecnologias Utilizadas</a:t>
+            </a:r>
           </a:p>
         </p:txBody>
       </p:sp>
@@ -9134,13 +9049,6 @@
   <p:clrMapOvr>
     <a:masterClrMapping/>
   </p:clrMapOvr>
-  <p:timing>
-    <p:tnLst>
-      <p:par>
-        <p:cTn id="1" dur="indefinite" restart="never" nodeType="tmRoot"/>
-      </p:par>
-    </p:tnLst>
-  </p:timing>
 </p:sld>
 </file>
 
@@ -9345,7 +9253,7 @@
           </a:lstStyle>
           <a:p>
             <a:r>
-              <a:rPr lang="pt-BR" sz="4800" dirty="0" smtClean="0">
+              <a:rPr lang="pt-BR" sz="4800" dirty="0">
                 <a:latin typeface="Century" panose="02040604050505020304" pitchFamily="18" charset="0"/>
               </a:rPr>
               <a:t>DEMONSTRAÇÃO </a:t>
@@ -9353,7 +9261,7 @@
           </a:p>
           <a:p>
             <a:r>
-              <a:rPr lang="pt-BR" sz="4800" dirty="0" smtClean="0">
+              <a:rPr lang="pt-BR" sz="4800" dirty="0">
                 <a:latin typeface="Century" panose="02040604050505020304" pitchFamily="18" charset="0"/>
               </a:rPr>
               <a:t>DO SISTEMA </a:t>
@@ -9366,13 +9274,6 @@
   <p:clrMapOvr>
     <a:masterClrMapping/>
   </p:clrMapOvr>
-  <p:timing>
-    <p:tnLst>
-      <p:par>
-        <p:cTn id="1" dur="indefinite" restart="never" nodeType="tmRoot"/>
-      </p:par>
-    </p:tnLst>
-  </p:timing>
 </p:sld>
 </file>
 
@@ -9468,7 +9369,7 @@
           <a:p>
             <a:pPr lvl="0"/>
             <a:r>
-              <a:rPr lang="pt-BR" sz="6000" dirty="0" smtClean="0">
+              <a:rPr lang="pt-BR" sz="6000" dirty="0">
                 <a:latin typeface="Century" panose="02040604050505020304" pitchFamily="18" charset="0"/>
                 <a:ea typeface="Arial"/>
                 <a:cs typeface="Arial"/>
@@ -9490,13 +9391,6 @@
   <p:clrMapOvr>
     <a:masterClrMapping/>
   </p:clrMapOvr>
-  <p:timing>
-    <p:tnLst>
-      <p:par>
-        <p:cTn id="1" dur="indefinite" restart="never" nodeType="tmRoot"/>
-      </p:par>
-    </p:tnLst>
-  </p:timing>
 </p:sld>
 </file>
 
@@ -9667,7 +9561,7 @@
           <a:lstStyle/>
           <a:p>
             <a:r>
-              <a:rPr lang="pt-BR" sz="2000" dirty="0" smtClean="0">
+              <a:rPr lang="pt-BR" sz="2000" dirty="0">
                 <a:solidFill>
                   <a:schemeClr val="tx1">
                     <a:lumMod val="85000"/>
@@ -9681,7 +9575,7 @@
           </a:p>
           <a:p>
             <a:r>
-              <a:rPr lang="pt-BR" sz="2000" dirty="0" smtClean="0">
+              <a:rPr lang="pt-BR" sz="2000" dirty="0">
                 <a:solidFill>
                   <a:schemeClr val="tx1">
                     <a:lumMod val="85000"/>
@@ -9692,15 +9586,6 @@
               </a:rPr>
               <a:t>Milhões</a:t>
             </a:r>
-            <a:endParaRPr lang="pt-BR" sz="2000" dirty="0">
-              <a:solidFill>
-                <a:schemeClr val="tx1">
-                  <a:lumMod val="85000"/>
-                  <a:lumOff val="15000"/>
-                </a:schemeClr>
-              </a:solidFill>
-              <a:latin typeface="Century" panose="02040604050505020304" pitchFamily="18" charset="0"/>
-            </a:endParaRPr>
           </a:p>
         </p:txBody>
       </p:sp>
@@ -9727,7 +9612,7 @@
           <a:lstStyle/>
           <a:p>
             <a:r>
-              <a:rPr lang="pt-BR" sz="2000" dirty="0" smtClean="0">
+              <a:rPr lang="pt-BR" sz="2000" dirty="0">
                 <a:solidFill>
                   <a:schemeClr val="tx1">
                     <a:lumMod val="85000"/>
@@ -9741,7 +9626,7 @@
           </a:p>
           <a:p>
             <a:r>
-              <a:rPr lang="pt-BR" sz="2000" dirty="0" smtClean="0">
+              <a:rPr lang="pt-BR" sz="2000" dirty="0">
                 <a:solidFill>
                   <a:schemeClr val="tx1">
                     <a:lumMod val="85000"/>
@@ -9752,15 +9637,6 @@
               </a:rPr>
               <a:t>Milhões</a:t>
             </a:r>
-            <a:endParaRPr lang="pt-BR" sz="2000" dirty="0">
-              <a:solidFill>
-                <a:schemeClr val="tx1">
-                  <a:lumMod val="85000"/>
-                  <a:lumOff val="15000"/>
-                </a:schemeClr>
-              </a:solidFill>
-              <a:latin typeface="Century" panose="02040604050505020304" pitchFamily="18" charset="0"/>
-            </a:endParaRPr>
           </a:p>
         </p:txBody>
       </p:sp>
@@ -9847,7 +9723,7 @@
           <a:lstStyle/>
           <a:p>
             <a:r>
-              <a:rPr lang="pt-BR" sz="2800" dirty="0" smtClean="0">
+              <a:rPr lang="pt-BR" sz="2800" dirty="0">
                 <a:solidFill>
                   <a:schemeClr val="tx1">
                     <a:lumMod val="85000"/>
@@ -9860,7 +9736,7 @@
               <a:t>Visualizações nos últimos 3 meses</a:t>
             </a:r>
             <a:r>
-              <a:rPr lang="pt-BR" sz="2800" dirty="0" smtClean="0">
+              <a:rPr lang="pt-BR" sz="2800" dirty="0">
                 <a:solidFill>
                   <a:schemeClr val="tx1">
                     <a:lumMod val="85000"/>
@@ -9872,16 +9748,6 @@
               </a:rPr>
               <a:t>.</a:t>
             </a:r>
-            <a:endParaRPr lang="pt-BR" sz="2800" dirty="0">
-              <a:solidFill>
-                <a:schemeClr val="tx1">
-                  <a:lumMod val="85000"/>
-                  <a:lumOff val="15000"/>
-                </a:schemeClr>
-              </a:solidFill>
-              <a:latin typeface="Arial" panose="020B0604020202020204" pitchFamily="34" charset="0"/>
-              <a:cs typeface="Arial" panose="020B0604020202020204" pitchFamily="34" charset="0"/>
-            </a:endParaRPr>
           </a:p>
         </p:txBody>
       </p:sp>
@@ -10000,7 +9866,7 @@
           <a:lstStyle/>
           <a:p>
             <a:r>
-              <a:rPr lang="pt-BR" sz="2000" dirty="0" smtClean="0">
+              <a:rPr lang="pt-BR" sz="2000" dirty="0">
                 <a:solidFill>
                   <a:schemeClr val="tx1">
                     <a:lumMod val="85000"/>
@@ -10014,7 +9880,7 @@
           </a:p>
           <a:p>
             <a:r>
-              <a:rPr lang="pt-BR" sz="2000" dirty="0" smtClean="0">
+              <a:rPr lang="pt-BR" sz="2000" dirty="0">
                 <a:solidFill>
                   <a:schemeClr val="tx1">
                     <a:lumMod val="85000"/>
@@ -10025,15 +9891,6 @@
               </a:rPr>
               <a:t>Milhões</a:t>
             </a:r>
-            <a:endParaRPr lang="pt-BR" sz="2000" dirty="0">
-              <a:solidFill>
-                <a:schemeClr val="tx1">
-                  <a:lumMod val="85000"/>
-                  <a:lumOff val="15000"/>
-                </a:schemeClr>
-              </a:solidFill>
-              <a:latin typeface="Century" panose="02040604050505020304" pitchFamily="18" charset="0"/>
-            </a:endParaRPr>
           </a:p>
         </p:txBody>
       </p:sp>
@@ -10060,7 +9917,7 @@
           <a:lstStyle/>
           <a:p>
             <a:r>
-              <a:rPr lang="pt-BR" sz="2000" dirty="0" smtClean="0">
+              <a:rPr lang="pt-BR" sz="2000" dirty="0">
                 <a:solidFill>
                   <a:schemeClr val="tx1">
                     <a:lumMod val="85000"/>
@@ -10076,7 +9933,7 @@
           </a:p>
           <a:p>
             <a:r>
-              <a:rPr lang="pt-BR" sz="2000" dirty="0" smtClean="0">
+              <a:rPr lang="pt-BR" sz="2000" dirty="0">
                 <a:solidFill>
                   <a:schemeClr val="tx1">
                     <a:lumMod val="85000"/>
@@ -10089,17 +9946,6 @@
               </a:rPr>
               <a:t>Milhões</a:t>
             </a:r>
-            <a:endParaRPr lang="pt-BR" sz="2000" dirty="0">
-              <a:solidFill>
-                <a:schemeClr val="tx1">
-                  <a:lumMod val="85000"/>
-                  <a:lumOff val="15000"/>
-                </a:schemeClr>
-              </a:solidFill>
-              <a:latin typeface="Century" panose="02040604050505020304" pitchFamily="18" charset="0"/>
-              <a:ea typeface="Segoe UI Black" panose="020B0A02040204020203" pitchFamily="34" charset="0"/>
-              <a:cs typeface="Segoe UI Black" panose="020B0A02040204020203" pitchFamily="34" charset="0"/>
-            </a:endParaRPr>
           </a:p>
         </p:txBody>
       </p:sp>
@@ -10113,13 +9959,6 @@
   <p:clrMapOvr>
     <a:masterClrMapping/>
   </p:clrMapOvr>
-  <p:timing>
-    <p:tnLst>
-      <p:par>
-        <p:cTn id="1" dur="indefinite" restart="never" nodeType="tmRoot"/>
-      </p:par>
-    </p:tnLst>
-  </p:timing>
 </p:sld>
 </file>
 
@@ -10220,7 +10059,7 @@
               <a:buNone/>
             </a:pPr>
             <a:r>
-              <a:rPr lang="pt-BR" sz="6000" dirty="0" smtClean="0">
+              <a:rPr lang="pt-BR" sz="6000" dirty="0">
                 <a:latin typeface="Century" panose="02040604050505020304" pitchFamily="18" charset="0"/>
               </a:rPr>
               <a:t>PROBLEMA</a:t>
@@ -10236,13 +10075,6 @@
   <p:clrMapOvr>
     <a:masterClrMapping/>
   </p:clrMapOvr>
-  <p:timing>
-    <p:tnLst>
-      <p:par>
-        <p:cTn id="1" dur="indefinite" restart="never" nodeType="tmRoot"/>
-      </p:par>
-    </p:tnLst>
-  </p:timing>
 </p:sld>
 </file>
 
@@ -10265,138 +10097,234 @@
       </p:grpSpPr>
       <p:sp>
         <p:nvSpPr>
-          <p:cNvPr id="3" name="Text Placeholder 2"/>
-          <p:cNvSpPr>
-            <a:spLocks noGrp="1"/>
-          </p:cNvSpPr>
-          <p:nvPr>
-            <p:ph type="body" idx="1"/>
-          </p:nvPr>
+          <p:cNvPr id="6" name="CaixaDeTexto 5">
+            <a:extLst>
+              <a:ext uri="{FF2B5EF4-FFF2-40B4-BE49-F238E27FC236}">
+                <a16:creationId xmlns:a16="http://schemas.microsoft.com/office/drawing/2014/main" id="{F464D7C5-3DDC-4681-BEEB-B112954CD2C3}"/>
+              </a:ext>
+            </a:extLst>
+          </p:cNvPr>
+          <p:cNvSpPr txBox="1"/>
+          <p:nvPr/>
         </p:nvSpPr>
         <p:spPr>
           <a:xfrm>
-            <a:off x="1002225" y="647700"/>
-            <a:ext cx="7038900" cy="3869150"/>
+            <a:off x="2952189" y="777834"/>
+            <a:ext cx="2462534" cy="400110"/>
           </a:xfrm>
+          <a:prstGeom prst="rect">
+            <a:avLst/>
+          </a:prstGeom>
+          <a:noFill/>
         </p:spPr>
         <p:txBody>
-          <a:bodyPr>
-            <a:normAutofit/>
+          <a:bodyPr wrap="none" rtlCol="0">
+            <a:spAutoFit/>
           </a:bodyPr>
           <a:lstStyle/>
           <a:p>
-            <a:endParaRPr lang="pt-BR" dirty="0" smtClean="0">
+            <a:r>
+              <a:rPr lang="pt-BR" sz="2000" dirty="0">
+                <a:solidFill>
+                  <a:schemeClr val="tx1">
+                    <a:lumMod val="85000"/>
+                    <a:lumOff val="15000"/>
+                  </a:schemeClr>
+                </a:solidFill>
+                <a:latin typeface="Century" panose="02040604050505020304" pitchFamily="18" charset="0"/>
+              </a:rPr>
+              <a:t>Encontrar receitas.</a:t>
+            </a:r>
+          </a:p>
+        </p:txBody>
+      </p:sp>
+      <p:sp>
+        <p:nvSpPr>
+          <p:cNvPr id="7" name="CaixaDeTexto 6">
+            <a:extLst>
+              <a:ext uri="{FF2B5EF4-FFF2-40B4-BE49-F238E27FC236}">
+                <a16:creationId xmlns:a16="http://schemas.microsoft.com/office/drawing/2014/main" id="{89AA9664-9F41-4180-B39E-759CD9DB47F0}"/>
+              </a:ext>
+            </a:extLst>
+          </p:cNvPr>
+          <p:cNvSpPr txBox="1"/>
+          <p:nvPr/>
+        </p:nvSpPr>
+        <p:spPr>
+          <a:xfrm>
+            <a:off x="2952189" y="1766295"/>
+            <a:ext cx="4268418" cy="400110"/>
+          </a:xfrm>
+          <a:prstGeom prst="rect">
+            <a:avLst/>
+          </a:prstGeom>
+          <a:noFill/>
+        </p:spPr>
+        <p:txBody>
+          <a:bodyPr wrap="square" rtlCol="0">
+            <a:spAutoFit/>
+          </a:bodyPr>
+          <a:lstStyle/>
+          <a:p>
+            <a:r>
+              <a:rPr lang="pt-BR" sz="2000" dirty="0">
+                <a:solidFill>
+                  <a:schemeClr val="tx1">
+                    <a:lumMod val="85000"/>
+                    <a:lumOff val="15000"/>
+                  </a:schemeClr>
+                </a:solidFill>
+                <a:latin typeface="Century" panose="02040604050505020304" pitchFamily="18" charset="0"/>
+              </a:rPr>
+              <a:t>Identificação os ingredientes.</a:t>
+            </a:r>
+            <a:endParaRPr lang="pt-BR" sz="1600" dirty="0">
+              <a:solidFill>
+                <a:schemeClr val="tx1">
+                  <a:lumMod val="85000"/>
+                  <a:lumOff val="15000"/>
+                </a:schemeClr>
+              </a:solidFill>
               <a:latin typeface="Century" panose="02040604050505020304" pitchFamily="18" charset="0"/>
             </a:endParaRPr>
           </a:p>
-          <a:p>
-            <a:r>
-              <a:rPr lang="pt-BR" sz="2000" dirty="0" smtClean="0">
+        </p:txBody>
+      </p:sp>
+      <p:sp>
+        <p:nvSpPr>
+          <p:cNvPr id="9" name="CaixaDeTexto 8">
+            <a:extLst>
+              <a:ext uri="{FF2B5EF4-FFF2-40B4-BE49-F238E27FC236}">
+                <a16:creationId xmlns:a16="http://schemas.microsoft.com/office/drawing/2014/main" id="{B4A59041-CB82-48A9-8A78-24C0608EDD61}"/>
+              </a:ext>
+            </a:extLst>
+          </p:cNvPr>
+          <p:cNvSpPr txBox="1"/>
+          <p:nvPr/>
+        </p:nvSpPr>
+        <p:spPr>
+          <a:xfrm>
+            <a:off x="2952188" y="2789382"/>
+            <a:ext cx="5393028" cy="400110"/>
+          </a:xfrm>
+          <a:prstGeom prst="rect">
+            <a:avLst/>
+          </a:prstGeom>
+          <a:noFill/>
+        </p:spPr>
+        <p:txBody>
+          <a:bodyPr wrap="square" rtlCol="0">
+            <a:spAutoFit/>
+          </a:bodyPr>
+          <a:lstStyle/>
+          <a:p>
+            <a:r>
+              <a:rPr lang="pt-BR" sz="2000" dirty="0">
+                <a:solidFill>
+                  <a:schemeClr val="tx1">
+                    <a:lumMod val="85000"/>
+                    <a:lumOff val="15000"/>
+                  </a:schemeClr>
+                </a:solidFill>
                 <a:latin typeface="Century" panose="02040604050505020304" pitchFamily="18" charset="0"/>
               </a:rPr>
-              <a:t>Encontrar uma receita.</a:t>
-            </a:r>
-          </a:p>
-          <a:p>
-            <a:pPr lvl="1"/>
-            <a:r>
-              <a:rPr lang="pt-BR" sz="2000" dirty="0" smtClean="0">
-                <a:latin typeface="Century" panose="02040604050505020304" pitchFamily="18" charset="0"/>
-              </a:rPr>
-              <a:t>Compativeis</a:t>
-            </a:r>
-          </a:p>
-          <a:p>
-            <a:pPr lvl="1"/>
-            <a:r>
-              <a:rPr lang="pt-BR" sz="2000" dirty="0" smtClean="0">
-                <a:latin typeface="Century" panose="02040604050505020304" pitchFamily="18" charset="0"/>
-              </a:rPr>
-              <a:t>Não compativeis</a:t>
-            </a:r>
-          </a:p>
-          <a:p>
-            <a:r>
-              <a:rPr lang="pt-BR" sz="2000" dirty="0" smtClean="0">
-                <a:latin typeface="Century" panose="02040604050505020304" pitchFamily="18" charset="0"/>
-              </a:rPr>
-              <a:t>Identificação </a:t>
-            </a:r>
+              <a:t>Compreender o como preparar a receita.</a:t>
+            </a:r>
+          </a:p>
+        </p:txBody>
+      </p:sp>
+      <p:pic>
+        <p:nvPicPr>
+          <p:cNvPr id="11" name="Imagem 10">
+            <a:extLst>
+              <a:ext uri="{FF2B5EF4-FFF2-40B4-BE49-F238E27FC236}">
+                <a16:creationId xmlns:a16="http://schemas.microsoft.com/office/drawing/2014/main" id="{5F5F1344-68C3-4942-85D2-A86FE75A3017}"/>
+              </a:ext>
+            </a:extLst>
+          </p:cNvPr>
+          <p:cNvPicPr>
+            <a:picLocks noChangeAspect="1"/>
+          </p:cNvPicPr>
+          <p:nvPr/>
+        </p:nvPicPr>
+        <p:blipFill>
+          <a:blip r:embed="rId2"/>
+          <a:stretch>
+            <a:fillRect/>
+          </a:stretch>
+        </p:blipFill>
+        <p:spPr>
+          <a:xfrm>
+            <a:off x="1505651" y="367863"/>
+            <a:ext cx="1273471" cy="4414344"/>
+          </a:xfrm>
+          <a:prstGeom prst="rect">
+            <a:avLst/>
+          </a:prstGeom>
+          <a:ln>
+            <a:noFill/>
+          </a:ln>
+          <a:effectLst>
+            <a:softEdge rad="112500"/>
+          </a:effectLst>
+        </p:spPr>
+      </p:pic>
+      <p:sp>
+        <p:nvSpPr>
+          <p:cNvPr id="12" name="CaixaDeTexto 11">
+            <a:extLst>
+              <a:ext uri="{FF2B5EF4-FFF2-40B4-BE49-F238E27FC236}">
+                <a16:creationId xmlns:a16="http://schemas.microsoft.com/office/drawing/2014/main" id="{282D3EAE-51F2-4171-A320-4B5E8FB2A4EB}"/>
+              </a:ext>
+            </a:extLst>
+          </p:cNvPr>
+          <p:cNvSpPr txBox="1"/>
+          <p:nvPr/>
+        </p:nvSpPr>
+        <p:spPr>
+          <a:xfrm>
+            <a:off x="2952190" y="3812469"/>
+            <a:ext cx="2661306" cy="615553"/>
+          </a:xfrm>
+          <a:prstGeom prst="rect">
+            <a:avLst/>
+          </a:prstGeom>
+          <a:noFill/>
+        </p:spPr>
+        <p:txBody>
+          <a:bodyPr wrap="none" rtlCol="0">
+            <a:spAutoFit/>
+          </a:bodyPr>
+          <a:lstStyle/>
+          <a:p>
             <a:r>
               <a:rPr lang="pt-BR" sz="2000" dirty="0">
-                <a:latin typeface="Century" panose="02040604050505020304" pitchFamily="18" charset="0"/>
-              </a:rPr>
-              <a:t>os ingredientes</a:t>
-            </a:r>
-            <a:r>
-              <a:rPr lang="pt-BR" sz="2000" dirty="0" smtClean="0">
-                <a:latin typeface="Century" panose="02040604050505020304" pitchFamily="18" charset="0"/>
-              </a:rPr>
-              <a:t>.</a:t>
-            </a:r>
-          </a:p>
-          <a:p>
-            <a:r>
-              <a:rPr lang="pt-BR" sz="2000" dirty="0">
-                <a:latin typeface="Century" panose="02040604050505020304" pitchFamily="18" charset="0"/>
-              </a:rPr>
-              <a:t>Compreender </a:t>
-            </a:r>
-            <a:r>
-              <a:rPr lang="pt-BR" sz="2000" dirty="0" smtClean="0">
-                <a:latin typeface="Century" panose="02040604050505020304" pitchFamily="18" charset="0"/>
-              </a:rPr>
-              <a:t>o como preparar a receita.</a:t>
-            </a:r>
-          </a:p>
-          <a:p>
-            <a:pPr lvl="1"/>
-            <a:r>
-              <a:rPr lang="pt-BR" sz="2000" dirty="0" smtClean="0">
-                <a:latin typeface="Century" panose="02040604050505020304" pitchFamily="18" charset="0"/>
-              </a:rPr>
-              <a:t>Tempo de preparo.</a:t>
-            </a:r>
-          </a:p>
-          <a:p>
-            <a:pPr lvl="1"/>
-            <a:r>
-              <a:rPr lang="pt-BR" sz="2000" dirty="0" smtClean="0">
-                <a:latin typeface="Century" panose="02040604050505020304" pitchFamily="18" charset="0"/>
-              </a:rPr>
-              <a:t>Medidas</a:t>
-            </a:r>
-            <a:endParaRPr lang="pt-BR" sz="2000" dirty="0">
-              <a:latin typeface="Century" panose="02040604050505020304" pitchFamily="18" charset="0"/>
-            </a:endParaRPr>
-          </a:p>
-          <a:p>
-            <a:r>
-              <a:rPr lang="pt-BR" sz="2000" dirty="0" smtClean="0">
+                <a:solidFill>
+                  <a:schemeClr val="tx1">
+                    <a:lumMod val="85000"/>
+                    <a:lumOff val="15000"/>
+                  </a:schemeClr>
+                </a:solidFill>
                 <a:latin typeface="Century" panose="02040604050505020304" pitchFamily="18" charset="0"/>
               </a:rPr>
               <a:t>Publicar uma receita</a:t>
             </a:r>
           </a:p>
+          <a:p>
+            <a:endParaRPr lang="pt-BR" dirty="0"/>
+          </a:p>
         </p:txBody>
       </p:sp>
     </p:spTree>
     <p:extLst>
       <p:ext uri="{BB962C8B-B14F-4D97-AF65-F5344CB8AC3E}">
-        <p14:creationId xmlns:p14="http://schemas.microsoft.com/office/powerpoint/2010/main" val="423496513"/>
+        <p14:creationId xmlns:p14="http://schemas.microsoft.com/office/powerpoint/2010/main" val="1619716279"/>
       </p:ext>
     </p:extLst>
   </p:cSld>
   <p:clrMapOvr>
     <a:masterClrMapping/>
   </p:clrMapOvr>
-  <p:timing>
-    <p:tnLst>
-      <p:par>
-        <p:cTn id="1" dur="indefinite" restart="never" nodeType="tmRoot"/>
-      </p:par>
-    </p:tnLst>
-  </p:timing>
 </p:sld>
 </file>
 
@@ -10497,7 +10425,7 @@
               <a:buNone/>
             </a:pPr>
             <a:r>
-              <a:rPr lang="pt-BR" sz="6000" dirty="0" smtClean="0">
+              <a:rPr lang="pt-BR" sz="6000" dirty="0">
                 <a:latin typeface="Century" panose="02040604050505020304" pitchFamily="18" charset="0"/>
               </a:rPr>
               <a:t>SOLUÇÕES EXISTENTES</a:t>
@@ -10518,13 +10446,6 @@
   <p:clrMapOvr>
     <a:masterClrMapping/>
   </p:clrMapOvr>
-  <p:timing>
-    <p:tnLst>
-      <p:par>
-        <p:cTn id="1" dur="indefinite" restart="never" nodeType="tmRoot"/>
-      </p:par>
-    </p:tnLst>
-  </p:timing>
 </p:sld>
 </file>
 
@@ -11623,13 +11544,6 @@
   <p:clrMapOvr>
     <a:masterClrMapping/>
   </p:clrMapOvr>
-  <p:timing>
-    <p:tnLst>
-      <p:par>
-        <p:cTn id="1" dur="indefinite" restart="never" nodeType="tmRoot"/>
-      </p:par>
-    </p:tnLst>
-  </p:timing>
 </p:sld>
 </file>
 
@@ -11907,7 +11821,7 @@
           </a:lstStyle>
           <a:p>
             <a:r>
-              <a:rPr lang="pt-BR" sz="2400" dirty="0" smtClean="0">
+              <a:rPr lang="pt-BR" sz="2400" dirty="0">
                 <a:latin typeface="Century" panose="02040604050505020304" pitchFamily="18" charset="0"/>
               </a:rPr>
               <a:t>Receitas mal formuladas.</a:t>
@@ -11915,7 +11829,7 @@
           </a:p>
           <a:p>
             <a:r>
-              <a:rPr lang="pt-BR" sz="2400" dirty="0" smtClean="0">
+              <a:rPr lang="pt-BR" sz="2400" dirty="0">
                 <a:latin typeface="Century" panose="02040604050505020304" pitchFamily="18" charset="0"/>
               </a:rPr>
               <a:t>Falta de assistência no preparo de uma receita.</a:t>
@@ -11923,7 +11837,7 @@
           </a:p>
           <a:p>
             <a:r>
-              <a:rPr lang="pt-BR" sz="2400" dirty="0" smtClean="0">
+              <a:rPr lang="pt-BR" sz="2400" dirty="0">
                 <a:latin typeface="Century" panose="02040604050505020304" pitchFamily="18" charset="0"/>
               </a:rPr>
               <a:t>Medidas incoerentes.</a:t>
@@ -11931,7 +11845,7 @@
           </a:p>
           <a:p>
             <a:r>
-              <a:rPr lang="pt-BR" sz="2400" dirty="0" smtClean="0">
+              <a:rPr lang="pt-BR" sz="2400" dirty="0">
                 <a:latin typeface="Century" panose="02040604050505020304" pitchFamily="18" charset="0"/>
               </a:rPr>
               <a:t>Incompatibilidade na procura de receitas com ingredientes da sua despensa.</a:t>
@@ -11939,12 +11853,12 @@
           </a:p>
           <a:p>
             <a:r>
-              <a:rPr lang="pt-BR" sz="2400" dirty="0" smtClean="0">
+              <a:rPr lang="pt-BR" sz="2400" dirty="0">
                 <a:latin typeface="Century" panose="02040604050505020304" pitchFamily="18" charset="0"/>
               </a:rPr>
               <a:t>Sugestões deficientes de receitas.</a:t>
             </a:r>
-            <a:endParaRPr lang="pt-BR" sz="2800" dirty="0" smtClean="0">
+            <a:endParaRPr lang="pt-BR" sz="2800" dirty="0">
               <a:latin typeface="Century" panose="02040604050505020304" pitchFamily="18" charset="0"/>
             </a:endParaRPr>
           </a:p>
@@ -11966,13 +11880,6 @@
   <p:clrMapOvr>
     <a:masterClrMapping/>
   </p:clrMapOvr>
-  <p:timing>
-    <p:tnLst>
-      <p:par>
-        <p:cTn id="1" dur="indefinite" restart="never" nodeType="tmRoot"/>
-      </p:par>
-    </p:tnLst>
-  </p:timing>
 </p:sld>
 </file>
 
@@ -12016,9 +11923,6 @@
               </a:rPr>
               <a:t>Você sente alguma dificuldade de compreender receitas em livros ou sites de receitas?</a:t>
             </a:r>
-            <a:endParaRPr lang="pt-BR" sz="2400" dirty="0">
-              <a:latin typeface="Century" panose="02040604050505020304" pitchFamily="18" charset="0"/>
-            </a:endParaRPr>
           </a:p>
         </p:txBody>
       </p:sp>
@@ -12083,7 +11987,7 @@
           <a:lstStyle/>
           <a:p>
             <a:r>
-              <a:rPr lang="pt-BR" dirty="0" smtClean="0"/>
+              <a:rPr lang="pt-BR" dirty="0"/>
               <a:t>Sim</a:t>
             </a:r>
           </a:p>
@@ -12092,10 +11996,9 @@
           </a:p>
           <a:p>
             <a:r>
-              <a:rPr lang="pt-BR" dirty="0" smtClean="0"/>
+              <a:rPr lang="pt-BR" dirty="0"/>
               <a:t>Não</a:t>
             </a:r>
-            <a:endParaRPr lang="pt-BR" dirty="0"/>
           </a:p>
         </p:txBody>
       </p:sp>
@@ -12205,13 +12108,6 @@
   <p:clrMapOvr>
     <a:masterClrMapping/>
   </p:clrMapOvr>
-  <p:timing>
-    <p:tnLst>
-      <p:par>
-        <p:cTn id="1" dur="indefinite" restart="never" nodeType="tmRoot"/>
-      </p:par>
-    </p:tnLst>
-  </p:timing>
 </p:sld>
 </file>
 

--- a/projeto/LetsCook_02.pptx
+++ b/projeto/LetsCook_02.pptx
@@ -14,7 +14,7 @@
     <p:sldId id="259" r:id="rId5"/>
     <p:sldId id="277" r:id="rId6"/>
     <p:sldId id="275" r:id="rId7"/>
-    <p:sldId id="276" r:id="rId8"/>
+    <p:sldId id="278" r:id="rId8"/>
     <p:sldId id="269" r:id="rId9"/>
     <p:sldId id="271" r:id="rId10"/>
     <p:sldId id="272" r:id="rId11"/>
@@ -27,33 +27,26 @@
   <p:notesSz cx="6858000" cy="9144000"/>
   <p:embeddedFontLst>
     <p:embeddedFont>
-      <p:font typeface="Garamond" panose="02020404030301010803" pitchFamily="18" charset="0"/>
-      <p:regular r:id="rId17"/>
-      <p:bold r:id="rId18"/>
-      <p:italic r:id="rId19"/>
+      <p:font typeface="Segoe UI Black" panose="020B0A02040204020203" pitchFamily="34" charset="0"/>
+      <p:bold r:id="rId17"/>
+      <p:boldItalic r:id="rId18"/>
     </p:embeddedFont>
     <p:embeddedFont>
-      <p:font typeface="Segoe UI Black" panose="020B0A02040204020203" pitchFamily="34" charset="0"/>
+      <p:font typeface="Garamond" panose="02020404030301010803" pitchFamily="18" charset="0"/>
+      <p:regular r:id="rId19"/>
       <p:bold r:id="rId20"/>
-      <p:boldItalic r:id="rId21"/>
+      <p:italic r:id="rId21"/>
+    </p:embeddedFont>
+    <p:embeddedFont>
+      <p:font typeface="Lato" panose="020B0604020202020204" charset="0"/>
+      <p:regular r:id="rId22"/>
+      <p:bold r:id="rId23"/>
+      <p:italic r:id="rId24"/>
+      <p:boldItalic r:id="rId25"/>
     </p:embeddedFont>
     <p:embeddedFont>
       <p:font typeface="Century" panose="02040604050505020304" pitchFamily="18" charset="0"/>
-      <p:regular r:id="rId22"/>
-    </p:embeddedFont>
-    <p:embeddedFont>
-      <p:font typeface="Calibri" panose="020F0502020204030204" pitchFamily="34" charset="0"/>
-      <p:regular r:id="rId23"/>
-      <p:bold r:id="rId24"/>
-      <p:italic r:id="rId25"/>
-      <p:boldItalic r:id="rId26"/>
-    </p:embeddedFont>
-    <p:embeddedFont>
-      <p:font typeface="Lato" panose="020B0604020202020204" charset="0"/>
-      <p:regular r:id="rId27"/>
-      <p:bold r:id="rId28"/>
-      <p:italic r:id="rId29"/>
-      <p:boldItalic r:id="rId30"/>
+      <p:regular r:id="rId26"/>
     </p:embeddedFont>
   </p:embeddedFontLst>
   <p:defaultTextStyle>
@@ -1770,7 +1763,7 @@
             <a:fld id="{8E36636D-D922-432D-A958-524484B5923D}" type="datetimeFigureOut">
               <a:rPr lang="en-US" smtClean="0"/>
               <a:pPr/>
-              <a:t>10/28/2017</a:t>
+              <a:t>10/29/2017</a:t>
             </a:fld>
             <a:endParaRPr lang="en-US" dirty="0"/>
           </a:p>
@@ -2118,7 +2111,7 @@
             <a:fld id="{8E36636D-D922-432D-A958-524484B5923D}" type="datetimeFigureOut">
               <a:rPr lang="en-US" smtClean="0"/>
               <a:pPr/>
-              <a:t>10/28/2017</a:t>
+              <a:t>10/29/2017</a:t>
             </a:fld>
             <a:endParaRPr lang="en-US" dirty="0"/>
           </a:p>
@@ -2390,7 +2383,7 @@
             <a:fld id="{8E36636D-D922-432D-A958-524484B5923D}" type="datetimeFigureOut">
               <a:rPr lang="en-US" smtClean="0"/>
               <a:pPr/>
-              <a:t>10/28/2017</a:t>
+              <a:t>10/29/2017</a:t>
             </a:fld>
             <a:endParaRPr lang="en-US" dirty="0"/>
           </a:p>
@@ -2753,7 +2746,7 @@
             <a:fld id="{8E36636D-D922-432D-A958-524484B5923D}" type="datetimeFigureOut">
               <a:rPr lang="en-US" smtClean="0"/>
               <a:pPr/>
-              <a:t>10/28/2017</a:t>
+              <a:t>10/29/2017</a:t>
             </a:fld>
             <a:endParaRPr lang="en-US" dirty="0"/>
           </a:p>
@@ -3124,7 +3117,7 @@
             <a:fld id="{8E36636D-D922-432D-A958-524484B5923D}" type="datetimeFigureOut">
               <a:rPr lang="en-US" smtClean="0"/>
               <a:pPr/>
-              <a:t>10/28/2017</a:t>
+              <a:t>10/29/2017</a:t>
             </a:fld>
             <a:endParaRPr lang="en-US" dirty="0"/>
           </a:p>
@@ -3522,7 +3515,7 @@
             <a:fld id="{8E36636D-D922-432D-A958-524484B5923D}" type="datetimeFigureOut">
               <a:rPr lang="en-US" smtClean="0"/>
               <a:pPr/>
-              <a:t>10/28/2017</a:t>
+              <a:t>10/29/2017</a:t>
             </a:fld>
             <a:endParaRPr lang="en-US" dirty="0"/>
           </a:p>
@@ -4016,7 +4009,7 @@
             <a:fld id="{8E36636D-D922-432D-A958-524484B5923D}" type="datetimeFigureOut">
               <a:rPr lang="en-US" smtClean="0"/>
               <a:pPr/>
-              <a:t>10/28/2017</a:t>
+              <a:t>10/29/2017</a:t>
             </a:fld>
             <a:endParaRPr lang="en-US" dirty="0"/>
           </a:p>
@@ -4245,7 +4238,7 @@
             <a:fld id="{8E36636D-D922-432D-A958-524484B5923D}" type="datetimeFigureOut">
               <a:rPr lang="en-US" smtClean="0"/>
               <a:pPr/>
-              <a:t>10/28/2017</a:t>
+              <a:t>10/29/2017</a:t>
             </a:fld>
             <a:endParaRPr lang="en-US" dirty="0"/>
           </a:p>
@@ -4480,7 +4473,7 @@
             <a:fld id="{8E36636D-D922-432D-A958-524484B5923D}" type="datetimeFigureOut">
               <a:rPr lang="en-US" smtClean="0"/>
               <a:pPr/>
-              <a:t>10/28/2017</a:t>
+              <a:t>10/29/2017</a:t>
             </a:fld>
             <a:endParaRPr lang="en-US" dirty="0"/>
           </a:p>
@@ -5128,7 +5121,7 @@
             <a:fld id="{8E36636D-D922-432D-A958-524484B5923D}" type="datetimeFigureOut">
               <a:rPr lang="en-US" smtClean="0"/>
               <a:pPr/>
-              <a:t>10/28/2017</a:t>
+              <a:t>10/29/2017</a:t>
             </a:fld>
             <a:endParaRPr lang="en-US" dirty="0"/>
           </a:p>
@@ -5400,7 +5393,7 @@
             <a:fld id="{8E36636D-D922-432D-A958-524484B5923D}" type="datetimeFigureOut">
               <a:rPr lang="en-US" smtClean="0"/>
               <a:pPr/>
-              <a:t>10/28/2017</a:t>
+              <a:t>10/29/2017</a:t>
             </a:fld>
             <a:endParaRPr lang="en-US" dirty="0"/>
           </a:p>
@@ -5722,7 +5715,7 @@
             <a:fld id="{8E36636D-D922-432D-A958-524484B5923D}" type="datetimeFigureOut">
               <a:rPr lang="en-US" smtClean="0"/>
               <a:pPr/>
-              <a:t>10/28/2017</a:t>
+              <a:t>10/29/2017</a:t>
             </a:fld>
             <a:endParaRPr lang="en-US" dirty="0"/>
           </a:p>
@@ -6128,7 +6121,7 @@
             <a:fld id="{8E36636D-D922-432D-A958-524484B5923D}" type="datetimeFigureOut">
               <a:rPr lang="en-US" smtClean="0"/>
               <a:pPr/>
-              <a:t>10/28/2017</a:t>
+              <a:t>10/29/2017</a:t>
             </a:fld>
             <a:endParaRPr lang="en-US" dirty="0"/>
           </a:p>
@@ -6301,7 +6294,7 @@
             <a:fld id="{8E36636D-D922-432D-A958-524484B5923D}" type="datetimeFigureOut">
               <a:rPr lang="en-US" smtClean="0"/>
               <a:pPr/>
-              <a:t>10/28/2017</a:t>
+              <a:t>10/29/2017</a:t>
             </a:fld>
             <a:endParaRPr lang="en-US" dirty="0"/>
           </a:p>
@@ -6451,7 +6444,7 @@
             <a:fld id="{8E36636D-D922-432D-A958-524484B5923D}" type="datetimeFigureOut">
               <a:rPr lang="en-US" smtClean="0"/>
               <a:pPr/>
-              <a:t>10/28/2017</a:t>
+              <a:t>10/29/2017</a:t>
             </a:fld>
             <a:endParaRPr lang="en-US" dirty="0"/>
           </a:p>
@@ -6730,7 +6723,7 @@
             <a:fld id="{8E36636D-D922-432D-A958-524484B5923D}" type="datetimeFigureOut">
               <a:rPr lang="en-US" smtClean="0"/>
               <a:pPr/>
-              <a:t>10/28/2017</a:t>
+              <a:t>10/29/2017</a:t>
             </a:fld>
             <a:endParaRPr lang="en-US" dirty="0"/>
           </a:p>
@@ -7069,7 +7062,7 @@
             <a:fld id="{8E36636D-D922-432D-A958-524484B5923D}" type="datetimeFigureOut">
               <a:rPr lang="en-US" smtClean="0"/>
               <a:pPr/>
-              <a:t>10/28/2017</a:t>
+              <a:t>10/29/2017</a:t>
             </a:fld>
             <a:endParaRPr lang="en-US" dirty="0"/>
           </a:p>
@@ -7337,7 +7330,7 @@
             <a:fld id="{8E36636D-D922-432D-A958-524484B5923D}" type="datetimeFigureOut">
               <a:rPr lang="en-US" smtClean="0"/>
               <a:pPr/>
-              <a:t>10/28/2017</a:t>
+              <a:t>10/29/2017</a:t>
             </a:fld>
             <a:endParaRPr lang="en-US" dirty="0"/>
           </a:p>
@@ -7981,7 +7974,7 @@
         </p:nvSpPr>
         <p:spPr>
           <a:xfrm>
-            <a:off x="5238187" y="2679819"/>
+            <a:off x="5238187" y="2574309"/>
             <a:ext cx="3470700" cy="506100"/>
           </a:xfrm>
           <a:prstGeom prst="rect">
@@ -7994,6 +7987,29 @@
           </a:bodyPr>
           <a:lstStyle/>
           <a:p>
+            <a:pPr algn="l">
+              <a:spcBef>
+                <a:spcPts val="0"/>
+              </a:spcBef>
+            </a:pPr>
+            <a:r>
+              <a:rPr lang="pt-BR" sz="1800" dirty="0">
+                <a:latin typeface="Century" panose="02040604050505020304" pitchFamily="18" charset="0"/>
+              </a:rPr>
+              <a:t>Fabio Silva</a:t>
+            </a:r>
+            <a:r>
+              <a:rPr lang="pt-BR" sz="1800" dirty="0"/>
+              <a:t>.</a:t>
+            </a:r>
+            <a:endParaRPr lang="pt-BR" sz="1800" dirty="0">
+              <a:solidFill>
+                <a:schemeClr val="tx1"/>
+              </a:solidFill>
+              <a:latin typeface="Century" panose="02040604050505020304" pitchFamily="18" charset="0"/>
+            </a:endParaRPr>
+          </a:p>
+          <a:p>
             <a:pPr lvl="0" algn="l">
               <a:spcBef>
                 <a:spcPts val="0"/>
@@ -8005,6 +8021,19 @@
                 <a:solidFill>
                   <a:schemeClr val="tx1"/>
                 </a:solidFill>
+                <a:latin typeface="Century" panose="02040604050505020304" pitchFamily="18" charset="0"/>
+              </a:rPr>
+              <a:t>Henrique Merlin;</a:t>
+            </a:r>
+          </a:p>
+          <a:p>
+            <a:pPr lvl="0" algn="l">
+              <a:spcBef>
+                <a:spcPts val="0"/>
+              </a:spcBef>
+            </a:pPr>
+            <a:r>
+              <a:rPr lang="pt-BR" sz="1800" dirty="0">
                 <a:latin typeface="Century" panose="02040604050505020304" pitchFamily="18" charset="0"/>
               </a:rPr>
               <a:t>Marcelo Rivera;</a:t>
@@ -8015,13 +8044,9 @@
               <a:spcBef>
                 <a:spcPts val="0"/>
               </a:spcBef>
-              <a:buNone/>
             </a:pPr>
             <a:r>
               <a:rPr lang="pt-BR" sz="1800" dirty="0">
-                <a:solidFill>
-                  <a:schemeClr val="tx1"/>
-                </a:solidFill>
                 <a:latin typeface="Century" panose="02040604050505020304" pitchFamily="18" charset="0"/>
               </a:rPr>
               <a:t>Rodrigo Rivera;</a:t>
@@ -8034,41 +8059,12 @@
               </a:spcBef>
               <a:buNone/>
             </a:pPr>
-            <a:r>
-              <a:rPr lang="pt-BR" sz="1800" dirty="0">
-                <a:solidFill>
-                  <a:schemeClr val="tx1"/>
-                </a:solidFill>
-                <a:latin typeface="Century" panose="02040604050505020304" pitchFamily="18" charset="0"/>
-              </a:rPr>
-              <a:t>Henrique Merlin;</a:t>
-            </a:r>
-          </a:p>
-          <a:p>
-            <a:pPr lvl="0" algn="l">
-              <a:spcBef>
-                <a:spcPts val="0"/>
-              </a:spcBef>
-              <a:buNone/>
-            </a:pPr>
-            <a:r>
-              <a:rPr lang="pt-BR" sz="1800" dirty="0">
-                <a:solidFill>
-                  <a:schemeClr val="tx1"/>
-                </a:solidFill>
-                <a:latin typeface="Century" panose="02040604050505020304" pitchFamily="18" charset="0"/>
-              </a:rPr>
-              <a:t>Fabio Silva</a:t>
-            </a:r>
-            <a:r>
-              <a:rPr lang="pt-BR" sz="1800" dirty="0">
-                <a:solidFill>
-                  <a:schemeClr val="tx1"/>
-                </a:solidFill>
-                <a:latin typeface="+mj-lt"/>
-              </a:rPr>
-              <a:t>.</a:t>
-            </a:r>
+            <a:endParaRPr lang="pt-BR" sz="1800" dirty="0">
+              <a:solidFill>
+                <a:schemeClr val="tx1"/>
+              </a:solidFill>
+              <a:latin typeface="+mj-lt"/>
+            </a:endParaRPr>
           </a:p>
         </p:txBody>
       </p:sp>
@@ -8160,7 +8156,13 @@
       </p:sp>
       <p:pic>
         <p:nvPicPr>
-          <p:cNvPr id="8" name="Content Placeholder 7"/>
+          <p:cNvPr id="14" name="Espaço Reservado para Conteúdo 13">
+            <a:extLst>
+              <a:ext uri="{FF2B5EF4-FFF2-40B4-BE49-F238E27FC236}">
+                <a16:creationId xmlns:a16="http://schemas.microsoft.com/office/drawing/2014/main" id="{BB401C2E-216A-40B2-8517-0F5861A45705}"/>
+              </a:ext>
+            </a:extLst>
+          </p:cNvPr>
           <p:cNvPicPr>
             <a:picLocks noGrp="1" noChangeAspect="1"/>
           </p:cNvPicPr>
@@ -8169,36 +8171,27 @@
           </p:nvPr>
         </p:nvPicPr>
         <p:blipFill>
-          <a:blip r:embed="rId2">
-            <a:extLst>
-              <a:ext uri="{28A0092B-C50C-407E-A947-70E740481C1C}">
-                <a14:useLocalDpi xmlns:a14="http://schemas.microsoft.com/office/drawing/2010/main" val="0"/>
-              </a:ext>
-            </a:extLst>
-          </a:blip>
+          <a:blip r:embed="rId2"/>
           <a:stretch>
             <a:fillRect/>
           </a:stretch>
         </p:blipFill>
         <p:spPr>
           <a:xfrm>
-            <a:off x="1371602" y="1928667"/>
-            <a:ext cx="2867023" cy="2741826"/>
-          </a:xfrm>
-          <a:prstGeom prst="ellipse">
-            <a:avLst/>
-          </a:prstGeom>
-          <a:ln>
-            <a:noFill/>
-          </a:ln>
-          <a:effectLst>
-            <a:softEdge rad="112500"/>
-          </a:effectLst>
+            <a:off x="1342802" y="1894364"/>
+            <a:ext cx="2654778" cy="2489200"/>
+          </a:xfrm>
         </p:spPr>
       </p:pic>
       <p:sp>
         <p:nvSpPr>
-          <p:cNvPr id="10" name="TextBox 9"/>
+          <p:cNvPr id="15" name="TextBox 4">
+            <a:extLst>
+              <a:ext uri="{FF2B5EF4-FFF2-40B4-BE49-F238E27FC236}">
+                <a16:creationId xmlns:a16="http://schemas.microsoft.com/office/drawing/2014/main" id="{55695796-5C19-4D70-AE64-D30018DDDF2C}"/>
+              </a:ext>
+            </a:extLst>
+          </p:cNvPr>
           <p:cNvSpPr txBox="1"/>
           <p:nvPr/>
         </p:nvSpPr>
@@ -8236,7 +8229,13 @@
       </p:sp>
       <p:sp>
         <p:nvSpPr>
-          <p:cNvPr id="11" name="Oval 10"/>
+          <p:cNvPr id="16" name="Oval 5">
+            <a:extLst>
+              <a:ext uri="{FF2B5EF4-FFF2-40B4-BE49-F238E27FC236}">
+                <a16:creationId xmlns:a16="http://schemas.microsoft.com/office/drawing/2014/main" id="{C4DACA1A-6553-4A2F-B625-883AC195F322}"/>
+              </a:ext>
+            </a:extLst>
+          </p:cNvPr>
           <p:cNvSpPr/>
           <p:nvPr/>
         </p:nvSpPr>
@@ -8249,11 +8248,11 @@
             <a:avLst/>
           </a:prstGeom>
           <a:solidFill>
-            <a:srgbClr val="3366CC"/>
+            <a:srgbClr val="B0875C"/>
           </a:solidFill>
           <a:ln>
             <a:solidFill>
-              <a:srgbClr val="3366CC"/>
+              <a:srgbClr val="B0875C"/>
             </a:solidFill>
           </a:ln>
         </p:spPr>
@@ -8284,7 +8283,13 @@
       </p:sp>
       <p:sp>
         <p:nvSpPr>
-          <p:cNvPr id="12" name="Oval 11"/>
+          <p:cNvPr id="17" name="Oval 6">
+            <a:extLst>
+              <a:ext uri="{FF2B5EF4-FFF2-40B4-BE49-F238E27FC236}">
+                <a16:creationId xmlns:a16="http://schemas.microsoft.com/office/drawing/2014/main" id="{A04E15A2-1C51-4C6E-A4C4-9232E4FCFF91}"/>
+              </a:ext>
+            </a:extLst>
+          </p:cNvPr>
           <p:cNvSpPr/>
           <p:nvPr/>
         </p:nvSpPr>
@@ -8297,11 +8302,11 @@
             <a:avLst/>
           </a:prstGeom>
           <a:solidFill>
-            <a:srgbClr val="DC3912"/>
+            <a:srgbClr val="DBB690"/>
           </a:solidFill>
           <a:ln>
             <a:solidFill>
-              <a:srgbClr val="DC3912"/>
+              <a:srgbClr val="DBB690"/>
             </a:solidFill>
           </a:ln>
         </p:spPr>
@@ -8934,8 +8939,8 @@
         </p:nvSpPr>
         <p:spPr>
           <a:xfrm>
-            <a:off x="1297501" y="653450"/>
-            <a:ext cx="6572870" cy="914100"/>
+            <a:off x="1775617" y="653450"/>
+            <a:ext cx="5612725" cy="724701"/>
           </a:xfrm>
           <a:prstGeom prst="roundRect">
             <a:avLst/>
@@ -9006,7 +9011,7 @@
               <a:buNone/>
             </a:pPr>
             <a:r>
-              <a:rPr lang="pt-BR" sz="4400" dirty="0">
+              <a:rPr lang="pt-BR" sz="3200" dirty="0">
                 <a:latin typeface="Century" panose="02040604050505020304" pitchFamily="18" charset="0"/>
               </a:rPr>
               <a:t>Tecnologias Utilizadas</a:t>
@@ -9016,28 +9021,28 @@
       </p:sp>
       <p:pic>
         <p:nvPicPr>
-          <p:cNvPr id="3" name="Imagem 2"/>
+          <p:cNvPr id="5" name="Imagem 4">
+            <a:extLst>
+              <a:ext uri="{FF2B5EF4-FFF2-40B4-BE49-F238E27FC236}">
+                <a16:creationId xmlns:a16="http://schemas.microsoft.com/office/drawing/2014/main" id="{72FB85B8-146D-4C36-99F2-4CB3F528ACA3}"/>
+              </a:ext>
+            </a:extLst>
+          </p:cNvPr>
           <p:cNvPicPr>
             <a:picLocks noChangeAspect="1"/>
           </p:cNvPicPr>
           <p:nvPr/>
         </p:nvPicPr>
         <p:blipFill>
-          <a:blip r:embed="rId3">
-            <a:extLst>
-              <a:ext uri="{28A0092B-C50C-407E-A947-70E740481C1C}">
-                <a14:useLocalDpi xmlns:a14="http://schemas.microsoft.com/office/drawing/2010/main" val="0"/>
-              </a:ext>
-            </a:extLst>
-          </a:blip>
+          <a:blip r:embed="rId3"/>
           <a:stretch>
             <a:fillRect/>
           </a:stretch>
         </p:blipFill>
         <p:spPr>
           <a:xfrm>
-            <a:off x="671158" y="1892649"/>
-            <a:ext cx="7897829" cy="2137246"/>
+            <a:off x="1775617" y="1718173"/>
+            <a:ext cx="5612725" cy="2882569"/>
           </a:xfrm>
           <a:prstGeom prst="rect">
             <a:avLst/>
@@ -10233,12 +10238,58 @@
           </a:p>
         </p:txBody>
       </p:sp>
+      <p:sp>
+        <p:nvSpPr>
+          <p:cNvPr id="12" name="CaixaDeTexto 11">
+            <a:extLst>
+              <a:ext uri="{FF2B5EF4-FFF2-40B4-BE49-F238E27FC236}">
+                <a16:creationId xmlns:a16="http://schemas.microsoft.com/office/drawing/2014/main" id="{282D3EAE-51F2-4171-A320-4B5E8FB2A4EB}"/>
+              </a:ext>
+            </a:extLst>
+          </p:cNvPr>
+          <p:cNvSpPr txBox="1"/>
+          <p:nvPr/>
+        </p:nvSpPr>
+        <p:spPr>
+          <a:xfrm>
+            <a:off x="2952190" y="3812469"/>
+            <a:ext cx="2661306" cy="615553"/>
+          </a:xfrm>
+          <a:prstGeom prst="rect">
+            <a:avLst/>
+          </a:prstGeom>
+          <a:noFill/>
+        </p:spPr>
+        <p:txBody>
+          <a:bodyPr wrap="none" rtlCol="0">
+            <a:spAutoFit/>
+          </a:bodyPr>
+          <a:lstStyle/>
+          <a:p>
+            <a:r>
+              <a:rPr lang="pt-BR" sz="2000" dirty="0">
+                <a:solidFill>
+                  <a:schemeClr val="tx1">
+                    <a:lumMod val="85000"/>
+                    <a:lumOff val="15000"/>
+                  </a:schemeClr>
+                </a:solidFill>
+                <a:latin typeface="Century" panose="02040604050505020304" pitchFamily="18" charset="0"/>
+              </a:rPr>
+              <a:t>Publicar uma receita</a:t>
+            </a:r>
+          </a:p>
+          <a:p>
+            <a:endParaRPr lang="pt-BR" dirty="0"/>
+          </a:p>
+        </p:txBody>
+      </p:sp>
       <p:pic>
         <p:nvPicPr>
-          <p:cNvPr id="11" name="Imagem 10">
+          <p:cNvPr id="3" name="Imagem 2">
             <a:extLst>
               <a:ext uri="{FF2B5EF4-FFF2-40B4-BE49-F238E27FC236}">
-                <a16:creationId xmlns:a16="http://schemas.microsoft.com/office/drawing/2014/main" id="{5F5F1344-68C3-4942-85D2-A86FE75A3017}"/>
+                <a16:creationId xmlns:a16="http://schemas.microsoft.com/office/drawing/2014/main" id="{C4534E17-B9BE-43AC-80C8-73E633B456EF}"/>
               </a:ext>
             </a:extLst>
           </p:cNvPr>
@@ -10255,8 +10306,8 @@
         </p:blipFill>
         <p:spPr>
           <a:xfrm>
-            <a:off x="1505651" y="367863"/>
-            <a:ext cx="1273471" cy="4414344"/>
+            <a:off x="1484143" y="365760"/>
+            <a:ext cx="1252010" cy="4413196"/>
           </a:xfrm>
           <a:prstGeom prst="rect">
             <a:avLst/>
@@ -10269,52 +10320,6 @@
           </a:effectLst>
         </p:spPr>
       </p:pic>
-      <p:sp>
-        <p:nvSpPr>
-          <p:cNvPr id="12" name="CaixaDeTexto 11">
-            <a:extLst>
-              <a:ext uri="{FF2B5EF4-FFF2-40B4-BE49-F238E27FC236}">
-                <a16:creationId xmlns:a16="http://schemas.microsoft.com/office/drawing/2014/main" id="{282D3EAE-51F2-4171-A320-4B5E8FB2A4EB}"/>
-              </a:ext>
-            </a:extLst>
-          </p:cNvPr>
-          <p:cNvSpPr txBox="1"/>
-          <p:nvPr/>
-        </p:nvSpPr>
-        <p:spPr>
-          <a:xfrm>
-            <a:off x="2952190" y="3812469"/>
-            <a:ext cx="2661306" cy="615553"/>
-          </a:xfrm>
-          <a:prstGeom prst="rect">
-            <a:avLst/>
-          </a:prstGeom>
-          <a:noFill/>
-        </p:spPr>
-        <p:txBody>
-          <a:bodyPr wrap="none" rtlCol="0">
-            <a:spAutoFit/>
-          </a:bodyPr>
-          <a:lstStyle/>
-          <a:p>
-            <a:r>
-              <a:rPr lang="pt-BR" sz="2000" dirty="0">
-                <a:solidFill>
-                  <a:schemeClr val="tx1">
-                    <a:lumMod val="85000"/>
-                    <a:lumOff val="15000"/>
-                  </a:schemeClr>
-                </a:solidFill>
-                <a:latin typeface="Century" panose="02040604050505020304" pitchFamily="18" charset="0"/>
-              </a:rPr>
-              <a:t>Publicar uma receita</a:t>
-            </a:r>
-          </a:p>
-          <a:p>
-            <a:endParaRPr lang="pt-BR" dirty="0"/>
-          </a:p>
-        </p:txBody>
-      </p:sp>
     </p:spTree>
     <p:extLst>
       <p:ext uri="{BB962C8B-B14F-4D97-AF65-F5344CB8AC3E}">
@@ -10466,1078 +10471,68 @@
           <a:chExt cx="0" cy="0"/>
         </a:xfrm>
       </p:grpSpPr>
-      <p:graphicFrame>
-        <p:nvGraphicFramePr>
-          <p:cNvPr id="5" name="Table 4"/>
-          <p:cNvGraphicFramePr>
-            <a:graphicFrameLocks noGrp="1"/>
-          </p:cNvGraphicFramePr>
-          <p:nvPr>
-            <p:extLst>
-              <p:ext uri="{D42A27DB-BD31-4B8C-83A1-F6EECF244321}">
-                <p14:modId xmlns:p14="http://schemas.microsoft.com/office/powerpoint/2010/main" val="3291941523"/>
-              </p:ext>
-            </p:extLst>
-          </p:nvPr>
-        </p:nvGraphicFramePr>
-        <p:xfrm>
-          <a:off x="872837" y="1510143"/>
-          <a:ext cx="7398327" cy="2112561"/>
-        </p:xfrm>
-        <a:graphic>
-          <a:graphicData uri="http://schemas.openxmlformats.org/drawingml/2006/table">
-            <a:tbl>
-              <a:tblPr firstRow="1" firstCol="1" bandRow="1">
-                <a:tableStyleId>{5C22544A-7EE6-4342-B048-85BDC9FD1C3A}</a:tableStyleId>
-              </a:tblPr>
-              <a:tblGrid>
-                <a:gridCol w="1635823">
-                  <a:extLst>
-                    <a:ext uri="{9D8B030D-6E8A-4147-A177-3AD203B41FA5}">
-                      <a16:colId xmlns:a16="http://schemas.microsoft.com/office/drawing/2014/main" val="252477148"/>
-                    </a:ext>
-                  </a:extLst>
-                </a:gridCol>
-                <a:gridCol w="1014130">
-                  <a:extLst>
-                    <a:ext uri="{9D8B030D-6E8A-4147-A177-3AD203B41FA5}">
-                      <a16:colId xmlns:a16="http://schemas.microsoft.com/office/drawing/2014/main" val="3837534258"/>
-                    </a:ext>
-                  </a:extLst>
-                </a:gridCol>
-                <a:gridCol w="1293973">
-                  <a:extLst>
-                    <a:ext uri="{9D8B030D-6E8A-4147-A177-3AD203B41FA5}">
-                      <a16:colId xmlns:a16="http://schemas.microsoft.com/office/drawing/2014/main" val="2720574389"/>
-                    </a:ext>
-                  </a:extLst>
-                </a:gridCol>
-                <a:gridCol w="1140589">
-                  <a:extLst>
-                    <a:ext uri="{9D8B030D-6E8A-4147-A177-3AD203B41FA5}">
-                      <a16:colId xmlns:a16="http://schemas.microsoft.com/office/drawing/2014/main" val="44416029"/>
-                    </a:ext>
-                  </a:extLst>
-                </a:gridCol>
-                <a:gridCol w="930094">
-                  <a:extLst>
-                    <a:ext uri="{9D8B030D-6E8A-4147-A177-3AD203B41FA5}">
-                      <a16:colId xmlns:a16="http://schemas.microsoft.com/office/drawing/2014/main" val="3425231591"/>
-                    </a:ext>
-                  </a:extLst>
-                </a:gridCol>
-                <a:gridCol w="1383718">
-                  <a:extLst>
-                    <a:ext uri="{9D8B030D-6E8A-4147-A177-3AD203B41FA5}">
-                      <a16:colId xmlns:a16="http://schemas.microsoft.com/office/drawing/2014/main" val="530948326"/>
-                    </a:ext>
-                  </a:extLst>
-                </a:gridCol>
-              </a:tblGrid>
-              <a:tr h="429493">
-                <a:tc>
-                  <a:txBody>
-                    <a:bodyPr/>
-                    <a:lstStyle/>
-                    <a:p>
-                      <a:pPr algn="ctr">
-                        <a:lnSpc>
-                          <a:spcPct val="115000"/>
-                        </a:lnSpc>
-                        <a:spcAft>
-                          <a:spcPts val="0"/>
-                        </a:spcAft>
-                      </a:pPr>
-                      <a:r>
-                        <a:rPr lang="pt-BR" sz="1100" dirty="0">
-                          <a:effectLst/>
-                        </a:rPr>
-                        <a:t>Site / Aplicativos</a:t>
-                      </a:r>
-                      <a:endParaRPr lang="pt-BR" sz="1100" dirty="0">
-                        <a:effectLst/>
-                        <a:latin typeface="Calibri" panose="020F0502020204030204" pitchFamily="34" charset="0"/>
-                        <a:ea typeface="Calibri" panose="020F0502020204030204" pitchFamily="34" charset="0"/>
-                        <a:cs typeface="Times New Roman" panose="02020603050405020304" pitchFamily="18" charset="0"/>
-                      </a:endParaRPr>
-                    </a:p>
-                  </a:txBody>
-                  <a:tcPr marL="68580" marR="68580" marT="0" marB="0"/>
-                </a:tc>
-                <a:tc>
-                  <a:txBody>
-                    <a:bodyPr/>
-                    <a:lstStyle/>
-                    <a:p>
-                      <a:pPr algn="ctr">
-                        <a:lnSpc>
-                          <a:spcPct val="115000"/>
-                        </a:lnSpc>
-                        <a:spcAft>
-                          <a:spcPts val="0"/>
-                        </a:spcAft>
-                      </a:pPr>
-                      <a:r>
-                        <a:rPr lang="pt-BR" sz="1100" dirty="0">
-                          <a:effectLst/>
-                        </a:rPr>
-                        <a:t>Buscar Receitas</a:t>
-                      </a:r>
-                      <a:endParaRPr lang="pt-BR" sz="1100" dirty="0">
-                        <a:effectLst/>
-                        <a:latin typeface="Calibri" panose="020F0502020204030204" pitchFamily="34" charset="0"/>
-                        <a:ea typeface="Calibri" panose="020F0502020204030204" pitchFamily="34" charset="0"/>
-                        <a:cs typeface="Times New Roman" panose="02020603050405020304" pitchFamily="18" charset="0"/>
-                      </a:endParaRPr>
-                    </a:p>
-                  </a:txBody>
-                  <a:tcPr marL="68580" marR="68580" marT="0" marB="0"/>
-                </a:tc>
-                <a:tc>
-                  <a:txBody>
-                    <a:bodyPr/>
-                    <a:lstStyle/>
-                    <a:p>
-                      <a:pPr algn="ctr">
-                        <a:lnSpc>
-                          <a:spcPct val="115000"/>
-                        </a:lnSpc>
-                        <a:spcAft>
-                          <a:spcPts val="0"/>
-                        </a:spcAft>
-                      </a:pPr>
-                      <a:r>
-                        <a:rPr lang="pt-BR" sz="1100">
-                          <a:effectLst/>
-                        </a:rPr>
-                        <a:t>Publicar Receitas</a:t>
-                      </a:r>
-                      <a:endParaRPr lang="pt-BR" sz="1100">
-                        <a:effectLst/>
-                        <a:latin typeface="Calibri" panose="020F0502020204030204" pitchFamily="34" charset="0"/>
-                        <a:ea typeface="Calibri" panose="020F0502020204030204" pitchFamily="34" charset="0"/>
-                        <a:cs typeface="Times New Roman" panose="02020603050405020304" pitchFamily="18" charset="0"/>
-                      </a:endParaRPr>
-                    </a:p>
-                  </a:txBody>
-                  <a:tcPr marL="68580" marR="68580" marT="0" marB="0"/>
-                </a:tc>
-                <a:tc>
-                  <a:txBody>
-                    <a:bodyPr/>
-                    <a:lstStyle/>
-                    <a:p>
-                      <a:pPr algn="ctr">
-                        <a:lnSpc>
-                          <a:spcPct val="115000"/>
-                        </a:lnSpc>
-                        <a:spcAft>
-                          <a:spcPts val="0"/>
-                        </a:spcAft>
-                      </a:pPr>
-                      <a:r>
-                        <a:rPr lang="pt-BR" sz="1100">
-                          <a:effectLst/>
-                        </a:rPr>
-                        <a:t>Despensa</a:t>
-                      </a:r>
-                      <a:endParaRPr lang="pt-BR" sz="1100">
-                        <a:effectLst/>
-                        <a:latin typeface="Calibri" panose="020F0502020204030204" pitchFamily="34" charset="0"/>
-                        <a:ea typeface="Calibri" panose="020F0502020204030204" pitchFamily="34" charset="0"/>
-                        <a:cs typeface="Times New Roman" panose="02020603050405020304" pitchFamily="18" charset="0"/>
-                      </a:endParaRPr>
-                    </a:p>
-                  </a:txBody>
-                  <a:tcPr marL="68580" marR="68580" marT="0" marB="0"/>
-                </a:tc>
-                <a:tc>
-                  <a:txBody>
-                    <a:bodyPr/>
-                    <a:lstStyle/>
-                    <a:p>
-                      <a:pPr algn="ctr">
-                        <a:lnSpc>
-                          <a:spcPct val="115000"/>
-                        </a:lnSpc>
-                        <a:spcAft>
-                          <a:spcPts val="0"/>
-                        </a:spcAft>
-                      </a:pPr>
-                      <a:r>
-                        <a:rPr lang="pt-BR" sz="1100">
-                          <a:effectLst/>
-                        </a:rPr>
-                        <a:t>Lista de compras</a:t>
-                      </a:r>
-                      <a:endParaRPr lang="pt-BR" sz="1100">
-                        <a:effectLst/>
-                        <a:latin typeface="Calibri" panose="020F0502020204030204" pitchFamily="34" charset="0"/>
-                        <a:ea typeface="Calibri" panose="020F0502020204030204" pitchFamily="34" charset="0"/>
-                        <a:cs typeface="Times New Roman" panose="02020603050405020304" pitchFamily="18" charset="0"/>
-                      </a:endParaRPr>
-                    </a:p>
-                  </a:txBody>
-                  <a:tcPr marL="68580" marR="68580" marT="0" marB="0"/>
-                </a:tc>
-                <a:tc>
-                  <a:txBody>
-                    <a:bodyPr/>
-                    <a:lstStyle/>
-                    <a:p>
-                      <a:pPr algn="ctr">
-                        <a:lnSpc>
-                          <a:spcPct val="115000"/>
-                        </a:lnSpc>
-                        <a:spcAft>
-                          <a:spcPts val="0"/>
-                        </a:spcAft>
-                      </a:pPr>
-                      <a:r>
-                        <a:rPr lang="pt-BR" sz="1100">
-                          <a:effectLst/>
-                        </a:rPr>
-                        <a:t>Preparo interativo</a:t>
-                      </a:r>
-                      <a:endParaRPr lang="pt-BR" sz="1100">
-                        <a:effectLst/>
-                        <a:latin typeface="Calibri" panose="020F0502020204030204" pitchFamily="34" charset="0"/>
-                        <a:ea typeface="Calibri" panose="020F0502020204030204" pitchFamily="34" charset="0"/>
-                        <a:cs typeface="Times New Roman" panose="02020603050405020304" pitchFamily="18" charset="0"/>
-                      </a:endParaRPr>
-                    </a:p>
-                  </a:txBody>
-                  <a:tcPr marL="68580" marR="68580" marT="0" marB="0"/>
-                </a:tc>
-                <a:extLst>
-                  <a:ext uri="{0D108BD9-81ED-4DB2-BD59-A6C34878D82A}">
-                    <a16:rowId xmlns:a16="http://schemas.microsoft.com/office/drawing/2014/main" val="1504029584"/>
-                  </a:ext>
-                </a:extLst>
-              </a:tr>
-              <a:tr h="293320">
-                <a:tc>
-                  <a:txBody>
-                    <a:bodyPr/>
-                    <a:lstStyle/>
-                    <a:p>
-                      <a:pPr algn="ctr">
-                        <a:spcAft>
-                          <a:spcPts val="1000"/>
-                        </a:spcAft>
-                      </a:pPr>
-                      <a:r>
-                        <a:rPr lang="pt-BR" sz="1100" dirty="0">
-                          <a:effectLst/>
-                        </a:rPr>
-                        <a:t>Let’s Cook</a:t>
-                      </a:r>
-                      <a:endParaRPr lang="pt-BR" sz="1100" dirty="0">
-                        <a:effectLst/>
-                        <a:latin typeface="Calibri" panose="020F0502020204030204" pitchFamily="34" charset="0"/>
-                        <a:ea typeface="Times New Roman" panose="02020603050405020304" pitchFamily="18" charset="0"/>
-                        <a:cs typeface="Times New Roman" panose="02020603050405020304" pitchFamily="18" charset="0"/>
-                      </a:endParaRPr>
-                    </a:p>
-                  </a:txBody>
-                  <a:tcPr marL="68580" marR="68580" marT="0" marB="0"/>
-                </a:tc>
-                <a:tc>
-                  <a:txBody>
-                    <a:bodyPr/>
-                    <a:lstStyle/>
-                    <a:p>
-                      <a:pPr algn="ctr">
-                        <a:spcAft>
-                          <a:spcPts val="1000"/>
-                        </a:spcAft>
-                      </a:pPr>
-                      <a:r>
-                        <a:rPr lang="pt-BR" sz="1100" dirty="0">
-                          <a:effectLst/>
-                        </a:rPr>
-                        <a:t>X</a:t>
-                      </a:r>
-                      <a:endParaRPr lang="pt-BR" sz="1100" dirty="0">
-                        <a:effectLst/>
-                        <a:latin typeface="Calibri" panose="020F0502020204030204" pitchFamily="34" charset="0"/>
-                        <a:ea typeface="Times New Roman" panose="02020603050405020304" pitchFamily="18" charset="0"/>
-                        <a:cs typeface="Times New Roman" panose="02020603050405020304" pitchFamily="18" charset="0"/>
-                      </a:endParaRPr>
-                    </a:p>
-                  </a:txBody>
-                  <a:tcPr marL="68580" marR="68580" marT="0" marB="0"/>
-                </a:tc>
-                <a:tc>
-                  <a:txBody>
-                    <a:bodyPr/>
-                    <a:lstStyle/>
-                    <a:p>
-                      <a:pPr algn="ctr">
-                        <a:spcAft>
-                          <a:spcPts val="1000"/>
-                        </a:spcAft>
-                      </a:pPr>
-                      <a:r>
-                        <a:rPr lang="pt-BR" sz="1100">
-                          <a:effectLst/>
-                        </a:rPr>
-                        <a:t>X</a:t>
-                      </a:r>
-                      <a:endParaRPr lang="pt-BR" sz="1100">
-                        <a:effectLst/>
-                        <a:latin typeface="Calibri" panose="020F0502020204030204" pitchFamily="34" charset="0"/>
-                        <a:ea typeface="Times New Roman" panose="02020603050405020304" pitchFamily="18" charset="0"/>
-                        <a:cs typeface="Times New Roman" panose="02020603050405020304" pitchFamily="18" charset="0"/>
-                      </a:endParaRPr>
-                    </a:p>
-                  </a:txBody>
-                  <a:tcPr marL="68580" marR="68580" marT="0" marB="0"/>
-                </a:tc>
-                <a:tc>
-                  <a:txBody>
-                    <a:bodyPr/>
-                    <a:lstStyle/>
-                    <a:p>
-                      <a:pPr algn="ctr">
-                        <a:spcAft>
-                          <a:spcPts val="1000"/>
-                        </a:spcAft>
-                      </a:pPr>
-                      <a:r>
-                        <a:rPr lang="pt-BR" sz="1100">
-                          <a:effectLst/>
-                        </a:rPr>
-                        <a:t>X</a:t>
-                      </a:r>
-                      <a:endParaRPr lang="pt-BR" sz="1100">
-                        <a:effectLst/>
-                        <a:latin typeface="Calibri" panose="020F0502020204030204" pitchFamily="34" charset="0"/>
-                        <a:ea typeface="Times New Roman" panose="02020603050405020304" pitchFamily="18" charset="0"/>
-                        <a:cs typeface="Times New Roman" panose="02020603050405020304" pitchFamily="18" charset="0"/>
-                      </a:endParaRPr>
-                    </a:p>
-                  </a:txBody>
-                  <a:tcPr marL="68580" marR="68580" marT="0" marB="0"/>
-                </a:tc>
-                <a:tc>
-                  <a:txBody>
-                    <a:bodyPr/>
-                    <a:lstStyle/>
-                    <a:p>
-                      <a:pPr algn="ctr">
-                        <a:spcAft>
-                          <a:spcPts val="1000"/>
-                        </a:spcAft>
-                      </a:pPr>
-                      <a:r>
-                        <a:rPr lang="pt-BR" sz="1100">
-                          <a:effectLst/>
-                        </a:rPr>
-                        <a:t>X</a:t>
-                      </a:r>
-                      <a:endParaRPr lang="pt-BR" sz="1100">
-                        <a:effectLst/>
-                        <a:latin typeface="Calibri" panose="020F0502020204030204" pitchFamily="34" charset="0"/>
-                        <a:ea typeface="Times New Roman" panose="02020603050405020304" pitchFamily="18" charset="0"/>
-                        <a:cs typeface="Times New Roman" panose="02020603050405020304" pitchFamily="18" charset="0"/>
-                      </a:endParaRPr>
-                    </a:p>
-                  </a:txBody>
-                  <a:tcPr marL="68580" marR="68580" marT="0" marB="0"/>
-                </a:tc>
-                <a:tc>
-                  <a:txBody>
-                    <a:bodyPr/>
-                    <a:lstStyle/>
-                    <a:p>
-                      <a:pPr algn="ctr">
-                        <a:spcAft>
-                          <a:spcPts val="1000"/>
-                        </a:spcAft>
-                      </a:pPr>
-                      <a:r>
-                        <a:rPr lang="pt-BR" sz="1100">
-                          <a:effectLst/>
-                        </a:rPr>
-                        <a:t>X</a:t>
-                      </a:r>
-                      <a:endParaRPr lang="pt-BR" sz="1100">
-                        <a:effectLst/>
-                        <a:latin typeface="Calibri" panose="020F0502020204030204" pitchFamily="34" charset="0"/>
-                        <a:ea typeface="Times New Roman" panose="02020603050405020304" pitchFamily="18" charset="0"/>
-                        <a:cs typeface="Times New Roman" panose="02020603050405020304" pitchFamily="18" charset="0"/>
-                      </a:endParaRPr>
-                    </a:p>
-                  </a:txBody>
-                  <a:tcPr marL="68580" marR="68580" marT="0" marB="0"/>
-                </a:tc>
-                <a:extLst>
-                  <a:ext uri="{0D108BD9-81ED-4DB2-BD59-A6C34878D82A}">
-                    <a16:rowId xmlns:a16="http://schemas.microsoft.com/office/drawing/2014/main" val="4179223843"/>
-                  </a:ext>
-                </a:extLst>
-              </a:tr>
-              <a:tr h="325582">
-                <a:tc>
-                  <a:txBody>
-                    <a:bodyPr/>
-                    <a:lstStyle/>
-                    <a:p>
-                      <a:pPr algn="ctr">
-                        <a:spcAft>
-                          <a:spcPts val="1000"/>
-                        </a:spcAft>
-                      </a:pPr>
-                      <a:r>
-                        <a:rPr lang="pt-BR" sz="1100" dirty="0">
-                          <a:effectLst/>
-                        </a:rPr>
-                        <a:t>Tudo Gostoso</a:t>
-                      </a:r>
-                      <a:endParaRPr lang="pt-BR" sz="1100" dirty="0">
-                        <a:effectLst/>
-                        <a:latin typeface="Calibri" panose="020F0502020204030204" pitchFamily="34" charset="0"/>
-                        <a:ea typeface="Times New Roman" panose="02020603050405020304" pitchFamily="18" charset="0"/>
-                        <a:cs typeface="Times New Roman" panose="02020603050405020304" pitchFamily="18" charset="0"/>
-                      </a:endParaRPr>
-                    </a:p>
-                  </a:txBody>
-                  <a:tcPr marL="68580" marR="68580" marT="0" marB="0"/>
-                </a:tc>
-                <a:tc>
-                  <a:txBody>
-                    <a:bodyPr/>
-                    <a:lstStyle/>
-                    <a:p>
-                      <a:pPr algn="ctr">
-                        <a:spcAft>
-                          <a:spcPts val="1000"/>
-                        </a:spcAft>
-                      </a:pPr>
-                      <a:r>
-                        <a:rPr lang="pt-BR" sz="1100">
-                          <a:effectLst/>
-                        </a:rPr>
-                        <a:t>X</a:t>
-                      </a:r>
-                      <a:endParaRPr lang="pt-BR" sz="1100">
-                        <a:effectLst/>
-                        <a:latin typeface="Calibri" panose="020F0502020204030204" pitchFamily="34" charset="0"/>
-                        <a:ea typeface="Times New Roman" panose="02020603050405020304" pitchFamily="18" charset="0"/>
-                        <a:cs typeface="Times New Roman" panose="02020603050405020304" pitchFamily="18" charset="0"/>
-                      </a:endParaRPr>
-                    </a:p>
-                  </a:txBody>
-                  <a:tcPr marL="68580" marR="68580" marT="0" marB="0"/>
-                </a:tc>
-                <a:tc>
-                  <a:txBody>
-                    <a:bodyPr/>
-                    <a:lstStyle/>
-                    <a:p>
-                      <a:pPr algn="ctr">
-                        <a:spcAft>
-                          <a:spcPts val="1000"/>
-                        </a:spcAft>
-                      </a:pPr>
-                      <a:r>
-                        <a:rPr lang="pt-BR" sz="1100" dirty="0">
-                          <a:effectLst/>
-                        </a:rPr>
-                        <a:t>X</a:t>
-                      </a:r>
-                      <a:endParaRPr lang="pt-BR" sz="1100" dirty="0">
-                        <a:effectLst/>
-                        <a:latin typeface="Calibri" panose="020F0502020204030204" pitchFamily="34" charset="0"/>
-                        <a:ea typeface="Times New Roman" panose="02020603050405020304" pitchFamily="18" charset="0"/>
-                        <a:cs typeface="Times New Roman" panose="02020603050405020304" pitchFamily="18" charset="0"/>
-                      </a:endParaRPr>
-                    </a:p>
-                  </a:txBody>
-                  <a:tcPr marL="68580" marR="68580" marT="0" marB="0"/>
-                </a:tc>
-                <a:tc>
-                  <a:txBody>
-                    <a:bodyPr/>
-                    <a:lstStyle/>
-                    <a:p>
-                      <a:pPr algn="ctr">
-                        <a:spcAft>
-                          <a:spcPts val="1000"/>
-                        </a:spcAft>
-                      </a:pPr>
-                      <a:r>
-                        <a:rPr lang="pt-BR" sz="1100">
-                          <a:effectLst/>
-                        </a:rPr>
-                        <a:t> </a:t>
-                      </a:r>
-                      <a:endParaRPr lang="pt-BR" sz="1100">
-                        <a:effectLst/>
-                        <a:latin typeface="Calibri" panose="020F0502020204030204" pitchFamily="34" charset="0"/>
-                        <a:ea typeface="Times New Roman" panose="02020603050405020304" pitchFamily="18" charset="0"/>
-                        <a:cs typeface="Times New Roman" panose="02020603050405020304" pitchFamily="18" charset="0"/>
-                      </a:endParaRPr>
-                    </a:p>
-                  </a:txBody>
-                  <a:tcPr marL="68580" marR="68580" marT="0" marB="0"/>
-                </a:tc>
-                <a:tc>
-                  <a:txBody>
-                    <a:bodyPr/>
-                    <a:lstStyle/>
-                    <a:p>
-                      <a:pPr algn="ctr">
-                        <a:spcAft>
-                          <a:spcPts val="1000"/>
-                        </a:spcAft>
-                      </a:pPr>
-                      <a:r>
-                        <a:rPr lang="pt-BR" sz="1100">
-                          <a:effectLst/>
-                        </a:rPr>
-                        <a:t> </a:t>
-                      </a:r>
-                      <a:endParaRPr lang="pt-BR" sz="1100">
-                        <a:effectLst/>
-                        <a:latin typeface="Calibri" panose="020F0502020204030204" pitchFamily="34" charset="0"/>
-                        <a:ea typeface="Times New Roman" panose="02020603050405020304" pitchFamily="18" charset="0"/>
-                        <a:cs typeface="Times New Roman" panose="02020603050405020304" pitchFamily="18" charset="0"/>
-                      </a:endParaRPr>
-                    </a:p>
-                  </a:txBody>
-                  <a:tcPr marL="68580" marR="68580" marT="0" marB="0"/>
-                </a:tc>
-                <a:tc>
-                  <a:txBody>
-                    <a:bodyPr/>
-                    <a:lstStyle/>
-                    <a:p>
-                      <a:pPr algn="ctr">
-                        <a:spcAft>
-                          <a:spcPts val="1000"/>
-                        </a:spcAft>
-                      </a:pPr>
-                      <a:r>
-                        <a:rPr lang="pt-BR" sz="1100">
-                          <a:effectLst/>
-                        </a:rPr>
-                        <a:t> </a:t>
-                      </a:r>
-                      <a:endParaRPr lang="pt-BR" sz="1100">
-                        <a:effectLst/>
-                        <a:latin typeface="Calibri" panose="020F0502020204030204" pitchFamily="34" charset="0"/>
-                        <a:ea typeface="Times New Roman" panose="02020603050405020304" pitchFamily="18" charset="0"/>
-                        <a:cs typeface="Times New Roman" panose="02020603050405020304" pitchFamily="18" charset="0"/>
-                      </a:endParaRPr>
-                    </a:p>
-                  </a:txBody>
-                  <a:tcPr marL="68580" marR="68580" marT="0" marB="0"/>
-                </a:tc>
-                <a:extLst>
-                  <a:ext uri="{0D108BD9-81ED-4DB2-BD59-A6C34878D82A}">
-                    <a16:rowId xmlns:a16="http://schemas.microsoft.com/office/drawing/2014/main" val="391161899"/>
-                  </a:ext>
-                </a:extLst>
-              </a:tr>
-              <a:tr h="288295">
-                <a:tc>
-                  <a:txBody>
-                    <a:bodyPr/>
-                    <a:lstStyle/>
-                    <a:p>
-                      <a:pPr algn="ctr">
-                        <a:spcAft>
-                          <a:spcPts val="1000"/>
-                        </a:spcAft>
-                      </a:pPr>
-                      <a:r>
-                        <a:rPr lang="pt-BR" sz="1100" dirty="0">
-                          <a:effectLst/>
-                        </a:rPr>
-                        <a:t>Tastemade</a:t>
-                      </a:r>
-                      <a:endParaRPr lang="pt-BR" sz="1100" dirty="0">
-                        <a:effectLst/>
-                        <a:latin typeface="Calibri" panose="020F0502020204030204" pitchFamily="34" charset="0"/>
-                        <a:ea typeface="Times New Roman" panose="02020603050405020304" pitchFamily="18" charset="0"/>
-                        <a:cs typeface="Times New Roman" panose="02020603050405020304" pitchFamily="18" charset="0"/>
-                      </a:endParaRPr>
-                    </a:p>
-                  </a:txBody>
-                  <a:tcPr marL="68580" marR="68580" marT="0" marB="0"/>
-                </a:tc>
-                <a:tc>
-                  <a:txBody>
-                    <a:bodyPr/>
-                    <a:lstStyle/>
-                    <a:p>
-                      <a:pPr algn="ctr">
-                        <a:spcAft>
-                          <a:spcPts val="1000"/>
-                        </a:spcAft>
-                      </a:pPr>
-                      <a:r>
-                        <a:rPr lang="pt-BR" sz="1100">
-                          <a:effectLst/>
-                        </a:rPr>
-                        <a:t>X</a:t>
-                      </a:r>
-                      <a:endParaRPr lang="pt-BR" sz="1100">
-                        <a:effectLst/>
-                        <a:latin typeface="Calibri" panose="020F0502020204030204" pitchFamily="34" charset="0"/>
-                        <a:ea typeface="Times New Roman" panose="02020603050405020304" pitchFamily="18" charset="0"/>
-                        <a:cs typeface="Times New Roman" panose="02020603050405020304" pitchFamily="18" charset="0"/>
-                      </a:endParaRPr>
-                    </a:p>
-                  </a:txBody>
-                  <a:tcPr marL="68580" marR="68580" marT="0" marB="0"/>
-                </a:tc>
-                <a:tc>
-                  <a:txBody>
-                    <a:bodyPr/>
-                    <a:lstStyle/>
-                    <a:p>
-                      <a:pPr algn="ctr">
-                        <a:spcAft>
-                          <a:spcPts val="1000"/>
-                        </a:spcAft>
-                      </a:pPr>
-                      <a:r>
-                        <a:rPr lang="pt-BR" sz="1100">
-                          <a:effectLst/>
-                        </a:rPr>
-                        <a:t> </a:t>
-                      </a:r>
-                      <a:endParaRPr lang="pt-BR" sz="1100">
-                        <a:effectLst/>
-                        <a:latin typeface="Calibri" panose="020F0502020204030204" pitchFamily="34" charset="0"/>
-                        <a:ea typeface="Times New Roman" panose="02020603050405020304" pitchFamily="18" charset="0"/>
-                        <a:cs typeface="Times New Roman" panose="02020603050405020304" pitchFamily="18" charset="0"/>
-                      </a:endParaRPr>
-                    </a:p>
-                  </a:txBody>
-                  <a:tcPr marL="68580" marR="68580" marT="0" marB="0"/>
-                </a:tc>
-                <a:tc>
-                  <a:txBody>
-                    <a:bodyPr/>
-                    <a:lstStyle/>
-                    <a:p>
-                      <a:pPr algn="ctr">
-                        <a:spcAft>
-                          <a:spcPts val="1000"/>
-                        </a:spcAft>
-                      </a:pPr>
-                      <a:r>
-                        <a:rPr lang="pt-BR" sz="1100">
-                          <a:effectLst/>
-                        </a:rPr>
-                        <a:t> </a:t>
-                      </a:r>
-                      <a:endParaRPr lang="pt-BR" sz="1100">
-                        <a:effectLst/>
-                        <a:latin typeface="Calibri" panose="020F0502020204030204" pitchFamily="34" charset="0"/>
-                        <a:ea typeface="Times New Roman" panose="02020603050405020304" pitchFamily="18" charset="0"/>
-                        <a:cs typeface="Times New Roman" panose="02020603050405020304" pitchFamily="18" charset="0"/>
-                      </a:endParaRPr>
-                    </a:p>
-                  </a:txBody>
-                  <a:tcPr marL="68580" marR="68580" marT="0" marB="0"/>
-                </a:tc>
-                <a:tc>
-                  <a:txBody>
-                    <a:bodyPr/>
-                    <a:lstStyle/>
-                    <a:p>
-                      <a:pPr algn="ctr">
-                        <a:spcAft>
-                          <a:spcPts val="1000"/>
-                        </a:spcAft>
-                      </a:pPr>
-                      <a:r>
-                        <a:rPr lang="pt-BR" sz="1100">
-                          <a:effectLst/>
-                        </a:rPr>
-                        <a:t> </a:t>
-                      </a:r>
-                      <a:endParaRPr lang="pt-BR" sz="1100">
-                        <a:effectLst/>
-                        <a:latin typeface="Calibri" panose="020F0502020204030204" pitchFamily="34" charset="0"/>
-                        <a:ea typeface="Times New Roman" panose="02020603050405020304" pitchFamily="18" charset="0"/>
-                        <a:cs typeface="Times New Roman" panose="02020603050405020304" pitchFamily="18" charset="0"/>
-                      </a:endParaRPr>
-                    </a:p>
-                  </a:txBody>
-                  <a:tcPr marL="68580" marR="68580" marT="0" marB="0"/>
-                </a:tc>
-                <a:tc>
-                  <a:txBody>
-                    <a:bodyPr/>
-                    <a:lstStyle/>
-                    <a:p>
-                      <a:pPr algn="ctr">
-                        <a:spcAft>
-                          <a:spcPts val="1000"/>
-                        </a:spcAft>
-                      </a:pPr>
-                      <a:r>
-                        <a:rPr lang="pt-BR" sz="1100">
-                          <a:effectLst/>
-                        </a:rPr>
-                        <a:t> </a:t>
-                      </a:r>
-                      <a:endParaRPr lang="pt-BR" sz="1100">
-                        <a:effectLst/>
-                        <a:latin typeface="Calibri" panose="020F0502020204030204" pitchFamily="34" charset="0"/>
-                        <a:ea typeface="Times New Roman" panose="02020603050405020304" pitchFamily="18" charset="0"/>
-                        <a:cs typeface="Times New Roman" panose="02020603050405020304" pitchFamily="18" charset="0"/>
-                      </a:endParaRPr>
-                    </a:p>
-                  </a:txBody>
-                  <a:tcPr marL="68580" marR="68580" marT="0" marB="0"/>
-                </a:tc>
-                <a:extLst>
-                  <a:ext uri="{0D108BD9-81ED-4DB2-BD59-A6C34878D82A}">
-                    <a16:rowId xmlns:a16="http://schemas.microsoft.com/office/drawing/2014/main" val="961658034"/>
-                  </a:ext>
-                </a:extLst>
-              </a:tr>
-              <a:tr h="369795">
-                <a:tc>
-                  <a:txBody>
-                    <a:bodyPr/>
-                    <a:lstStyle/>
-                    <a:p>
-                      <a:pPr algn="ctr">
-                        <a:spcAft>
-                          <a:spcPts val="1000"/>
-                        </a:spcAft>
-                      </a:pPr>
-                      <a:r>
-                        <a:rPr lang="pt-BR" sz="1100" dirty="0">
-                          <a:effectLst/>
-                        </a:rPr>
-                        <a:t>Tasty Recipes</a:t>
-                      </a:r>
-                      <a:endParaRPr lang="pt-BR" sz="1100" dirty="0">
-                        <a:effectLst/>
-                        <a:latin typeface="Calibri" panose="020F0502020204030204" pitchFamily="34" charset="0"/>
-                        <a:ea typeface="Times New Roman" panose="02020603050405020304" pitchFamily="18" charset="0"/>
-                        <a:cs typeface="Times New Roman" panose="02020603050405020304" pitchFamily="18" charset="0"/>
-                      </a:endParaRPr>
-                    </a:p>
-                  </a:txBody>
-                  <a:tcPr marL="68580" marR="68580" marT="0" marB="0"/>
-                </a:tc>
-                <a:tc>
-                  <a:txBody>
-                    <a:bodyPr/>
-                    <a:lstStyle/>
-                    <a:p>
-                      <a:pPr algn="ctr">
-                        <a:spcAft>
-                          <a:spcPts val="1000"/>
-                        </a:spcAft>
-                      </a:pPr>
-                      <a:r>
-                        <a:rPr lang="pt-BR" sz="1100">
-                          <a:effectLst/>
-                        </a:rPr>
-                        <a:t>X</a:t>
-                      </a:r>
-                      <a:endParaRPr lang="pt-BR" sz="1100">
-                        <a:effectLst/>
-                        <a:latin typeface="Calibri" panose="020F0502020204030204" pitchFamily="34" charset="0"/>
-                        <a:ea typeface="Times New Roman" panose="02020603050405020304" pitchFamily="18" charset="0"/>
-                        <a:cs typeface="Times New Roman" panose="02020603050405020304" pitchFamily="18" charset="0"/>
-                      </a:endParaRPr>
-                    </a:p>
-                  </a:txBody>
-                  <a:tcPr marL="68580" marR="68580" marT="0" marB="0"/>
-                </a:tc>
-                <a:tc>
-                  <a:txBody>
-                    <a:bodyPr/>
-                    <a:lstStyle/>
-                    <a:p>
-                      <a:pPr algn="ctr">
-                        <a:spcAft>
-                          <a:spcPts val="1000"/>
-                        </a:spcAft>
-                      </a:pPr>
-                      <a:r>
-                        <a:rPr lang="pt-BR" sz="1100">
-                          <a:effectLst/>
-                        </a:rPr>
-                        <a:t> </a:t>
-                      </a:r>
-                      <a:endParaRPr lang="pt-BR" sz="1100">
-                        <a:effectLst/>
-                        <a:latin typeface="Calibri" panose="020F0502020204030204" pitchFamily="34" charset="0"/>
-                        <a:ea typeface="Times New Roman" panose="02020603050405020304" pitchFamily="18" charset="0"/>
-                        <a:cs typeface="Times New Roman" panose="02020603050405020304" pitchFamily="18" charset="0"/>
-                      </a:endParaRPr>
-                    </a:p>
-                  </a:txBody>
-                  <a:tcPr marL="68580" marR="68580" marT="0" marB="0"/>
-                </a:tc>
-                <a:tc>
-                  <a:txBody>
-                    <a:bodyPr/>
-                    <a:lstStyle/>
-                    <a:p>
-                      <a:pPr algn="ctr">
-                        <a:spcAft>
-                          <a:spcPts val="1000"/>
-                        </a:spcAft>
-                      </a:pPr>
-                      <a:r>
-                        <a:rPr lang="pt-BR" sz="1100">
-                          <a:effectLst/>
-                        </a:rPr>
-                        <a:t> </a:t>
-                      </a:r>
-                      <a:endParaRPr lang="pt-BR" sz="1100">
-                        <a:effectLst/>
-                        <a:latin typeface="Calibri" panose="020F0502020204030204" pitchFamily="34" charset="0"/>
-                        <a:ea typeface="Times New Roman" panose="02020603050405020304" pitchFamily="18" charset="0"/>
-                        <a:cs typeface="Times New Roman" panose="02020603050405020304" pitchFamily="18" charset="0"/>
-                      </a:endParaRPr>
-                    </a:p>
-                  </a:txBody>
-                  <a:tcPr marL="68580" marR="68580" marT="0" marB="0"/>
-                </a:tc>
-                <a:tc>
-                  <a:txBody>
-                    <a:bodyPr/>
-                    <a:lstStyle/>
-                    <a:p>
-                      <a:pPr algn="ctr">
-                        <a:spcAft>
-                          <a:spcPts val="1000"/>
-                        </a:spcAft>
-                      </a:pPr>
-                      <a:r>
-                        <a:rPr lang="pt-BR" sz="1100">
-                          <a:effectLst/>
-                        </a:rPr>
-                        <a:t> </a:t>
-                      </a:r>
-                      <a:endParaRPr lang="pt-BR" sz="1100">
-                        <a:effectLst/>
-                        <a:latin typeface="Calibri" panose="020F0502020204030204" pitchFamily="34" charset="0"/>
-                        <a:ea typeface="Times New Roman" panose="02020603050405020304" pitchFamily="18" charset="0"/>
-                        <a:cs typeface="Times New Roman" panose="02020603050405020304" pitchFamily="18" charset="0"/>
-                      </a:endParaRPr>
-                    </a:p>
-                  </a:txBody>
-                  <a:tcPr marL="68580" marR="68580" marT="0" marB="0"/>
-                </a:tc>
-                <a:tc>
-                  <a:txBody>
-                    <a:bodyPr/>
-                    <a:lstStyle/>
-                    <a:p>
-                      <a:pPr algn="ctr">
-                        <a:spcAft>
-                          <a:spcPts val="1000"/>
-                        </a:spcAft>
-                      </a:pPr>
-                      <a:r>
-                        <a:rPr lang="pt-BR" sz="1100">
-                          <a:effectLst/>
-                        </a:rPr>
-                        <a:t> </a:t>
-                      </a:r>
-                      <a:endParaRPr lang="pt-BR" sz="1100">
-                        <a:effectLst/>
-                        <a:latin typeface="Calibri" panose="020F0502020204030204" pitchFamily="34" charset="0"/>
-                        <a:ea typeface="Times New Roman" panose="02020603050405020304" pitchFamily="18" charset="0"/>
-                        <a:cs typeface="Times New Roman" panose="02020603050405020304" pitchFamily="18" charset="0"/>
-                      </a:endParaRPr>
-                    </a:p>
-                  </a:txBody>
-                  <a:tcPr marL="68580" marR="68580" marT="0" marB="0"/>
-                </a:tc>
-                <a:extLst>
-                  <a:ext uri="{0D108BD9-81ED-4DB2-BD59-A6C34878D82A}">
-                    <a16:rowId xmlns:a16="http://schemas.microsoft.com/office/drawing/2014/main" val="2296729000"/>
-                  </a:ext>
-                </a:extLst>
-              </a:tr>
-              <a:tr h="406076">
-                <a:tc>
-                  <a:txBody>
-                    <a:bodyPr/>
-                    <a:lstStyle/>
-                    <a:p>
-                      <a:pPr algn="ctr">
-                        <a:spcAft>
-                          <a:spcPts val="1000"/>
-                        </a:spcAft>
-                      </a:pPr>
-                      <a:r>
-                        <a:rPr lang="pt-BR" sz="1100">
-                          <a:effectLst/>
-                        </a:rPr>
-                        <a:t>Yummly</a:t>
-                      </a:r>
-                      <a:endParaRPr lang="pt-BR" sz="1100">
-                        <a:effectLst/>
-                        <a:latin typeface="Calibri" panose="020F0502020204030204" pitchFamily="34" charset="0"/>
-                        <a:ea typeface="Times New Roman" panose="02020603050405020304" pitchFamily="18" charset="0"/>
-                        <a:cs typeface="Times New Roman" panose="02020603050405020304" pitchFamily="18" charset="0"/>
-                      </a:endParaRPr>
-                    </a:p>
-                  </a:txBody>
-                  <a:tcPr marL="68580" marR="68580" marT="0" marB="0"/>
-                </a:tc>
-                <a:tc>
-                  <a:txBody>
-                    <a:bodyPr/>
-                    <a:lstStyle/>
-                    <a:p>
-                      <a:pPr algn="ctr">
-                        <a:spcAft>
-                          <a:spcPts val="1000"/>
-                        </a:spcAft>
-                      </a:pPr>
-                      <a:r>
-                        <a:rPr lang="pt-BR" sz="1100">
-                          <a:effectLst/>
-                        </a:rPr>
-                        <a:t>X</a:t>
-                      </a:r>
-                      <a:endParaRPr lang="pt-BR" sz="1100">
-                        <a:effectLst/>
-                        <a:latin typeface="Calibri" panose="020F0502020204030204" pitchFamily="34" charset="0"/>
-                        <a:ea typeface="Times New Roman" panose="02020603050405020304" pitchFamily="18" charset="0"/>
-                        <a:cs typeface="Times New Roman" panose="02020603050405020304" pitchFamily="18" charset="0"/>
-                      </a:endParaRPr>
-                    </a:p>
-                  </a:txBody>
-                  <a:tcPr marL="68580" marR="68580" marT="0" marB="0"/>
-                </a:tc>
-                <a:tc>
-                  <a:txBody>
-                    <a:bodyPr/>
-                    <a:lstStyle/>
-                    <a:p>
-                      <a:pPr algn="ctr">
-                        <a:spcAft>
-                          <a:spcPts val="1000"/>
-                        </a:spcAft>
-                      </a:pPr>
-                      <a:r>
-                        <a:rPr lang="pt-BR" sz="1100">
-                          <a:effectLst/>
-                        </a:rPr>
-                        <a:t> </a:t>
-                      </a:r>
-                      <a:endParaRPr lang="pt-BR" sz="1100">
-                        <a:effectLst/>
-                        <a:latin typeface="Calibri" panose="020F0502020204030204" pitchFamily="34" charset="0"/>
-                        <a:ea typeface="Times New Roman" panose="02020603050405020304" pitchFamily="18" charset="0"/>
-                        <a:cs typeface="Times New Roman" panose="02020603050405020304" pitchFamily="18" charset="0"/>
-                      </a:endParaRPr>
-                    </a:p>
-                  </a:txBody>
-                  <a:tcPr marL="68580" marR="68580" marT="0" marB="0"/>
-                </a:tc>
-                <a:tc>
-                  <a:txBody>
-                    <a:bodyPr/>
-                    <a:lstStyle/>
-                    <a:p>
-                      <a:pPr algn="ctr">
-                        <a:spcAft>
-                          <a:spcPts val="1000"/>
-                        </a:spcAft>
-                      </a:pPr>
-                      <a:r>
-                        <a:rPr lang="pt-BR" sz="1100">
-                          <a:effectLst/>
-                        </a:rPr>
-                        <a:t> </a:t>
-                      </a:r>
-                      <a:endParaRPr lang="pt-BR" sz="1100">
-                        <a:effectLst/>
-                        <a:latin typeface="Calibri" panose="020F0502020204030204" pitchFamily="34" charset="0"/>
-                        <a:ea typeface="Times New Roman" panose="02020603050405020304" pitchFamily="18" charset="0"/>
-                        <a:cs typeface="Times New Roman" panose="02020603050405020304" pitchFamily="18" charset="0"/>
-                      </a:endParaRPr>
-                    </a:p>
-                  </a:txBody>
-                  <a:tcPr marL="68580" marR="68580" marT="0" marB="0"/>
-                </a:tc>
-                <a:tc>
-                  <a:txBody>
-                    <a:bodyPr/>
-                    <a:lstStyle/>
-                    <a:p>
-                      <a:pPr algn="ctr">
-                        <a:spcAft>
-                          <a:spcPts val="1000"/>
-                        </a:spcAft>
-                      </a:pPr>
-                      <a:r>
-                        <a:rPr lang="pt-BR" sz="1100">
-                          <a:effectLst/>
-                        </a:rPr>
-                        <a:t>X</a:t>
-                      </a:r>
-                      <a:endParaRPr lang="pt-BR" sz="1100">
-                        <a:effectLst/>
-                        <a:latin typeface="Calibri" panose="020F0502020204030204" pitchFamily="34" charset="0"/>
-                        <a:ea typeface="Times New Roman" panose="02020603050405020304" pitchFamily="18" charset="0"/>
-                        <a:cs typeface="Times New Roman" panose="02020603050405020304" pitchFamily="18" charset="0"/>
-                      </a:endParaRPr>
-                    </a:p>
-                  </a:txBody>
-                  <a:tcPr marL="68580" marR="68580" marT="0" marB="0"/>
-                </a:tc>
-                <a:tc>
-                  <a:txBody>
-                    <a:bodyPr/>
-                    <a:lstStyle/>
-                    <a:p>
-                      <a:pPr algn="ctr">
-                        <a:spcAft>
-                          <a:spcPts val="1000"/>
-                        </a:spcAft>
-                      </a:pPr>
-                      <a:r>
-                        <a:rPr lang="pt-BR" sz="1100" dirty="0">
-                          <a:effectLst/>
-                        </a:rPr>
-                        <a:t> </a:t>
-                      </a:r>
-                      <a:endParaRPr lang="pt-BR" sz="1100" dirty="0">
-                        <a:effectLst/>
-                        <a:latin typeface="Calibri" panose="020F0502020204030204" pitchFamily="34" charset="0"/>
-                        <a:ea typeface="Times New Roman" panose="02020603050405020304" pitchFamily="18" charset="0"/>
-                        <a:cs typeface="Times New Roman" panose="02020603050405020304" pitchFamily="18" charset="0"/>
-                      </a:endParaRPr>
-                    </a:p>
-                  </a:txBody>
-                  <a:tcPr marL="68580" marR="68580" marT="0" marB="0"/>
-                </a:tc>
-                <a:extLst>
-                  <a:ext uri="{0D108BD9-81ED-4DB2-BD59-A6C34878D82A}">
-                    <a16:rowId xmlns:a16="http://schemas.microsoft.com/office/drawing/2014/main" val="1930125462"/>
-                  </a:ext>
-                </a:extLst>
-              </a:tr>
-            </a:tbl>
-          </a:graphicData>
-        </a:graphic>
-      </p:graphicFrame>
+      <p:sp>
+        <p:nvSpPr>
+          <p:cNvPr id="2" name="Título 1">
+            <a:extLst>
+              <a:ext uri="{FF2B5EF4-FFF2-40B4-BE49-F238E27FC236}">
+                <a16:creationId xmlns:a16="http://schemas.microsoft.com/office/drawing/2014/main" id="{2E911B4C-A7E6-48B5-A983-DDE2293F61DF}"/>
+              </a:ext>
+            </a:extLst>
+          </p:cNvPr>
+          <p:cNvSpPr>
+            <a:spLocks noGrp="1"/>
+          </p:cNvSpPr>
+          <p:nvPr>
+            <p:ph type="title"/>
+          </p:nvPr>
+        </p:nvSpPr>
+        <p:spPr/>
+        <p:txBody>
+          <a:bodyPr/>
+          <a:lstStyle/>
+          <a:p>
+            <a:r>
+              <a:rPr lang="pt-BR" dirty="0"/>
+              <a:t>Comparativo das plataformas</a:t>
+            </a:r>
+          </a:p>
+        </p:txBody>
+      </p:sp>
+      <p:pic>
+        <p:nvPicPr>
+          <p:cNvPr id="4" name="Imagem 3">
+            <a:extLst>
+              <a:ext uri="{FF2B5EF4-FFF2-40B4-BE49-F238E27FC236}">
+                <a16:creationId xmlns:a16="http://schemas.microsoft.com/office/drawing/2014/main" id="{3A4D15D7-8E24-4F27-9060-55DB17684714}"/>
+              </a:ext>
+            </a:extLst>
+          </p:cNvPr>
+          <p:cNvPicPr>
+            <a:picLocks noChangeAspect="1"/>
+          </p:cNvPicPr>
+          <p:nvPr/>
+        </p:nvPicPr>
+        <p:blipFill>
+          <a:blip r:embed="rId2"/>
+          <a:stretch>
+            <a:fillRect/>
+          </a:stretch>
+        </p:blipFill>
+        <p:spPr>
+          <a:xfrm>
+            <a:off x="414995" y="2016073"/>
+            <a:ext cx="8321040" cy="2172774"/>
+          </a:xfrm>
+          <a:prstGeom prst="rect">
+            <a:avLst/>
+          </a:prstGeom>
+        </p:spPr>
+      </p:pic>
     </p:spTree>
     <p:extLst>
       <p:ext uri="{BB962C8B-B14F-4D97-AF65-F5344CB8AC3E}">
-        <p14:creationId xmlns:p14="http://schemas.microsoft.com/office/powerpoint/2010/main" val="2178892262"/>
+        <p14:creationId xmlns:p14="http://schemas.microsoft.com/office/powerpoint/2010/main" val="1607803290"/>
       </p:ext>
     </p:extLst>
   </p:cSld>
@@ -11926,44 +10921,6 @@
           </a:p>
         </p:txBody>
       </p:sp>
-      <p:pic>
-        <p:nvPicPr>
-          <p:cNvPr id="4" name="Content Placeholder 3"/>
-          <p:cNvPicPr>
-            <a:picLocks noGrp="1" noChangeAspect="1"/>
-          </p:cNvPicPr>
-          <p:nvPr>
-            <p:ph idx="1"/>
-          </p:nvPr>
-        </p:nvPicPr>
-        <p:blipFill>
-          <a:blip r:embed="rId2">
-            <a:extLst>
-              <a:ext uri="{28A0092B-C50C-407E-A947-70E740481C1C}">
-                <a14:useLocalDpi xmlns:a14="http://schemas.microsoft.com/office/drawing/2010/main" val="0"/>
-              </a:ext>
-            </a:extLst>
-          </a:blip>
-          <a:stretch>
-            <a:fillRect/>
-          </a:stretch>
-        </p:blipFill>
-        <p:spPr>
-          <a:xfrm>
-            <a:off x="1457173" y="2039093"/>
-            <a:ext cx="2762402" cy="2447392"/>
-          </a:xfrm>
-          <a:prstGeom prst="ellipse">
-            <a:avLst/>
-          </a:prstGeom>
-          <a:ln>
-            <a:noFill/>
-          </a:ln>
-          <a:effectLst>
-            <a:softEdge rad="112500"/>
-          </a:effectLst>
-        </p:spPr>
-      </p:pic>
       <p:sp>
         <p:nvSpPr>
           <p:cNvPr id="5" name="TextBox 4"/>
@@ -12017,11 +10974,11 @@
             <a:avLst/>
           </a:prstGeom>
           <a:solidFill>
-            <a:srgbClr val="3366CC"/>
+            <a:srgbClr val="B0875C"/>
           </a:solidFill>
           <a:ln>
             <a:solidFill>
-              <a:srgbClr val="3366CC"/>
+              <a:srgbClr val="B0875C"/>
             </a:solidFill>
           </a:ln>
         </p:spPr>
@@ -12065,11 +11022,11 @@
             <a:avLst/>
           </a:prstGeom>
           <a:solidFill>
-            <a:srgbClr val="DC3912"/>
+            <a:srgbClr val="DBB690"/>
           </a:solidFill>
           <a:ln>
             <a:solidFill>
-              <a:srgbClr val="DC3912"/>
+              <a:srgbClr val="DBB690"/>
             </a:solidFill>
           </a:ln>
         </p:spPr>
@@ -12098,6 +11055,44 @@
           </a:p>
         </p:txBody>
       </p:sp>
+      <p:pic>
+        <p:nvPicPr>
+          <p:cNvPr id="10" name="Espaço Reservado para Conteúdo 9">
+            <a:extLst>
+              <a:ext uri="{FF2B5EF4-FFF2-40B4-BE49-F238E27FC236}">
+                <a16:creationId xmlns:a16="http://schemas.microsoft.com/office/drawing/2014/main" id="{F708C451-68F2-4A8C-B354-2DD8653DA69D}"/>
+              </a:ext>
+            </a:extLst>
+          </p:cNvPr>
+          <p:cNvPicPr>
+            <a:picLocks noGrp="1" noChangeAspect="1"/>
+          </p:cNvPicPr>
+          <p:nvPr>
+            <p:ph idx="1"/>
+          </p:nvPr>
+        </p:nvPicPr>
+        <p:blipFill>
+          <a:blip r:embed="rId2"/>
+          <a:stretch>
+            <a:fillRect/>
+          </a:stretch>
+        </p:blipFill>
+        <p:spPr>
+          <a:xfrm>
+            <a:off x="1392306" y="1894364"/>
+            <a:ext cx="2561110" cy="2489200"/>
+          </a:xfrm>
+          <a:prstGeom prst="rect">
+            <a:avLst/>
+          </a:prstGeom>
+          <a:ln>
+            <a:noFill/>
+          </a:ln>
+          <a:effectLst>
+            <a:softEdge rad="112500"/>
+          </a:effectLst>
+        </p:spPr>
+      </p:pic>
     </p:spTree>
     <p:extLst>
       <p:ext uri="{BB962C8B-B14F-4D97-AF65-F5344CB8AC3E}">
